--- a/Roadmap.pptx
+++ b/Roadmap.pptx
@@ -3,10 +3,12 @@
 <p:presentation xmlns:a="http://schemas.openxmlformats.org/drawingml/2006/main" xmlns:r="http://schemas.openxmlformats.org/officeDocument/2006/relationships" xmlns:p="http://schemas.openxmlformats.org/presentationml/2006/main" saveSubsetFonts="1">
   <p:sldMasterIdLst>
     <p:sldMasterId id="2147483648" r:id="rId1"/>
+    <p:sldMasterId id="2147483660" r:id="rId2"/>
   </p:sldMasterIdLst>
   <p:sldIdLst>
-    <p:sldId id="256" r:id="rId2"/>
-    <p:sldId id="257" r:id="rId3"/>
+    <p:sldId id="256" r:id="rId3"/>
+    <p:sldId id="257" r:id="rId4"/>
+    <p:sldId id="259" r:id="rId5"/>
   </p:sldIdLst>
   <p:sldSz cx="12192000" cy="6858000"/>
   <p:notesSz cx="6858000" cy="9144000"/>
@@ -254,7 +256,7 @@
             <a:fld id="{F98AA868-8872-43E4-8C98-D34DABD1FD38}" type="datetimeFigureOut">
               <a:rPr lang="pl-PL" smtClean="0"/>
               <a:pPr/>
-              <a:t>12.12.2023</a:t>
+              <a:t>09.02.2024</a:t>
             </a:fld>
             <a:endParaRPr lang="pl-PL"/>
           </a:p>
@@ -424,7 +426,7 @@
             <a:fld id="{F98AA868-8872-43E4-8C98-D34DABD1FD38}" type="datetimeFigureOut">
               <a:rPr lang="pl-PL" smtClean="0"/>
               <a:pPr/>
-              <a:t>12.12.2023</a:t>
+              <a:t>09.02.2024</a:t>
             </a:fld>
             <a:endParaRPr lang="pl-PL"/>
           </a:p>
@@ -604,7 +606,7 @@
             <a:fld id="{F98AA868-8872-43E4-8C98-D34DABD1FD38}" type="datetimeFigureOut">
               <a:rPr lang="pl-PL" smtClean="0"/>
               <a:pPr/>
-              <a:t>12.12.2023</a:t>
+              <a:t>09.02.2024</a:t>
             </a:fld>
             <a:endParaRPr lang="pl-PL"/>
           </a:p>
@@ -657,6 +659,2156 @@
     <p:extLst>
       <p:ext uri="{BB962C8B-B14F-4D97-AF65-F5344CB8AC3E}">
         <p14:creationId xmlns:p14="http://schemas.microsoft.com/office/powerpoint/2010/main" val="1340386666"/>
+      </p:ext>
+    </p:extLst>
+  </p:cSld>
+  <p:clrMapOvr>
+    <a:masterClrMapping/>
+  </p:clrMapOvr>
+</p:sldLayout>
+</file>
+
+<file path=ppt/slideLayouts/slideLayout12.xml><?xml version="1.0" encoding="utf-8"?>
+<p:sldLayout xmlns:a="http://schemas.openxmlformats.org/drawingml/2006/main" xmlns:r="http://schemas.openxmlformats.org/officeDocument/2006/relationships" xmlns:p="http://schemas.openxmlformats.org/presentationml/2006/main" showMasterSp="0" type="title" preserve="1">
+  <p:cSld name="Slajd tytułowy">
+    <p:spTree>
+      <p:nvGrpSpPr>
+        <p:cNvPr id="1" name=""/>
+        <p:cNvGrpSpPr/>
+        <p:nvPr/>
+      </p:nvGrpSpPr>
+      <p:grpSpPr>
+        <a:xfrm>
+          <a:off x="0" y="0"/>
+          <a:ext cx="0" cy="0"/>
+          <a:chOff x="0" y="0"/>
+          <a:chExt cx="0" cy="0"/>
+        </a:xfrm>
+      </p:grpSpPr>
+      <p:grpSp>
+        <p:nvGrpSpPr>
+          <p:cNvPr id="7" name="Group 6"/>
+          <p:cNvGrpSpPr/>
+          <p:nvPr/>
+        </p:nvGrpSpPr>
+        <p:grpSpPr>
+          <a:xfrm>
+            <a:off x="-16934" y="0"/>
+            <a:ext cx="12231160" cy="6856214"/>
+            <a:chOff x="-16934" y="0"/>
+            <a:chExt cx="12231160" cy="6856214"/>
+          </a:xfrm>
+        </p:grpSpPr>
+        <p:pic>
+          <p:nvPicPr>
+            <p:cNvPr id="16" name="Picture 15" descr="HD-PanelTitleR1.png"/>
+            <p:cNvPicPr>
+              <a:picLocks noChangeAspect="1"/>
+            </p:cNvPicPr>
+            <p:nvPr/>
+          </p:nvPicPr>
+          <p:blipFill>
+            <a:blip r:embed="rId2">
+              <a:extLst>
+                <a:ext uri="{28A0092B-C50C-407E-A947-70E740481C1C}">
+                  <a14:useLocalDpi xmlns:a14="http://schemas.microsoft.com/office/drawing/2010/main" val="0"/>
+                </a:ext>
+              </a:extLst>
+            </a:blip>
+            <a:stretch>
+              <a:fillRect/>
+            </a:stretch>
+          </p:blipFill>
+          <p:spPr>
+            <a:xfrm>
+              <a:off x="0" y="0"/>
+              <a:ext cx="12188825" cy="6856214"/>
+            </a:xfrm>
+            <a:prstGeom prst="rect">
+              <a:avLst/>
+            </a:prstGeom>
+          </p:spPr>
+        </p:pic>
+        <p:sp>
+          <p:nvSpPr>
+            <p:cNvPr id="26" name="Rectangle 25"/>
+            <p:cNvSpPr/>
+            <p:nvPr/>
+          </p:nvSpPr>
+          <p:spPr>
+            <a:xfrm>
+              <a:off x="2328332" y="1540931"/>
+              <a:ext cx="7543802" cy="3835401"/>
+            </a:xfrm>
+            <a:prstGeom prst="rect">
+              <a:avLst/>
+            </a:prstGeom>
+            <a:noFill/>
+            <a:ln w="15875">
+              <a:miter lim="800000"/>
+            </a:ln>
+          </p:spPr>
+          <p:style>
+            <a:lnRef idx="1">
+              <a:schemeClr val="accent1"/>
+            </a:lnRef>
+            <a:fillRef idx="3">
+              <a:schemeClr val="accent1"/>
+            </a:fillRef>
+            <a:effectRef idx="2">
+              <a:schemeClr val="accent1"/>
+            </a:effectRef>
+            <a:fontRef idx="minor">
+              <a:schemeClr val="lt1"/>
+            </a:fontRef>
+          </p:style>
+        </p:sp>
+        <p:pic>
+          <p:nvPicPr>
+            <p:cNvPr id="17" name="Picture 16" descr="HDRibbonTitle-UniformTrim.png"/>
+            <p:cNvPicPr>
+              <a:picLocks noChangeAspect="1"/>
+            </p:cNvPicPr>
+            <p:nvPr/>
+          </p:nvPicPr>
+          <p:blipFill rotWithShape="1">
+            <a:blip r:embed="rId3">
+              <a:extLst>
+                <a:ext uri="{28A0092B-C50C-407E-A947-70E740481C1C}">
+                  <a14:useLocalDpi xmlns:a14="http://schemas.microsoft.com/office/drawing/2010/main" val="0"/>
+                </a:ext>
+              </a:extLst>
+            </a:blip>
+            <a:srcRect/>
+            <a:stretch/>
+          </p:blipFill>
+          <p:spPr>
+            <a:xfrm>
+              <a:off x="-16934" y="3147609"/>
+              <a:ext cx="2478024" cy="612648"/>
+            </a:xfrm>
+            <a:prstGeom prst="rect">
+              <a:avLst/>
+            </a:prstGeom>
+          </p:spPr>
+        </p:pic>
+        <p:pic>
+          <p:nvPicPr>
+            <p:cNvPr id="20" name="Picture 19" descr="HDRibbonTitle-UniformTrim.png"/>
+            <p:cNvPicPr>
+              <a:picLocks noChangeAspect="1"/>
+            </p:cNvPicPr>
+            <p:nvPr/>
+          </p:nvPicPr>
+          <p:blipFill rotWithShape="1">
+            <a:blip r:embed="rId3">
+              <a:extLst>
+                <a:ext uri="{28A0092B-C50C-407E-A947-70E740481C1C}">
+                  <a14:useLocalDpi xmlns:a14="http://schemas.microsoft.com/office/drawing/2010/main" val="0"/>
+                </a:ext>
+              </a:extLst>
+            </a:blip>
+            <a:srcRect/>
+            <a:stretch/>
+          </p:blipFill>
+          <p:spPr>
+            <a:xfrm>
+              <a:off x="9736202" y="3147609"/>
+              <a:ext cx="2478024" cy="612648"/>
+            </a:xfrm>
+            <a:prstGeom prst="rect">
+              <a:avLst/>
+            </a:prstGeom>
+          </p:spPr>
+        </p:pic>
+      </p:grpSp>
+      <p:sp>
+        <p:nvSpPr>
+          <p:cNvPr id="2" name="Title 1"/>
+          <p:cNvSpPr>
+            <a:spLocks noGrp="1"/>
+          </p:cNvSpPr>
+          <p:nvPr>
+            <p:ph type="ctrTitle"/>
+          </p:nvPr>
+        </p:nvSpPr>
+        <p:spPr>
+          <a:xfrm>
+            <a:off x="2692398" y="1871131"/>
+            <a:ext cx="6815669" cy="1515533"/>
+          </a:xfrm>
+        </p:spPr>
+        <p:txBody>
+          <a:bodyPr anchor="b">
+            <a:noAutofit/>
+          </a:bodyPr>
+          <a:lstStyle>
+            <a:lvl1pPr algn="ctr">
+              <a:defRPr sz="5400">
+                <a:effectLst/>
+              </a:defRPr>
+            </a:lvl1pPr>
+          </a:lstStyle>
+          <a:p>
+            <a:r>
+              <a:rPr lang="pl-PL"/>
+              <a:t>Kliknij, aby edytować styl</a:t>
+            </a:r>
+            <a:endParaRPr lang="en-US" dirty="0"/>
+          </a:p>
+        </p:txBody>
+      </p:sp>
+      <p:sp>
+        <p:nvSpPr>
+          <p:cNvPr id="3" name="Subtitle 2"/>
+          <p:cNvSpPr>
+            <a:spLocks noGrp="1"/>
+          </p:cNvSpPr>
+          <p:nvPr>
+            <p:ph type="subTitle" idx="1"/>
+          </p:nvPr>
+        </p:nvSpPr>
+        <p:spPr>
+          <a:xfrm>
+            <a:off x="2692398" y="3657597"/>
+            <a:ext cx="6815669" cy="1320802"/>
+          </a:xfrm>
+        </p:spPr>
+        <p:txBody>
+          <a:bodyPr anchor="t">
+            <a:normAutofit/>
+          </a:bodyPr>
+          <a:lstStyle>
+            <a:lvl1pPr marL="0" indent="0" algn="ctr">
+              <a:buNone/>
+              <a:defRPr sz="2100">
+                <a:solidFill>
+                  <a:schemeClr val="tx1"/>
+                </a:solidFill>
+              </a:defRPr>
+            </a:lvl1pPr>
+            <a:lvl2pPr marL="457200" indent="0" algn="ctr">
+              <a:buNone/>
+              <a:defRPr>
+                <a:solidFill>
+                  <a:schemeClr val="tx1">
+                    <a:tint val="75000"/>
+                  </a:schemeClr>
+                </a:solidFill>
+              </a:defRPr>
+            </a:lvl2pPr>
+            <a:lvl3pPr marL="914400" indent="0" algn="ctr">
+              <a:buNone/>
+              <a:defRPr>
+                <a:solidFill>
+                  <a:schemeClr val="tx1">
+                    <a:tint val="75000"/>
+                  </a:schemeClr>
+                </a:solidFill>
+              </a:defRPr>
+            </a:lvl3pPr>
+            <a:lvl4pPr marL="1371600" indent="0" algn="ctr">
+              <a:buNone/>
+              <a:defRPr>
+                <a:solidFill>
+                  <a:schemeClr val="tx1">
+                    <a:tint val="75000"/>
+                  </a:schemeClr>
+                </a:solidFill>
+              </a:defRPr>
+            </a:lvl4pPr>
+            <a:lvl5pPr marL="1828800" indent="0" algn="ctr">
+              <a:buNone/>
+              <a:defRPr>
+                <a:solidFill>
+                  <a:schemeClr val="tx1">
+                    <a:tint val="75000"/>
+                  </a:schemeClr>
+                </a:solidFill>
+              </a:defRPr>
+            </a:lvl5pPr>
+            <a:lvl6pPr marL="2286000" indent="0" algn="ctr">
+              <a:buNone/>
+              <a:defRPr>
+                <a:solidFill>
+                  <a:schemeClr val="tx1">
+                    <a:tint val="75000"/>
+                  </a:schemeClr>
+                </a:solidFill>
+              </a:defRPr>
+            </a:lvl6pPr>
+            <a:lvl7pPr marL="2743200" indent="0" algn="ctr">
+              <a:buNone/>
+              <a:defRPr>
+                <a:solidFill>
+                  <a:schemeClr val="tx1">
+                    <a:tint val="75000"/>
+                  </a:schemeClr>
+                </a:solidFill>
+              </a:defRPr>
+            </a:lvl7pPr>
+            <a:lvl8pPr marL="3200400" indent="0" algn="ctr">
+              <a:buNone/>
+              <a:defRPr>
+                <a:solidFill>
+                  <a:schemeClr val="tx1">
+                    <a:tint val="75000"/>
+                  </a:schemeClr>
+                </a:solidFill>
+              </a:defRPr>
+            </a:lvl8pPr>
+            <a:lvl9pPr marL="3657600" indent="0" algn="ctr">
+              <a:buNone/>
+              <a:defRPr>
+                <a:solidFill>
+                  <a:schemeClr val="tx1">
+                    <a:tint val="75000"/>
+                  </a:schemeClr>
+                </a:solidFill>
+              </a:defRPr>
+            </a:lvl9pPr>
+          </a:lstStyle>
+          <a:p>
+            <a:r>
+              <a:rPr lang="pl-PL"/>
+              <a:t>Kliknij, aby edytować styl wzorca podtytułu</a:t>
+            </a:r>
+            <a:endParaRPr lang="en-US" dirty="0"/>
+          </a:p>
+        </p:txBody>
+      </p:sp>
+      <p:sp>
+        <p:nvSpPr>
+          <p:cNvPr id="4" name="Date Placeholder 3"/>
+          <p:cNvSpPr>
+            <a:spLocks noGrp="1"/>
+          </p:cNvSpPr>
+          <p:nvPr>
+            <p:ph type="dt" sz="half" idx="10"/>
+          </p:nvPr>
+        </p:nvSpPr>
+        <p:spPr>
+          <a:xfrm>
+            <a:off x="7983232" y="5037663"/>
+            <a:ext cx="897467" cy="279400"/>
+          </a:xfrm>
+        </p:spPr>
+        <p:txBody>
+          <a:bodyPr/>
+          <a:lstStyle/>
+          <a:p>
+            <a:fld id="{F98AA868-8872-43E4-8C98-D34DABD1FD38}" type="datetimeFigureOut">
+              <a:rPr lang="pl-PL" smtClean="0"/>
+              <a:pPr/>
+              <a:t>09.02.2024</a:t>
+            </a:fld>
+            <a:endParaRPr lang="pl-PL"/>
+          </a:p>
+        </p:txBody>
+      </p:sp>
+      <p:sp>
+        <p:nvSpPr>
+          <p:cNvPr id="5" name="Footer Placeholder 4"/>
+          <p:cNvSpPr>
+            <a:spLocks noGrp="1"/>
+          </p:cNvSpPr>
+          <p:nvPr>
+            <p:ph type="ftr" sz="quarter" idx="11"/>
+          </p:nvPr>
+        </p:nvSpPr>
+        <p:spPr>
+          <a:xfrm>
+            <a:off x="2692397" y="5037663"/>
+            <a:ext cx="5214635" cy="279400"/>
+          </a:xfrm>
+        </p:spPr>
+        <p:txBody>
+          <a:bodyPr/>
+          <a:lstStyle/>
+          <a:p>
+            <a:endParaRPr lang="pl-PL"/>
+          </a:p>
+        </p:txBody>
+      </p:sp>
+      <p:sp>
+        <p:nvSpPr>
+          <p:cNvPr id="6" name="Slide Number Placeholder 5"/>
+          <p:cNvSpPr>
+            <a:spLocks noGrp="1"/>
+          </p:cNvSpPr>
+          <p:nvPr>
+            <p:ph type="sldNum" sz="quarter" idx="12"/>
+          </p:nvPr>
+        </p:nvSpPr>
+        <p:spPr>
+          <a:xfrm>
+            <a:off x="8956900" y="5037663"/>
+            <a:ext cx="551167" cy="279400"/>
+          </a:xfrm>
+        </p:spPr>
+        <p:txBody>
+          <a:bodyPr/>
+          <a:lstStyle/>
+          <a:p>
+            <a:fld id="{C77C6C3F-668B-4AF5-BFA9-0F657EB068D6}" type="slidenum">
+              <a:rPr lang="pl-PL" smtClean="0"/>
+              <a:pPr/>
+              <a:t>‹#›</a:t>
+            </a:fld>
+            <a:endParaRPr lang="pl-PL"/>
+          </a:p>
+        </p:txBody>
+      </p:sp>
+      <p:cxnSp>
+        <p:nvCxnSpPr>
+          <p:cNvPr id="15" name="Straight Connector 14"/>
+          <p:cNvCxnSpPr/>
+          <p:nvPr/>
+        </p:nvCxnSpPr>
+        <p:spPr>
+          <a:xfrm>
+            <a:off x="2692399" y="3522131"/>
+            <a:ext cx="6815668" cy="0"/>
+          </a:xfrm>
+          <a:prstGeom prst="line">
+            <a:avLst/>
+          </a:prstGeom>
+        </p:spPr>
+        <p:style>
+          <a:lnRef idx="2">
+            <a:schemeClr val="accent1"/>
+          </a:lnRef>
+          <a:fillRef idx="0">
+            <a:schemeClr val="accent1"/>
+          </a:fillRef>
+          <a:effectRef idx="1">
+            <a:schemeClr val="accent1"/>
+          </a:effectRef>
+          <a:fontRef idx="minor">
+            <a:schemeClr val="tx1"/>
+          </a:fontRef>
+        </p:style>
+      </p:cxnSp>
+    </p:spTree>
+    <p:extLst>
+      <p:ext uri="{BB962C8B-B14F-4D97-AF65-F5344CB8AC3E}">
+        <p14:creationId xmlns:p14="http://schemas.microsoft.com/office/powerpoint/2010/main" val="2868955259"/>
+      </p:ext>
+    </p:extLst>
+  </p:cSld>
+  <p:clrMapOvr>
+    <a:masterClrMapping/>
+  </p:clrMapOvr>
+</p:sldLayout>
+</file>
+
+<file path=ppt/slideLayouts/slideLayout13.xml><?xml version="1.0" encoding="utf-8"?>
+<p:sldLayout xmlns:a="http://schemas.openxmlformats.org/drawingml/2006/main" xmlns:r="http://schemas.openxmlformats.org/officeDocument/2006/relationships" xmlns:p="http://schemas.openxmlformats.org/presentationml/2006/main" type="obj" preserve="1">
+  <p:cSld name="Tytuł i zawartość">
+    <p:spTree>
+      <p:nvGrpSpPr>
+        <p:cNvPr id="1" name=""/>
+        <p:cNvGrpSpPr/>
+        <p:nvPr/>
+      </p:nvGrpSpPr>
+      <p:grpSpPr>
+        <a:xfrm>
+          <a:off x="0" y="0"/>
+          <a:ext cx="0" cy="0"/>
+          <a:chOff x="0" y="0"/>
+          <a:chExt cx="0" cy="0"/>
+        </a:xfrm>
+      </p:grpSpPr>
+      <p:cxnSp>
+        <p:nvCxnSpPr>
+          <p:cNvPr id="7" name="Straight Connector 6"/>
+          <p:cNvCxnSpPr/>
+          <p:nvPr/>
+        </p:nvCxnSpPr>
+        <p:spPr>
+          <a:xfrm>
+            <a:off x="1396169" y="2421466"/>
+            <a:ext cx="9407298" cy="0"/>
+          </a:xfrm>
+          <a:prstGeom prst="line">
+            <a:avLst/>
+          </a:prstGeom>
+          <a:ln w="15875"/>
+        </p:spPr>
+        <p:style>
+          <a:lnRef idx="2">
+            <a:schemeClr val="accent1"/>
+          </a:lnRef>
+          <a:fillRef idx="0">
+            <a:schemeClr val="accent1"/>
+          </a:fillRef>
+          <a:effectRef idx="1">
+            <a:schemeClr val="accent1"/>
+          </a:effectRef>
+          <a:fontRef idx="minor">
+            <a:schemeClr val="tx1"/>
+          </a:fontRef>
+        </p:style>
+      </p:cxnSp>
+      <p:sp>
+        <p:nvSpPr>
+          <p:cNvPr id="2" name="Title 1"/>
+          <p:cNvSpPr>
+            <a:spLocks noGrp="1"/>
+          </p:cNvSpPr>
+          <p:nvPr>
+            <p:ph type="title"/>
+          </p:nvPr>
+        </p:nvSpPr>
+        <p:spPr/>
+        <p:txBody>
+          <a:bodyPr/>
+          <a:lstStyle/>
+          <a:p>
+            <a:r>
+              <a:rPr lang="pl-PL"/>
+              <a:t>Kliknij, aby edytować styl</a:t>
+            </a:r>
+            <a:endParaRPr lang="en-US" dirty="0"/>
+          </a:p>
+        </p:txBody>
+      </p:sp>
+      <p:sp>
+        <p:nvSpPr>
+          <p:cNvPr id="3" name="Content Placeholder 2"/>
+          <p:cNvSpPr>
+            <a:spLocks noGrp="1"/>
+          </p:cNvSpPr>
+          <p:nvPr>
+            <p:ph idx="1"/>
+          </p:nvPr>
+        </p:nvSpPr>
+        <p:spPr/>
+        <p:txBody>
+          <a:bodyPr/>
+          <a:lstStyle/>
+          <a:p>
+            <a:pPr lvl="0"/>
+            <a:r>
+              <a:rPr lang="pl-PL"/>
+              <a:t>Kliknij, aby edytować style wzorca tekstu</a:t>
+            </a:r>
+          </a:p>
+          <a:p>
+            <a:pPr lvl="1"/>
+            <a:r>
+              <a:rPr lang="pl-PL"/>
+              <a:t>Drugi poziom</a:t>
+            </a:r>
+          </a:p>
+          <a:p>
+            <a:pPr lvl="2"/>
+            <a:r>
+              <a:rPr lang="pl-PL"/>
+              <a:t>Trzeci poziom</a:t>
+            </a:r>
+          </a:p>
+          <a:p>
+            <a:pPr lvl="3"/>
+            <a:r>
+              <a:rPr lang="pl-PL"/>
+              <a:t>Czwarty poziom</a:t>
+            </a:r>
+          </a:p>
+          <a:p>
+            <a:pPr lvl="4"/>
+            <a:r>
+              <a:rPr lang="pl-PL"/>
+              <a:t>Piąty poziom</a:t>
+            </a:r>
+            <a:endParaRPr lang="en-US" dirty="0"/>
+          </a:p>
+        </p:txBody>
+      </p:sp>
+      <p:sp>
+        <p:nvSpPr>
+          <p:cNvPr id="4" name="Date Placeholder 3"/>
+          <p:cNvSpPr>
+            <a:spLocks noGrp="1"/>
+          </p:cNvSpPr>
+          <p:nvPr>
+            <p:ph type="dt" sz="half" idx="10"/>
+          </p:nvPr>
+        </p:nvSpPr>
+        <p:spPr/>
+        <p:txBody>
+          <a:bodyPr/>
+          <a:lstStyle/>
+          <a:p>
+            <a:fld id="{F98AA868-8872-43E4-8C98-D34DABD1FD38}" type="datetimeFigureOut">
+              <a:rPr lang="pl-PL" smtClean="0"/>
+              <a:pPr/>
+              <a:t>09.02.2024</a:t>
+            </a:fld>
+            <a:endParaRPr lang="pl-PL"/>
+          </a:p>
+        </p:txBody>
+      </p:sp>
+      <p:sp>
+        <p:nvSpPr>
+          <p:cNvPr id="5" name="Footer Placeholder 4"/>
+          <p:cNvSpPr>
+            <a:spLocks noGrp="1"/>
+          </p:cNvSpPr>
+          <p:nvPr>
+            <p:ph type="ftr" sz="quarter" idx="11"/>
+          </p:nvPr>
+        </p:nvSpPr>
+        <p:spPr/>
+        <p:txBody>
+          <a:bodyPr/>
+          <a:lstStyle/>
+          <a:p>
+            <a:endParaRPr lang="pl-PL"/>
+          </a:p>
+        </p:txBody>
+      </p:sp>
+      <p:sp>
+        <p:nvSpPr>
+          <p:cNvPr id="6" name="Slide Number Placeholder 5"/>
+          <p:cNvSpPr>
+            <a:spLocks noGrp="1"/>
+          </p:cNvSpPr>
+          <p:nvPr>
+            <p:ph type="sldNum" sz="quarter" idx="12"/>
+          </p:nvPr>
+        </p:nvSpPr>
+        <p:spPr/>
+        <p:txBody>
+          <a:bodyPr/>
+          <a:lstStyle/>
+          <a:p>
+            <a:fld id="{C77C6C3F-668B-4AF5-BFA9-0F657EB068D6}" type="slidenum">
+              <a:rPr lang="pl-PL" smtClean="0"/>
+              <a:pPr/>
+              <a:t>‹#›</a:t>
+            </a:fld>
+            <a:endParaRPr lang="pl-PL"/>
+          </a:p>
+        </p:txBody>
+      </p:sp>
+    </p:spTree>
+    <p:extLst>
+      <p:ext uri="{BB962C8B-B14F-4D97-AF65-F5344CB8AC3E}">
+        <p14:creationId xmlns:p14="http://schemas.microsoft.com/office/powerpoint/2010/main" val="689105918"/>
+      </p:ext>
+    </p:extLst>
+  </p:cSld>
+  <p:clrMapOvr>
+    <a:masterClrMapping/>
+  </p:clrMapOvr>
+</p:sldLayout>
+</file>
+
+<file path=ppt/slideLayouts/slideLayout14.xml><?xml version="1.0" encoding="utf-8"?>
+<p:sldLayout xmlns:a="http://schemas.openxmlformats.org/drawingml/2006/main" xmlns:r="http://schemas.openxmlformats.org/officeDocument/2006/relationships" xmlns:p="http://schemas.openxmlformats.org/presentationml/2006/main" type="secHead" preserve="1">
+  <p:cSld name="Nagłówek sekcji">
+    <p:spTree>
+      <p:nvGrpSpPr>
+        <p:cNvPr id="1" name=""/>
+        <p:cNvGrpSpPr/>
+        <p:nvPr/>
+      </p:nvGrpSpPr>
+      <p:grpSpPr>
+        <a:xfrm>
+          <a:off x="0" y="0"/>
+          <a:ext cx="0" cy="0"/>
+          <a:chOff x="0" y="0"/>
+          <a:chExt cx="0" cy="0"/>
+        </a:xfrm>
+      </p:grpSpPr>
+      <p:sp>
+        <p:nvSpPr>
+          <p:cNvPr id="2" name="Title 1"/>
+          <p:cNvSpPr>
+            <a:spLocks noGrp="1"/>
+          </p:cNvSpPr>
+          <p:nvPr>
+            <p:ph type="title"/>
+          </p:nvPr>
+        </p:nvSpPr>
+        <p:spPr>
+          <a:xfrm>
+            <a:off x="2015069" y="1752606"/>
+            <a:ext cx="8158688" cy="1822514"/>
+          </a:xfrm>
+        </p:spPr>
+        <p:txBody>
+          <a:bodyPr anchor="b">
+            <a:normAutofit/>
+          </a:bodyPr>
+          <a:lstStyle>
+            <a:lvl1pPr algn="ctr">
+              <a:defRPr sz="4400" b="0" cap="none"/>
+            </a:lvl1pPr>
+          </a:lstStyle>
+          <a:p>
+            <a:r>
+              <a:rPr lang="pl-PL"/>
+              <a:t>Kliknij, aby edytować styl</a:t>
+            </a:r>
+            <a:endParaRPr lang="en-US" dirty="0"/>
+          </a:p>
+        </p:txBody>
+      </p:sp>
+      <p:sp>
+        <p:nvSpPr>
+          <p:cNvPr id="3" name="Text Placeholder 2"/>
+          <p:cNvSpPr>
+            <a:spLocks noGrp="1"/>
+          </p:cNvSpPr>
+          <p:nvPr>
+            <p:ph type="body" idx="1"/>
+          </p:nvPr>
+        </p:nvSpPr>
+        <p:spPr>
+          <a:xfrm>
+            <a:off x="2015067" y="3846051"/>
+            <a:ext cx="8158690" cy="954547"/>
+          </a:xfrm>
+        </p:spPr>
+        <p:txBody>
+          <a:bodyPr anchor="t">
+            <a:normAutofit/>
+          </a:bodyPr>
+          <a:lstStyle>
+            <a:lvl1pPr marL="0" indent="0" algn="ctr">
+              <a:buNone/>
+              <a:defRPr sz="2400">
+                <a:solidFill>
+                  <a:schemeClr val="tx1"/>
+                </a:solidFill>
+              </a:defRPr>
+            </a:lvl1pPr>
+            <a:lvl2pPr marL="457200" indent="0">
+              <a:buNone/>
+              <a:defRPr sz="1800">
+                <a:solidFill>
+                  <a:schemeClr val="tx1">
+                    <a:tint val="75000"/>
+                  </a:schemeClr>
+                </a:solidFill>
+              </a:defRPr>
+            </a:lvl2pPr>
+            <a:lvl3pPr marL="914400" indent="0">
+              <a:buNone/>
+              <a:defRPr sz="1600">
+                <a:solidFill>
+                  <a:schemeClr val="tx1">
+                    <a:tint val="75000"/>
+                  </a:schemeClr>
+                </a:solidFill>
+              </a:defRPr>
+            </a:lvl3pPr>
+            <a:lvl4pPr marL="1371600" indent="0">
+              <a:buNone/>
+              <a:defRPr sz="1400">
+                <a:solidFill>
+                  <a:schemeClr val="tx1">
+                    <a:tint val="75000"/>
+                  </a:schemeClr>
+                </a:solidFill>
+              </a:defRPr>
+            </a:lvl4pPr>
+            <a:lvl5pPr marL="1828800" indent="0">
+              <a:buNone/>
+              <a:defRPr sz="1400">
+                <a:solidFill>
+                  <a:schemeClr val="tx1">
+                    <a:tint val="75000"/>
+                  </a:schemeClr>
+                </a:solidFill>
+              </a:defRPr>
+            </a:lvl5pPr>
+            <a:lvl6pPr marL="2286000" indent="0">
+              <a:buNone/>
+              <a:defRPr sz="1400">
+                <a:solidFill>
+                  <a:schemeClr val="tx1">
+                    <a:tint val="75000"/>
+                  </a:schemeClr>
+                </a:solidFill>
+              </a:defRPr>
+            </a:lvl6pPr>
+            <a:lvl7pPr marL="2743200" indent="0">
+              <a:buNone/>
+              <a:defRPr sz="1400">
+                <a:solidFill>
+                  <a:schemeClr val="tx1">
+                    <a:tint val="75000"/>
+                  </a:schemeClr>
+                </a:solidFill>
+              </a:defRPr>
+            </a:lvl7pPr>
+            <a:lvl8pPr marL="3200400" indent="0">
+              <a:buNone/>
+              <a:defRPr sz="1400">
+                <a:solidFill>
+                  <a:schemeClr val="tx1">
+                    <a:tint val="75000"/>
+                  </a:schemeClr>
+                </a:solidFill>
+              </a:defRPr>
+            </a:lvl8pPr>
+            <a:lvl9pPr marL="3657600" indent="0">
+              <a:buNone/>
+              <a:defRPr sz="1400">
+                <a:solidFill>
+                  <a:schemeClr val="tx1">
+                    <a:tint val="75000"/>
+                  </a:schemeClr>
+                </a:solidFill>
+              </a:defRPr>
+            </a:lvl9pPr>
+          </a:lstStyle>
+          <a:p>
+            <a:pPr lvl="0"/>
+            <a:r>
+              <a:rPr lang="pl-PL"/>
+              <a:t>Kliknij, aby edytować style wzorca tekstu</a:t>
+            </a:r>
+          </a:p>
+        </p:txBody>
+      </p:sp>
+      <p:sp>
+        <p:nvSpPr>
+          <p:cNvPr id="4" name="Date Placeholder 3"/>
+          <p:cNvSpPr>
+            <a:spLocks noGrp="1"/>
+          </p:cNvSpPr>
+          <p:nvPr>
+            <p:ph type="dt" sz="half" idx="10"/>
+          </p:nvPr>
+        </p:nvSpPr>
+        <p:spPr/>
+        <p:txBody>
+          <a:bodyPr/>
+          <a:lstStyle/>
+          <a:p>
+            <a:fld id="{F98AA868-8872-43E4-8C98-D34DABD1FD38}" type="datetimeFigureOut">
+              <a:rPr lang="pl-PL" smtClean="0"/>
+              <a:pPr/>
+              <a:t>09.02.2024</a:t>
+            </a:fld>
+            <a:endParaRPr lang="pl-PL"/>
+          </a:p>
+        </p:txBody>
+      </p:sp>
+      <p:sp>
+        <p:nvSpPr>
+          <p:cNvPr id="5" name="Footer Placeholder 4"/>
+          <p:cNvSpPr>
+            <a:spLocks noGrp="1"/>
+          </p:cNvSpPr>
+          <p:nvPr>
+            <p:ph type="ftr" sz="quarter" idx="11"/>
+          </p:nvPr>
+        </p:nvSpPr>
+        <p:spPr/>
+        <p:txBody>
+          <a:bodyPr/>
+          <a:lstStyle/>
+          <a:p>
+            <a:endParaRPr lang="pl-PL"/>
+          </a:p>
+        </p:txBody>
+      </p:sp>
+      <p:sp>
+        <p:nvSpPr>
+          <p:cNvPr id="6" name="Slide Number Placeholder 5"/>
+          <p:cNvSpPr>
+            <a:spLocks noGrp="1"/>
+          </p:cNvSpPr>
+          <p:nvPr>
+            <p:ph type="sldNum" sz="quarter" idx="12"/>
+          </p:nvPr>
+        </p:nvSpPr>
+        <p:spPr/>
+        <p:txBody>
+          <a:bodyPr/>
+          <a:lstStyle/>
+          <a:p>
+            <a:fld id="{C77C6C3F-668B-4AF5-BFA9-0F657EB068D6}" type="slidenum">
+              <a:rPr lang="pl-PL" smtClean="0"/>
+              <a:pPr/>
+              <a:t>‹#›</a:t>
+            </a:fld>
+            <a:endParaRPr lang="pl-PL"/>
+          </a:p>
+        </p:txBody>
+      </p:sp>
+      <p:cxnSp>
+        <p:nvCxnSpPr>
+          <p:cNvPr id="16" name="Straight Connector 15"/>
+          <p:cNvCxnSpPr/>
+          <p:nvPr/>
+        </p:nvCxnSpPr>
+        <p:spPr>
+          <a:xfrm>
+            <a:off x="2012723" y="3710585"/>
+            <a:ext cx="8163380" cy="0"/>
+          </a:xfrm>
+          <a:prstGeom prst="line">
+            <a:avLst/>
+          </a:prstGeom>
+          <a:ln w="15875"/>
+        </p:spPr>
+        <p:style>
+          <a:lnRef idx="2">
+            <a:schemeClr val="accent1"/>
+          </a:lnRef>
+          <a:fillRef idx="0">
+            <a:schemeClr val="accent1"/>
+          </a:fillRef>
+          <a:effectRef idx="1">
+            <a:schemeClr val="accent1"/>
+          </a:effectRef>
+          <a:fontRef idx="minor">
+            <a:schemeClr val="tx1"/>
+          </a:fontRef>
+        </p:style>
+      </p:cxnSp>
+    </p:spTree>
+    <p:extLst>
+      <p:ext uri="{BB962C8B-B14F-4D97-AF65-F5344CB8AC3E}">
+        <p14:creationId xmlns:p14="http://schemas.microsoft.com/office/powerpoint/2010/main" val="3600304257"/>
+      </p:ext>
+    </p:extLst>
+  </p:cSld>
+  <p:clrMapOvr>
+    <a:masterClrMapping/>
+  </p:clrMapOvr>
+</p:sldLayout>
+</file>
+
+<file path=ppt/slideLayouts/slideLayout15.xml><?xml version="1.0" encoding="utf-8"?>
+<p:sldLayout xmlns:a="http://schemas.openxmlformats.org/drawingml/2006/main" xmlns:r="http://schemas.openxmlformats.org/officeDocument/2006/relationships" xmlns:p="http://schemas.openxmlformats.org/presentationml/2006/main" type="twoObj" preserve="1">
+  <p:cSld name="Dwa elementy zawartości">
+    <p:spTree>
+      <p:nvGrpSpPr>
+        <p:cNvPr id="1" name=""/>
+        <p:cNvGrpSpPr/>
+        <p:nvPr/>
+      </p:nvGrpSpPr>
+      <p:grpSpPr>
+        <a:xfrm>
+          <a:off x="0" y="0"/>
+          <a:ext cx="0" cy="0"/>
+          <a:chOff x="0" y="0"/>
+          <a:chExt cx="0" cy="0"/>
+        </a:xfrm>
+      </p:grpSpPr>
+      <p:cxnSp>
+        <p:nvCxnSpPr>
+          <p:cNvPr id="8" name="Straight Connector 7"/>
+          <p:cNvCxnSpPr/>
+          <p:nvPr/>
+        </p:nvCxnSpPr>
+        <p:spPr>
+          <a:xfrm>
+            <a:off x="1396169" y="2421466"/>
+            <a:ext cx="9407298" cy="0"/>
+          </a:xfrm>
+          <a:prstGeom prst="line">
+            <a:avLst/>
+          </a:prstGeom>
+          <a:ln w="15875"/>
+        </p:spPr>
+        <p:style>
+          <a:lnRef idx="2">
+            <a:schemeClr val="accent1"/>
+          </a:lnRef>
+          <a:fillRef idx="0">
+            <a:schemeClr val="accent1"/>
+          </a:fillRef>
+          <a:effectRef idx="1">
+            <a:schemeClr val="accent1"/>
+          </a:effectRef>
+          <a:fontRef idx="minor">
+            <a:schemeClr val="tx1"/>
+          </a:fontRef>
+        </p:style>
+      </p:cxnSp>
+      <p:sp>
+        <p:nvSpPr>
+          <p:cNvPr id="2" name="Title 1"/>
+          <p:cNvSpPr>
+            <a:spLocks noGrp="1"/>
+          </p:cNvSpPr>
+          <p:nvPr>
+            <p:ph type="title"/>
+          </p:nvPr>
+        </p:nvSpPr>
+        <p:spPr/>
+        <p:txBody>
+          <a:bodyPr/>
+          <a:lstStyle/>
+          <a:p>
+            <a:r>
+              <a:rPr lang="pl-PL"/>
+              <a:t>Kliknij, aby edytować styl</a:t>
+            </a:r>
+            <a:endParaRPr lang="en-US" dirty="0"/>
+          </a:p>
+        </p:txBody>
+      </p:sp>
+      <p:sp>
+        <p:nvSpPr>
+          <p:cNvPr id="3" name="Content Placeholder 2"/>
+          <p:cNvSpPr>
+            <a:spLocks noGrp="1"/>
+          </p:cNvSpPr>
+          <p:nvPr>
+            <p:ph sz="half" idx="1"/>
+          </p:nvPr>
+        </p:nvSpPr>
+        <p:spPr>
+          <a:xfrm>
+            <a:off x="1298448" y="2560320"/>
+            <a:ext cx="4718304" cy="3310128"/>
+          </a:xfrm>
+        </p:spPr>
+        <p:txBody>
+          <a:bodyPr>
+            <a:normAutofit/>
+          </a:bodyPr>
+          <a:lstStyle/>
+          <a:p>
+            <a:pPr lvl="0"/>
+            <a:r>
+              <a:rPr lang="pl-PL"/>
+              <a:t>Kliknij, aby edytować style wzorca tekstu</a:t>
+            </a:r>
+          </a:p>
+          <a:p>
+            <a:pPr lvl="1"/>
+            <a:r>
+              <a:rPr lang="pl-PL"/>
+              <a:t>Drugi poziom</a:t>
+            </a:r>
+          </a:p>
+          <a:p>
+            <a:pPr lvl="2"/>
+            <a:r>
+              <a:rPr lang="pl-PL"/>
+              <a:t>Trzeci poziom</a:t>
+            </a:r>
+          </a:p>
+          <a:p>
+            <a:pPr lvl="3"/>
+            <a:r>
+              <a:rPr lang="pl-PL"/>
+              <a:t>Czwarty poziom</a:t>
+            </a:r>
+          </a:p>
+          <a:p>
+            <a:pPr lvl="4"/>
+            <a:r>
+              <a:rPr lang="pl-PL"/>
+              <a:t>Piąty poziom</a:t>
+            </a:r>
+            <a:endParaRPr lang="en-US" dirty="0"/>
+          </a:p>
+        </p:txBody>
+      </p:sp>
+      <p:sp>
+        <p:nvSpPr>
+          <p:cNvPr id="4" name="Content Placeholder 3"/>
+          <p:cNvSpPr>
+            <a:spLocks noGrp="1"/>
+          </p:cNvSpPr>
+          <p:nvPr>
+            <p:ph sz="half" idx="2"/>
+          </p:nvPr>
+        </p:nvSpPr>
+        <p:spPr>
+          <a:xfrm>
+            <a:off x="6181344" y="2560320"/>
+            <a:ext cx="4718304" cy="3310128"/>
+          </a:xfrm>
+        </p:spPr>
+        <p:txBody>
+          <a:bodyPr>
+            <a:normAutofit/>
+          </a:bodyPr>
+          <a:lstStyle/>
+          <a:p>
+            <a:pPr lvl="0"/>
+            <a:r>
+              <a:rPr lang="pl-PL"/>
+              <a:t>Kliknij, aby edytować style wzorca tekstu</a:t>
+            </a:r>
+          </a:p>
+          <a:p>
+            <a:pPr lvl="1"/>
+            <a:r>
+              <a:rPr lang="pl-PL"/>
+              <a:t>Drugi poziom</a:t>
+            </a:r>
+          </a:p>
+          <a:p>
+            <a:pPr lvl="2"/>
+            <a:r>
+              <a:rPr lang="pl-PL"/>
+              <a:t>Trzeci poziom</a:t>
+            </a:r>
+          </a:p>
+          <a:p>
+            <a:pPr lvl="3"/>
+            <a:r>
+              <a:rPr lang="pl-PL"/>
+              <a:t>Czwarty poziom</a:t>
+            </a:r>
+          </a:p>
+          <a:p>
+            <a:pPr lvl="4"/>
+            <a:r>
+              <a:rPr lang="pl-PL"/>
+              <a:t>Piąty poziom</a:t>
+            </a:r>
+            <a:endParaRPr lang="en-US" dirty="0"/>
+          </a:p>
+        </p:txBody>
+      </p:sp>
+      <p:sp>
+        <p:nvSpPr>
+          <p:cNvPr id="5" name="Date Placeholder 4"/>
+          <p:cNvSpPr>
+            <a:spLocks noGrp="1"/>
+          </p:cNvSpPr>
+          <p:nvPr>
+            <p:ph type="dt" sz="half" idx="10"/>
+          </p:nvPr>
+        </p:nvSpPr>
+        <p:spPr/>
+        <p:txBody>
+          <a:bodyPr/>
+          <a:lstStyle/>
+          <a:p>
+            <a:fld id="{F98AA868-8872-43E4-8C98-D34DABD1FD38}" type="datetimeFigureOut">
+              <a:rPr lang="pl-PL" smtClean="0"/>
+              <a:pPr/>
+              <a:t>09.02.2024</a:t>
+            </a:fld>
+            <a:endParaRPr lang="pl-PL"/>
+          </a:p>
+        </p:txBody>
+      </p:sp>
+      <p:sp>
+        <p:nvSpPr>
+          <p:cNvPr id="6" name="Footer Placeholder 5"/>
+          <p:cNvSpPr>
+            <a:spLocks noGrp="1"/>
+          </p:cNvSpPr>
+          <p:nvPr>
+            <p:ph type="ftr" sz="quarter" idx="11"/>
+          </p:nvPr>
+        </p:nvSpPr>
+        <p:spPr/>
+        <p:txBody>
+          <a:bodyPr/>
+          <a:lstStyle/>
+          <a:p>
+            <a:endParaRPr lang="pl-PL"/>
+          </a:p>
+        </p:txBody>
+      </p:sp>
+      <p:sp>
+        <p:nvSpPr>
+          <p:cNvPr id="7" name="Slide Number Placeholder 6"/>
+          <p:cNvSpPr>
+            <a:spLocks noGrp="1"/>
+          </p:cNvSpPr>
+          <p:nvPr>
+            <p:ph type="sldNum" sz="quarter" idx="12"/>
+          </p:nvPr>
+        </p:nvSpPr>
+        <p:spPr/>
+        <p:txBody>
+          <a:bodyPr/>
+          <a:lstStyle/>
+          <a:p>
+            <a:fld id="{C77C6C3F-668B-4AF5-BFA9-0F657EB068D6}" type="slidenum">
+              <a:rPr lang="pl-PL" smtClean="0"/>
+              <a:pPr/>
+              <a:t>‹#›</a:t>
+            </a:fld>
+            <a:endParaRPr lang="pl-PL"/>
+          </a:p>
+        </p:txBody>
+      </p:sp>
+    </p:spTree>
+    <p:extLst>
+      <p:ext uri="{BB962C8B-B14F-4D97-AF65-F5344CB8AC3E}">
+        <p14:creationId xmlns:p14="http://schemas.microsoft.com/office/powerpoint/2010/main" val="4143303549"/>
+      </p:ext>
+    </p:extLst>
+  </p:cSld>
+  <p:clrMapOvr>
+    <a:masterClrMapping/>
+  </p:clrMapOvr>
+</p:sldLayout>
+</file>
+
+<file path=ppt/slideLayouts/slideLayout16.xml><?xml version="1.0" encoding="utf-8"?>
+<p:sldLayout xmlns:a="http://schemas.openxmlformats.org/drawingml/2006/main" xmlns:r="http://schemas.openxmlformats.org/officeDocument/2006/relationships" xmlns:p="http://schemas.openxmlformats.org/presentationml/2006/main" type="twoTxTwoObj" preserve="1">
+  <p:cSld name="Porównanie">
+    <p:spTree>
+      <p:nvGrpSpPr>
+        <p:cNvPr id="1" name=""/>
+        <p:cNvGrpSpPr/>
+        <p:nvPr/>
+      </p:nvGrpSpPr>
+      <p:grpSpPr>
+        <a:xfrm>
+          <a:off x="0" y="0"/>
+          <a:ext cx="0" cy="0"/>
+          <a:chOff x="0" y="0"/>
+          <a:chExt cx="0" cy="0"/>
+        </a:xfrm>
+      </p:grpSpPr>
+      <p:sp>
+        <p:nvSpPr>
+          <p:cNvPr id="2" name="Title 1"/>
+          <p:cNvSpPr>
+            <a:spLocks noGrp="1"/>
+          </p:cNvSpPr>
+          <p:nvPr>
+            <p:ph type="title"/>
+          </p:nvPr>
+        </p:nvSpPr>
+        <p:spPr/>
+        <p:txBody>
+          <a:bodyPr/>
+          <a:lstStyle>
+            <a:lvl1pPr>
+              <a:defRPr/>
+            </a:lvl1pPr>
+          </a:lstStyle>
+          <a:p>
+            <a:r>
+              <a:rPr lang="pl-PL"/>
+              <a:t>Kliknij, aby edytować styl</a:t>
+            </a:r>
+            <a:endParaRPr lang="en-US" dirty="0"/>
+          </a:p>
+        </p:txBody>
+      </p:sp>
+      <p:sp>
+        <p:nvSpPr>
+          <p:cNvPr id="3" name="Text Placeholder 2"/>
+          <p:cNvSpPr>
+            <a:spLocks noGrp="1"/>
+          </p:cNvSpPr>
+          <p:nvPr>
+            <p:ph type="body" idx="1"/>
+          </p:nvPr>
+        </p:nvSpPr>
+        <p:spPr>
+          <a:xfrm>
+            <a:off x="1295400" y="2658533"/>
+            <a:ext cx="4718304" cy="576262"/>
+          </a:xfrm>
+        </p:spPr>
+        <p:txBody>
+          <a:bodyPr anchor="b">
+            <a:noAutofit/>
+          </a:bodyPr>
+          <a:lstStyle>
+            <a:lvl1pPr marL="0" indent="0">
+              <a:spcBef>
+                <a:spcPts val="672"/>
+              </a:spcBef>
+              <a:spcAft>
+                <a:spcPts val="600"/>
+              </a:spcAft>
+              <a:buNone/>
+              <a:defRPr sz="2800" b="0">
+                <a:solidFill>
+                  <a:schemeClr val="accent1"/>
+                </a:solidFill>
+              </a:defRPr>
+            </a:lvl1pPr>
+            <a:lvl2pPr marL="457200" indent="0">
+              <a:buNone/>
+              <a:defRPr sz="2000" b="1"/>
+            </a:lvl2pPr>
+            <a:lvl3pPr marL="914400" indent="0">
+              <a:buNone/>
+              <a:defRPr sz="1800" b="1"/>
+            </a:lvl3pPr>
+            <a:lvl4pPr marL="1371600" indent="0">
+              <a:buNone/>
+              <a:defRPr sz="1600" b="1"/>
+            </a:lvl4pPr>
+            <a:lvl5pPr marL="1828800" indent="0">
+              <a:buNone/>
+              <a:defRPr sz="1600" b="1"/>
+            </a:lvl5pPr>
+            <a:lvl6pPr marL="2286000" indent="0">
+              <a:buNone/>
+              <a:defRPr sz="1600" b="1"/>
+            </a:lvl6pPr>
+            <a:lvl7pPr marL="2743200" indent="0">
+              <a:buNone/>
+              <a:defRPr sz="1600" b="1"/>
+            </a:lvl7pPr>
+            <a:lvl8pPr marL="3200400" indent="0">
+              <a:buNone/>
+              <a:defRPr sz="1600" b="1"/>
+            </a:lvl8pPr>
+            <a:lvl9pPr marL="3657600" indent="0">
+              <a:buNone/>
+              <a:defRPr sz="1600" b="1"/>
+            </a:lvl9pPr>
+          </a:lstStyle>
+          <a:p>
+            <a:pPr lvl="0"/>
+            <a:r>
+              <a:rPr lang="pl-PL"/>
+              <a:t>Kliknij, aby edytować style wzorca tekstu</a:t>
+            </a:r>
+          </a:p>
+        </p:txBody>
+      </p:sp>
+      <p:sp>
+        <p:nvSpPr>
+          <p:cNvPr id="4" name="Content Placeholder 3"/>
+          <p:cNvSpPr>
+            <a:spLocks noGrp="1"/>
+          </p:cNvSpPr>
+          <p:nvPr>
+            <p:ph sz="half" idx="2"/>
+          </p:nvPr>
+        </p:nvSpPr>
+        <p:spPr>
+          <a:xfrm>
+            <a:off x="1295400" y="3243262"/>
+            <a:ext cx="4718304" cy="2632605"/>
+          </a:xfrm>
+        </p:spPr>
+        <p:txBody>
+          <a:bodyPr anchor="t">
+            <a:normAutofit/>
+          </a:bodyPr>
+          <a:lstStyle/>
+          <a:p>
+            <a:pPr lvl="0"/>
+            <a:r>
+              <a:rPr lang="pl-PL"/>
+              <a:t>Kliknij, aby edytować style wzorca tekstu</a:t>
+            </a:r>
+          </a:p>
+          <a:p>
+            <a:pPr lvl="1"/>
+            <a:r>
+              <a:rPr lang="pl-PL"/>
+              <a:t>Drugi poziom</a:t>
+            </a:r>
+          </a:p>
+          <a:p>
+            <a:pPr lvl="2"/>
+            <a:r>
+              <a:rPr lang="pl-PL"/>
+              <a:t>Trzeci poziom</a:t>
+            </a:r>
+          </a:p>
+          <a:p>
+            <a:pPr lvl="3"/>
+            <a:r>
+              <a:rPr lang="pl-PL"/>
+              <a:t>Czwarty poziom</a:t>
+            </a:r>
+          </a:p>
+          <a:p>
+            <a:pPr lvl="4"/>
+            <a:r>
+              <a:rPr lang="pl-PL"/>
+              <a:t>Piąty poziom</a:t>
+            </a:r>
+            <a:endParaRPr lang="en-US" dirty="0"/>
+          </a:p>
+        </p:txBody>
+      </p:sp>
+      <p:sp>
+        <p:nvSpPr>
+          <p:cNvPr id="5" name="Text Placeholder 4"/>
+          <p:cNvSpPr>
+            <a:spLocks noGrp="1"/>
+          </p:cNvSpPr>
+          <p:nvPr>
+            <p:ph type="body" sz="quarter" idx="3"/>
+          </p:nvPr>
+        </p:nvSpPr>
+        <p:spPr>
+          <a:xfrm>
+            <a:off x="6180670" y="2658533"/>
+            <a:ext cx="4718304" cy="576262"/>
+          </a:xfrm>
+        </p:spPr>
+        <p:txBody>
+          <a:bodyPr anchor="b">
+            <a:noAutofit/>
+          </a:bodyPr>
+          <a:lstStyle>
+            <a:lvl1pPr marL="0" indent="0">
+              <a:spcBef>
+                <a:spcPts val="672"/>
+              </a:spcBef>
+              <a:spcAft>
+                <a:spcPts val="600"/>
+              </a:spcAft>
+              <a:buNone/>
+              <a:defRPr sz="2800" b="0">
+                <a:solidFill>
+                  <a:schemeClr val="accent1"/>
+                </a:solidFill>
+              </a:defRPr>
+            </a:lvl1pPr>
+            <a:lvl2pPr marL="457200" indent="0">
+              <a:buNone/>
+              <a:defRPr sz="2000" b="1"/>
+            </a:lvl2pPr>
+            <a:lvl3pPr marL="914400" indent="0">
+              <a:buNone/>
+              <a:defRPr sz="1800" b="1"/>
+            </a:lvl3pPr>
+            <a:lvl4pPr marL="1371600" indent="0">
+              <a:buNone/>
+              <a:defRPr sz="1600" b="1"/>
+            </a:lvl4pPr>
+            <a:lvl5pPr marL="1828800" indent="0">
+              <a:buNone/>
+              <a:defRPr sz="1600" b="1"/>
+            </a:lvl5pPr>
+            <a:lvl6pPr marL="2286000" indent="0">
+              <a:buNone/>
+              <a:defRPr sz="1600" b="1"/>
+            </a:lvl6pPr>
+            <a:lvl7pPr marL="2743200" indent="0">
+              <a:buNone/>
+              <a:defRPr sz="1600" b="1"/>
+            </a:lvl7pPr>
+            <a:lvl8pPr marL="3200400" indent="0">
+              <a:buNone/>
+              <a:defRPr sz="1600" b="1"/>
+            </a:lvl8pPr>
+            <a:lvl9pPr marL="3657600" indent="0">
+              <a:buNone/>
+              <a:defRPr sz="1600" b="1"/>
+            </a:lvl9pPr>
+          </a:lstStyle>
+          <a:p>
+            <a:pPr lvl="0"/>
+            <a:r>
+              <a:rPr lang="pl-PL"/>
+              <a:t>Kliknij, aby edytować style wzorca tekstu</a:t>
+            </a:r>
+          </a:p>
+        </p:txBody>
+      </p:sp>
+      <p:sp>
+        <p:nvSpPr>
+          <p:cNvPr id="6" name="Content Placeholder 5"/>
+          <p:cNvSpPr>
+            <a:spLocks noGrp="1"/>
+          </p:cNvSpPr>
+          <p:nvPr>
+            <p:ph sz="quarter" idx="4"/>
+          </p:nvPr>
+        </p:nvSpPr>
+        <p:spPr>
+          <a:xfrm>
+            <a:off x="6180670" y="3243262"/>
+            <a:ext cx="4718304" cy="2632605"/>
+          </a:xfrm>
+        </p:spPr>
+        <p:txBody>
+          <a:bodyPr anchor="t">
+            <a:normAutofit/>
+          </a:bodyPr>
+          <a:lstStyle/>
+          <a:p>
+            <a:pPr lvl="0"/>
+            <a:r>
+              <a:rPr lang="pl-PL"/>
+              <a:t>Kliknij, aby edytować style wzorca tekstu</a:t>
+            </a:r>
+          </a:p>
+          <a:p>
+            <a:pPr lvl="1"/>
+            <a:r>
+              <a:rPr lang="pl-PL"/>
+              <a:t>Drugi poziom</a:t>
+            </a:r>
+          </a:p>
+          <a:p>
+            <a:pPr lvl="2"/>
+            <a:r>
+              <a:rPr lang="pl-PL"/>
+              <a:t>Trzeci poziom</a:t>
+            </a:r>
+          </a:p>
+          <a:p>
+            <a:pPr lvl="3"/>
+            <a:r>
+              <a:rPr lang="pl-PL"/>
+              <a:t>Czwarty poziom</a:t>
+            </a:r>
+          </a:p>
+          <a:p>
+            <a:pPr lvl="4"/>
+            <a:r>
+              <a:rPr lang="pl-PL"/>
+              <a:t>Piąty poziom</a:t>
+            </a:r>
+            <a:endParaRPr lang="en-US" dirty="0"/>
+          </a:p>
+        </p:txBody>
+      </p:sp>
+      <p:sp>
+        <p:nvSpPr>
+          <p:cNvPr id="7" name="Date Placeholder 6"/>
+          <p:cNvSpPr>
+            <a:spLocks noGrp="1"/>
+          </p:cNvSpPr>
+          <p:nvPr>
+            <p:ph type="dt" sz="half" idx="10"/>
+          </p:nvPr>
+        </p:nvSpPr>
+        <p:spPr/>
+        <p:txBody>
+          <a:bodyPr/>
+          <a:lstStyle/>
+          <a:p>
+            <a:fld id="{F98AA868-8872-43E4-8C98-D34DABD1FD38}" type="datetimeFigureOut">
+              <a:rPr lang="pl-PL" smtClean="0"/>
+              <a:pPr/>
+              <a:t>09.02.2024</a:t>
+            </a:fld>
+            <a:endParaRPr lang="pl-PL"/>
+          </a:p>
+        </p:txBody>
+      </p:sp>
+      <p:sp>
+        <p:nvSpPr>
+          <p:cNvPr id="8" name="Footer Placeholder 7"/>
+          <p:cNvSpPr>
+            <a:spLocks noGrp="1"/>
+          </p:cNvSpPr>
+          <p:nvPr>
+            <p:ph type="ftr" sz="quarter" idx="11"/>
+          </p:nvPr>
+        </p:nvSpPr>
+        <p:spPr/>
+        <p:txBody>
+          <a:bodyPr/>
+          <a:lstStyle/>
+          <a:p>
+            <a:endParaRPr lang="pl-PL"/>
+          </a:p>
+        </p:txBody>
+      </p:sp>
+      <p:sp>
+        <p:nvSpPr>
+          <p:cNvPr id="9" name="Slide Number Placeholder 8"/>
+          <p:cNvSpPr>
+            <a:spLocks noGrp="1"/>
+          </p:cNvSpPr>
+          <p:nvPr>
+            <p:ph type="sldNum" sz="quarter" idx="12"/>
+          </p:nvPr>
+        </p:nvSpPr>
+        <p:spPr/>
+        <p:txBody>
+          <a:bodyPr/>
+          <a:lstStyle/>
+          <a:p>
+            <a:fld id="{C77C6C3F-668B-4AF5-BFA9-0F657EB068D6}" type="slidenum">
+              <a:rPr lang="pl-PL" smtClean="0"/>
+              <a:pPr/>
+              <a:t>‹#›</a:t>
+            </a:fld>
+            <a:endParaRPr lang="pl-PL"/>
+          </a:p>
+        </p:txBody>
+      </p:sp>
+      <p:cxnSp>
+        <p:nvCxnSpPr>
+          <p:cNvPr id="18" name="Straight Connector 17"/>
+          <p:cNvCxnSpPr/>
+          <p:nvPr/>
+        </p:nvCxnSpPr>
+        <p:spPr>
+          <a:xfrm>
+            <a:off x="1396169" y="2421466"/>
+            <a:ext cx="9407298" cy="0"/>
+          </a:xfrm>
+          <a:prstGeom prst="line">
+            <a:avLst/>
+          </a:prstGeom>
+          <a:ln w="15875"/>
+        </p:spPr>
+        <p:style>
+          <a:lnRef idx="2">
+            <a:schemeClr val="accent1"/>
+          </a:lnRef>
+          <a:fillRef idx="0">
+            <a:schemeClr val="accent1"/>
+          </a:fillRef>
+          <a:effectRef idx="1">
+            <a:schemeClr val="accent1"/>
+          </a:effectRef>
+          <a:fontRef idx="minor">
+            <a:schemeClr val="tx1"/>
+          </a:fontRef>
+        </p:style>
+      </p:cxnSp>
+    </p:spTree>
+    <p:extLst>
+      <p:ext uri="{BB962C8B-B14F-4D97-AF65-F5344CB8AC3E}">
+        <p14:creationId xmlns:p14="http://schemas.microsoft.com/office/powerpoint/2010/main" val="243483919"/>
+      </p:ext>
+    </p:extLst>
+  </p:cSld>
+  <p:clrMapOvr>
+    <a:masterClrMapping/>
+  </p:clrMapOvr>
+</p:sldLayout>
+</file>
+
+<file path=ppt/slideLayouts/slideLayout17.xml><?xml version="1.0" encoding="utf-8"?>
+<p:sldLayout xmlns:a="http://schemas.openxmlformats.org/drawingml/2006/main" xmlns:r="http://schemas.openxmlformats.org/officeDocument/2006/relationships" xmlns:p="http://schemas.openxmlformats.org/presentationml/2006/main" type="titleOnly" preserve="1">
+  <p:cSld name="Tylko tytuł">
+    <p:spTree>
+      <p:nvGrpSpPr>
+        <p:cNvPr id="1" name=""/>
+        <p:cNvGrpSpPr/>
+        <p:nvPr/>
+      </p:nvGrpSpPr>
+      <p:grpSpPr>
+        <a:xfrm>
+          <a:off x="0" y="0"/>
+          <a:ext cx="0" cy="0"/>
+          <a:chOff x="0" y="0"/>
+          <a:chExt cx="0" cy="0"/>
+        </a:xfrm>
+      </p:grpSpPr>
+      <p:sp>
+        <p:nvSpPr>
+          <p:cNvPr id="2" name="Title 1"/>
+          <p:cNvSpPr>
+            <a:spLocks noGrp="1"/>
+          </p:cNvSpPr>
+          <p:nvPr>
+            <p:ph type="title"/>
+          </p:nvPr>
+        </p:nvSpPr>
+        <p:spPr/>
+        <p:txBody>
+          <a:bodyPr/>
+          <a:lstStyle/>
+          <a:p>
+            <a:r>
+              <a:rPr lang="pl-PL"/>
+              <a:t>Kliknij, aby edytować styl</a:t>
+            </a:r>
+            <a:endParaRPr lang="en-US" dirty="0"/>
+          </a:p>
+        </p:txBody>
+      </p:sp>
+      <p:sp>
+        <p:nvSpPr>
+          <p:cNvPr id="3" name="Date Placeholder 2"/>
+          <p:cNvSpPr>
+            <a:spLocks noGrp="1"/>
+          </p:cNvSpPr>
+          <p:nvPr>
+            <p:ph type="dt" sz="half" idx="10"/>
+          </p:nvPr>
+        </p:nvSpPr>
+        <p:spPr/>
+        <p:txBody>
+          <a:bodyPr/>
+          <a:lstStyle/>
+          <a:p>
+            <a:fld id="{F98AA868-8872-43E4-8C98-D34DABD1FD38}" type="datetimeFigureOut">
+              <a:rPr lang="pl-PL" smtClean="0"/>
+              <a:pPr/>
+              <a:t>09.02.2024</a:t>
+            </a:fld>
+            <a:endParaRPr lang="pl-PL"/>
+          </a:p>
+        </p:txBody>
+      </p:sp>
+      <p:sp>
+        <p:nvSpPr>
+          <p:cNvPr id="4" name="Footer Placeholder 3"/>
+          <p:cNvSpPr>
+            <a:spLocks noGrp="1"/>
+          </p:cNvSpPr>
+          <p:nvPr>
+            <p:ph type="ftr" sz="quarter" idx="11"/>
+          </p:nvPr>
+        </p:nvSpPr>
+        <p:spPr/>
+        <p:txBody>
+          <a:bodyPr/>
+          <a:lstStyle/>
+          <a:p>
+            <a:endParaRPr lang="pl-PL"/>
+          </a:p>
+        </p:txBody>
+      </p:sp>
+      <p:sp>
+        <p:nvSpPr>
+          <p:cNvPr id="5" name="Slide Number Placeholder 4"/>
+          <p:cNvSpPr>
+            <a:spLocks noGrp="1"/>
+          </p:cNvSpPr>
+          <p:nvPr>
+            <p:ph type="sldNum" sz="quarter" idx="12"/>
+          </p:nvPr>
+        </p:nvSpPr>
+        <p:spPr/>
+        <p:txBody>
+          <a:bodyPr/>
+          <a:lstStyle/>
+          <a:p>
+            <a:fld id="{C77C6C3F-668B-4AF5-BFA9-0F657EB068D6}" type="slidenum">
+              <a:rPr lang="pl-PL" smtClean="0"/>
+              <a:pPr/>
+              <a:t>‹#›</a:t>
+            </a:fld>
+            <a:endParaRPr lang="pl-PL"/>
+          </a:p>
+        </p:txBody>
+      </p:sp>
+      <p:cxnSp>
+        <p:nvCxnSpPr>
+          <p:cNvPr id="14" name="Straight Connector 13"/>
+          <p:cNvCxnSpPr/>
+          <p:nvPr/>
+        </p:nvCxnSpPr>
+        <p:spPr>
+          <a:xfrm>
+            <a:off x="1396169" y="2421466"/>
+            <a:ext cx="9407298" cy="0"/>
+          </a:xfrm>
+          <a:prstGeom prst="line">
+            <a:avLst/>
+          </a:prstGeom>
+          <a:ln w="15875"/>
+        </p:spPr>
+        <p:style>
+          <a:lnRef idx="2">
+            <a:schemeClr val="accent1"/>
+          </a:lnRef>
+          <a:fillRef idx="0">
+            <a:schemeClr val="accent1"/>
+          </a:fillRef>
+          <a:effectRef idx="1">
+            <a:schemeClr val="accent1"/>
+          </a:effectRef>
+          <a:fontRef idx="minor">
+            <a:schemeClr val="tx1"/>
+          </a:fontRef>
+        </p:style>
+      </p:cxnSp>
+    </p:spTree>
+    <p:extLst>
+      <p:ext uri="{BB962C8B-B14F-4D97-AF65-F5344CB8AC3E}">
+        <p14:creationId xmlns:p14="http://schemas.microsoft.com/office/powerpoint/2010/main" val="3527885814"/>
+      </p:ext>
+    </p:extLst>
+  </p:cSld>
+  <p:clrMapOvr>
+    <a:masterClrMapping/>
+  </p:clrMapOvr>
+</p:sldLayout>
+</file>
+
+<file path=ppt/slideLayouts/slideLayout18.xml><?xml version="1.0" encoding="utf-8"?>
+<p:sldLayout xmlns:a="http://schemas.openxmlformats.org/drawingml/2006/main" xmlns:r="http://schemas.openxmlformats.org/officeDocument/2006/relationships" xmlns:p="http://schemas.openxmlformats.org/presentationml/2006/main" type="blank" preserve="1">
+  <p:cSld name="Pusty">
+    <p:spTree>
+      <p:nvGrpSpPr>
+        <p:cNvPr id="1" name=""/>
+        <p:cNvGrpSpPr/>
+        <p:nvPr/>
+      </p:nvGrpSpPr>
+      <p:grpSpPr>
+        <a:xfrm>
+          <a:off x="0" y="0"/>
+          <a:ext cx="0" cy="0"/>
+          <a:chOff x="0" y="0"/>
+          <a:chExt cx="0" cy="0"/>
+        </a:xfrm>
+      </p:grpSpPr>
+      <p:sp>
+        <p:nvSpPr>
+          <p:cNvPr id="2" name="Date Placeholder 1"/>
+          <p:cNvSpPr>
+            <a:spLocks noGrp="1"/>
+          </p:cNvSpPr>
+          <p:nvPr>
+            <p:ph type="dt" sz="half" idx="10"/>
+          </p:nvPr>
+        </p:nvSpPr>
+        <p:spPr/>
+        <p:txBody>
+          <a:bodyPr/>
+          <a:lstStyle/>
+          <a:p>
+            <a:fld id="{F98AA868-8872-43E4-8C98-D34DABD1FD38}" type="datetimeFigureOut">
+              <a:rPr lang="pl-PL" smtClean="0"/>
+              <a:pPr/>
+              <a:t>09.02.2024</a:t>
+            </a:fld>
+            <a:endParaRPr lang="pl-PL"/>
+          </a:p>
+        </p:txBody>
+      </p:sp>
+      <p:sp>
+        <p:nvSpPr>
+          <p:cNvPr id="3" name="Footer Placeholder 2"/>
+          <p:cNvSpPr>
+            <a:spLocks noGrp="1"/>
+          </p:cNvSpPr>
+          <p:nvPr>
+            <p:ph type="ftr" sz="quarter" idx="11"/>
+          </p:nvPr>
+        </p:nvSpPr>
+        <p:spPr/>
+        <p:txBody>
+          <a:bodyPr/>
+          <a:lstStyle/>
+          <a:p>
+            <a:endParaRPr lang="pl-PL"/>
+          </a:p>
+        </p:txBody>
+      </p:sp>
+      <p:sp>
+        <p:nvSpPr>
+          <p:cNvPr id="4" name="Slide Number Placeholder 3"/>
+          <p:cNvSpPr>
+            <a:spLocks noGrp="1"/>
+          </p:cNvSpPr>
+          <p:nvPr>
+            <p:ph type="sldNum" sz="quarter" idx="12"/>
+          </p:nvPr>
+        </p:nvSpPr>
+        <p:spPr/>
+        <p:txBody>
+          <a:bodyPr/>
+          <a:lstStyle/>
+          <a:p>
+            <a:fld id="{C77C6C3F-668B-4AF5-BFA9-0F657EB068D6}" type="slidenum">
+              <a:rPr lang="pl-PL" smtClean="0"/>
+              <a:pPr/>
+              <a:t>‹#›</a:t>
+            </a:fld>
+            <a:endParaRPr lang="pl-PL"/>
+          </a:p>
+        </p:txBody>
+      </p:sp>
+    </p:spTree>
+    <p:extLst>
+      <p:ext uri="{BB962C8B-B14F-4D97-AF65-F5344CB8AC3E}">
+        <p14:creationId xmlns:p14="http://schemas.microsoft.com/office/powerpoint/2010/main" val="221743440"/>
+      </p:ext>
+    </p:extLst>
+  </p:cSld>
+  <p:clrMapOvr>
+    <a:masterClrMapping/>
+  </p:clrMapOvr>
+</p:sldLayout>
+</file>
+
+<file path=ppt/slideLayouts/slideLayout19.xml><?xml version="1.0" encoding="utf-8"?>
+<p:sldLayout xmlns:a="http://schemas.openxmlformats.org/drawingml/2006/main" xmlns:r="http://schemas.openxmlformats.org/officeDocument/2006/relationships" xmlns:p="http://schemas.openxmlformats.org/presentationml/2006/main" type="objTx" preserve="1">
+  <p:cSld name="Zawartość z podpisem">
+    <p:spTree>
+      <p:nvGrpSpPr>
+        <p:cNvPr id="1" name=""/>
+        <p:cNvGrpSpPr/>
+        <p:nvPr/>
+      </p:nvGrpSpPr>
+      <p:grpSpPr>
+        <a:xfrm>
+          <a:off x="0" y="0"/>
+          <a:ext cx="0" cy="0"/>
+          <a:chOff x="0" y="0"/>
+          <a:chExt cx="0" cy="0"/>
+        </a:xfrm>
+      </p:grpSpPr>
+      <p:sp>
+        <p:nvSpPr>
+          <p:cNvPr id="2" name="Title 1"/>
+          <p:cNvSpPr>
+            <a:spLocks noGrp="1"/>
+          </p:cNvSpPr>
+          <p:nvPr>
+            <p:ph type="title"/>
+          </p:nvPr>
+        </p:nvSpPr>
+        <p:spPr>
+          <a:xfrm>
+            <a:off x="1293811" y="1388534"/>
+            <a:ext cx="3718455" cy="1371600"/>
+          </a:xfrm>
+        </p:spPr>
+        <p:txBody>
+          <a:bodyPr anchor="b">
+            <a:normAutofit/>
+          </a:bodyPr>
+          <a:lstStyle>
+            <a:lvl1pPr algn="ctr">
+              <a:defRPr sz="2400" b="0"/>
+            </a:lvl1pPr>
+          </a:lstStyle>
+          <a:p>
+            <a:r>
+              <a:rPr lang="pl-PL"/>
+              <a:t>Kliknij, aby edytować styl</a:t>
+            </a:r>
+            <a:endParaRPr lang="en-US" dirty="0"/>
+          </a:p>
+        </p:txBody>
+      </p:sp>
+      <p:sp>
+        <p:nvSpPr>
+          <p:cNvPr id="3" name="Content Placeholder 2"/>
+          <p:cNvSpPr>
+            <a:spLocks noGrp="1"/>
+          </p:cNvSpPr>
+          <p:nvPr>
+            <p:ph idx="1"/>
+          </p:nvPr>
+        </p:nvSpPr>
+        <p:spPr>
+          <a:xfrm>
+            <a:off x="5418668" y="982131"/>
+            <a:ext cx="5469466" cy="4893735"/>
+          </a:xfrm>
+        </p:spPr>
+        <p:txBody>
+          <a:bodyPr anchor="ctr">
+            <a:normAutofit/>
+          </a:bodyPr>
+          <a:lstStyle/>
+          <a:p>
+            <a:pPr lvl="0"/>
+            <a:r>
+              <a:rPr lang="pl-PL"/>
+              <a:t>Kliknij, aby edytować style wzorca tekstu</a:t>
+            </a:r>
+          </a:p>
+          <a:p>
+            <a:pPr lvl="1"/>
+            <a:r>
+              <a:rPr lang="pl-PL"/>
+              <a:t>Drugi poziom</a:t>
+            </a:r>
+          </a:p>
+          <a:p>
+            <a:pPr lvl="2"/>
+            <a:r>
+              <a:rPr lang="pl-PL"/>
+              <a:t>Trzeci poziom</a:t>
+            </a:r>
+          </a:p>
+          <a:p>
+            <a:pPr lvl="3"/>
+            <a:r>
+              <a:rPr lang="pl-PL"/>
+              <a:t>Czwarty poziom</a:t>
+            </a:r>
+          </a:p>
+          <a:p>
+            <a:pPr lvl="4"/>
+            <a:r>
+              <a:rPr lang="pl-PL"/>
+              <a:t>Piąty poziom</a:t>
+            </a:r>
+            <a:endParaRPr lang="en-US" dirty="0"/>
+          </a:p>
+        </p:txBody>
+      </p:sp>
+      <p:sp>
+        <p:nvSpPr>
+          <p:cNvPr id="4" name="Text Placeholder 3"/>
+          <p:cNvSpPr>
+            <a:spLocks noGrp="1"/>
+          </p:cNvSpPr>
+          <p:nvPr>
+            <p:ph type="body" sz="half" idx="2"/>
+          </p:nvPr>
+        </p:nvSpPr>
+        <p:spPr>
+          <a:xfrm>
+            <a:off x="1293811" y="3031065"/>
+            <a:ext cx="3718455" cy="2438404"/>
+          </a:xfrm>
+        </p:spPr>
+        <p:txBody>
+          <a:bodyPr anchor="t">
+            <a:normAutofit/>
+          </a:bodyPr>
+          <a:lstStyle>
+            <a:lvl1pPr marL="0" indent="0" algn="ctr">
+              <a:buNone/>
+              <a:defRPr sz="1600"/>
+            </a:lvl1pPr>
+            <a:lvl2pPr marL="457200" indent="0">
+              <a:buNone/>
+              <a:defRPr sz="1200"/>
+            </a:lvl2pPr>
+            <a:lvl3pPr marL="914400" indent="0">
+              <a:buNone/>
+              <a:defRPr sz="1000"/>
+            </a:lvl3pPr>
+            <a:lvl4pPr marL="1371600" indent="0">
+              <a:buNone/>
+              <a:defRPr sz="900"/>
+            </a:lvl4pPr>
+            <a:lvl5pPr marL="1828800" indent="0">
+              <a:buNone/>
+              <a:defRPr sz="900"/>
+            </a:lvl5pPr>
+            <a:lvl6pPr marL="2286000" indent="0">
+              <a:buNone/>
+              <a:defRPr sz="900"/>
+            </a:lvl6pPr>
+            <a:lvl7pPr marL="2743200" indent="0">
+              <a:buNone/>
+              <a:defRPr sz="900"/>
+            </a:lvl7pPr>
+            <a:lvl8pPr marL="3200400" indent="0">
+              <a:buNone/>
+              <a:defRPr sz="900"/>
+            </a:lvl8pPr>
+            <a:lvl9pPr marL="3657600" indent="0">
+              <a:buNone/>
+              <a:defRPr sz="900"/>
+            </a:lvl9pPr>
+          </a:lstStyle>
+          <a:p>
+            <a:pPr lvl="0"/>
+            <a:r>
+              <a:rPr lang="pl-PL"/>
+              <a:t>Kliknij, aby edytować style wzorca tekstu</a:t>
+            </a:r>
+          </a:p>
+        </p:txBody>
+      </p:sp>
+      <p:sp>
+        <p:nvSpPr>
+          <p:cNvPr id="5" name="Date Placeholder 4"/>
+          <p:cNvSpPr>
+            <a:spLocks noGrp="1"/>
+          </p:cNvSpPr>
+          <p:nvPr>
+            <p:ph type="dt" sz="half" idx="10"/>
+          </p:nvPr>
+        </p:nvSpPr>
+        <p:spPr/>
+        <p:txBody>
+          <a:bodyPr/>
+          <a:lstStyle/>
+          <a:p>
+            <a:fld id="{F98AA868-8872-43E4-8C98-D34DABD1FD38}" type="datetimeFigureOut">
+              <a:rPr lang="pl-PL" smtClean="0"/>
+              <a:pPr/>
+              <a:t>09.02.2024</a:t>
+            </a:fld>
+            <a:endParaRPr lang="pl-PL"/>
+          </a:p>
+        </p:txBody>
+      </p:sp>
+      <p:sp>
+        <p:nvSpPr>
+          <p:cNvPr id="6" name="Footer Placeholder 5"/>
+          <p:cNvSpPr>
+            <a:spLocks noGrp="1"/>
+          </p:cNvSpPr>
+          <p:nvPr>
+            <p:ph type="ftr" sz="quarter" idx="11"/>
+          </p:nvPr>
+        </p:nvSpPr>
+        <p:spPr/>
+        <p:txBody>
+          <a:bodyPr/>
+          <a:lstStyle/>
+          <a:p>
+            <a:endParaRPr lang="pl-PL"/>
+          </a:p>
+        </p:txBody>
+      </p:sp>
+      <p:sp>
+        <p:nvSpPr>
+          <p:cNvPr id="7" name="Slide Number Placeholder 6"/>
+          <p:cNvSpPr>
+            <a:spLocks noGrp="1"/>
+          </p:cNvSpPr>
+          <p:nvPr>
+            <p:ph type="sldNum" sz="quarter" idx="12"/>
+          </p:nvPr>
+        </p:nvSpPr>
+        <p:spPr/>
+        <p:txBody>
+          <a:bodyPr/>
+          <a:lstStyle/>
+          <a:p>
+            <a:fld id="{C77C6C3F-668B-4AF5-BFA9-0F657EB068D6}" type="slidenum">
+              <a:rPr lang="pl-PL" smtClean="0"/>
+              <a:pPr/>
+              <a:t>‹#›</a:t>
+            </a:fld>
+            <a:endParaRPr lang="pl-PL"/>
+          </a:p>
+        </p:txBody>
+      </p:sp>
+      <p:cxnSp>
+        <p:nvCxnSpPr>
+          <p:cNvPr id="16" name="Straight Connector 15"/>
+          <p:cNvCxnSpPr/>
+          <p:nvPr/>
+        </p:nvCxnSpPr>
+        <p:spPr>
+          <a:xfrm>
+            <a:off x="1396169" y="2912533"/>
+            <a:ext cx="3514498" cy="0"/>
+          </a:xfrm>
+          <a:prstGeom prst="line">
+            <a:avLst/>
+          </a:prstGeom>
+          <a:ln w="15875"/>
+        </p:spPr>
+        <p:style>
+          <a:lnRef idx="2">
+            <a:schemeClr val="accent1"/>
+          </a:lnRef>
+          <a:fillRef idx="0">
+            <a:schemeClr val="accent1"/>
+          </a:fillRef>
+          <a:effectRef idx="1">
+            <a:schemeClr val="accent1"/>
+          </a:effectRef>
+          <a:fontRef idx="minor">
+            <a:schemeClr val="tx1"/>
+          </a:fontRef>
+        </p:style>
+      </p:cxnSp>
+    </p:spTree>
+    <p:extLst>
+      <p:ext uri="{BB962C8B-B14F-4D97-AF65-F5344CB8AC3E}">
+        <p14:creationId xmlns:p14="http://schemas.microsoft.com/office/powerpoint/2010/main" val="2055807332"/>
       </p:ext>
     </p:extLst>
   </p:cSld>
@@ -774,7 +2926,7 @@
             <a:fld id="{F98AA868-8872-43E4-8C98-D34DABD1FD38}" type="datetimeFigureOut">
               <a:rPr lang="pl-PL" smtClean="0"/>
               <a:pPr/>
-              <a:t>12.12.2023</a:t>
+              <a:t>09.02.2024</a:t>
             </a:fld>
             <a:endParaRPr lang="pl-PL"/>
           </a:p>
@@ -827,6 +2979,2817 @@
     <p:extLst>
       <p:ext uri="{BB962C8B-B14F-4D97-AF65-F5344CB8AC3E}">
         <p14:creationId xmlns:p14="http://schemas.microsoft.com/office/powerpoint/2010/main" val="967380084"/>
+      </p:ext>
+    </p:extLst>
+  </p:cSld>
+  <p:clrMapOvr>
+    <a:masterClrMapping/>
+  </p:clrMapOvr>
+</p:sldLayout>
+</file>
+
+<file path=ppt/slideLayouts/slideLayout20.xml><?xml version="1.0" encoding="utf-8"?>
+<p:sldLayout xmlns:a="http://schemas.openxmlformats.org/drawingml/2006/main" xmlns:r="http://schemas.openxmlformats.org/officeDocument/2006/relationships" xmlns:p="http://schemas.openxmlformats.org/presentationml/2006/main" type="picTx" preserve="1">
+  <p:cSld name="Obraz z podpisem">
+    <p:spTree>
+      <p:nvGrpSpPr>
+        <p:cNvPr id="1" name=""/>
+        <p:cNvGrpSpPr/>
+        <p:nvPr/>
+      </p:nvGrpSpPr>
+      <p:grpSpPr>
+        <a:xfrm>
+          <a:off x="0" y="0"/>
+          <a:ext cx="0" cy="0"/>
+          <a:chOff x="0" y="0"/>
+          <a:chExt cx="0" cy="0"/>
+        </a:xfrm>
+      </p:grpSpPr>
+      <p:sp>
+        <p:nvSpPr>
+          <p:cNvPr id="2" name="Title 1"/>
+          <p:cNvSpPr>
+            <a:spLocks noGrp="1"/>
+          </p:cNvSpPr>
+          <p:nvPr>
+            <p:ph type="title"/>
+          </p:nvPr>
+        </p:nvSpPr>
+        <p:spPr>
+          <a:xfrm>
+            <a:off x="1295399" y="1883832"/>
+            <a:ext cx="6241816" cy="1371600"/>
+          </a:xfrm>
+        </p:spPr>
+        <p:txBody>
+          <a:bodyPr anchor="b">
+            <a:normAutofit/>
+          </a:bodyPr>
+          <a:lstStyle>
+            <a:lvl1pPr algn="ctr">
+              <a:defRPr sz="2800" b="0"/>
+            </a:lvl1pPr>
+          </a:lstStyle>
+          <a:p>
+            <a:r>
+              <a:rPr lang="pl-PL"/>
+              <a:t>Kliknij, aby edytować styl</a:t>
+            </a:r>
+            <a:endParaRPr lang="en-US" dirty="0"/>
+          </a:p>
+        </p:txBody>
+      </p:sp>
+      <p:sp>
+        <p:nvSpPr>
+          <p:cNvPr id="17" name="Picture Placeholder 2"/>
+          <p:cNvSpPr>
+            <a:spLocks noGrp="1" noChangeAspect="1"/>
+          </p:cNvSpPr>
+          <p:nvPr>
+            <p:ph type="pic" idx="1"/>
+          </p:nvPr>
+        </p:nvSpPr>
+        <p:spPr>
+          <a:xfrm>
+            <a:off x="8094831" y="1041400"/>
+            <a:ext cx="3063347" cy="4775200"/>
+          </a:xfrm>
+          <a:prstGeom prst="roundRect">
+            <a:avLst>
+              <a:gd name="adj" fmla="val 0"/>
+            </a:avLst>
+          </a:prstGeom>
+          <a:ln w="57150" cmpd="thickThin">
+            <a:solidFill>
+              <a:schemeClr val="tx1">
+                <a:lumMod val="50000"/>
+                <a:lumOff val="50000"/>
+              </a:schemeClr>
+            </a:solidFill>
+            <a:miter lim="800000"/>
+          </a:ln>
+          <a:effectLst>
+            <a:innerShdw blurRad="57150" dist="38100" dir="14460000">
+              <a:srgbClr val="000000">
+                <a:alpha val="70000"/>
+              </a:srgbClr>
+            </a:innerShdw>
+          </a:effectLst>
+        </p:spPr>
+        <p:txBody>
+          <a:bodyPr anchor="t">
+            <a:normAutofit/>
+          </a:bodyPr>
+          <a:lstStyle>
+            <a:lvl1pPr marL="0" indent="0" algn="ctr">
+              <a:buNone/>
+              <a:defRPr sz="1600"/>
+            </a:lvl1pPr>
+            <a:lvl2pPr marL="457200" indent="0">
+              <a:buNone/>
+              <a:defRPr sz="1600"/>
+            </a:lvl2pPr>
+            <a:lvl3pPr marL="914400" indent="0">
+              <a:buNone/>
+              <a:defRPr sz="1600"/>
+            </a:lvl3pPr>
+            <a:lvl4pPr marL="1371600" indent="0">
+              <a:buNone/>
+              <a:defRPr sz="1600"/>
+            </a:lvl4pPr>
+            <a:lvl5pPr marL="1828800" indent="0">
+              <a:buNone/>
+              <a:defRPr sz="1600"/>
+            </a:lvl5pPr>
+            <a:lvl6pPr marL="2286000" indent="0">
+              <a:buNone/>
+              <a:defRPr sz="1600"/>
+            </a:lvl6pPr>
+            <a:lvl7pPr marL="2743200" indent="0">
+              <a:buNone/>
+              <a:defRPr sz="1600"/>
+            </a:lvl7pPr>
+            <a:lvl8pPr marL="3200400" indent="0">
+              <a:buNone/>
+              <a:defRPr sz="1600"/>
+            </a:lvl8pPr>
+            <a:lvl9pPr marL="3657600" indent="0">
+              <a:buNone/>
+              <a:defRPr sz="1600"/>
+            </a:lvl9pPr>
+          </a:lstStyle>
+          <a:p>
+            <a:r>
+              <a:rPr lang="pl-PL"/>
+              <a:t>Kliknij ikonę, aby dodać obraz</a:t>
+            </a:r>
+            <a:endParaRPr lang="en-US" dirty="0"/>
+          </a:p>
+        </p:txBody>
+      </p:sp>
+      <p:sp>
+        <p:nvSpPr>
+          <p:cNvPr id="4" name="Text Placeholder 3"/>
+          <p:cNvSpPr>
+            <a:spLocks noGrp="1"/>
+          </p:cNvSpPr>
+          <p:nvPr>
+            <p:ph type="body" sz="half" idx="2"/>
+          </p:nvPr>
+        </p:nvSpPr>
+        <p:spPr>
+          <a:xfrm>
+            <a:off x="1295399" y="3255432"/>
+            <a:ext cx="6241816" cy="1828800"/>
+          </a:xfrm>
+        </p:spPr>
+        <p:txBody>
+          <a:bodyPr anchor="t">
+            <a:normAutofit/>
+          </a:bodyPr>
+          <a:lstStyle>
+            <a:lvl1pPr marL="0" indent="0" algn="ctr">
+              <a:buNone/>
+              <a:defRPr sz="1800"/>
+            </a:lvl1pPr>
+            <a:lvl2pPr marL="457200" indent="0">
+              <a:buNone/>
+              <a:defRPr sz="1200"/>
+            </a:lvl2pPr>
+            <a:lvl3pPr marL="914400" indent="0">
+              <a:buNone/>
+              <a:defRPr sz="1000"/>
+            </a:lvl3pPr>
+            <a:lvl4pPr marL="1371600" indent="0">
+              <a:buNone/>
+              <a:defRPr sz="900"/>
+            </a:lvl4pPr>
+            <a:lvl5pPr marL="1828800" indent="0">
+              <a:buNone/>
+              <a:defRPr sz="900"/>
+            </a:lvl5pPr>
+            <a:lvl6pPr marL="2286000" indent="0">
+              <a:buNone/>
+              <a:defRPr sz="900"/>
+            </a:lvl6pPr>
+            <a:lvl7pPr marL="2743200" indent="0">
+              <a:buNone/>
+              <a:defRPr sz="900"/>
+            </a:lvl7pPr>
+            <a:lvl8pPr marL="3200400" indent="0">
+              <a:buNone/>
+              <a:defRPr sz="900"/>
+            </a:lvl8pPr>
+            <a:lvl9pPr marL="3657600" indent="0">
+              <a:buNone/>
+              <a:defRPr sz="900"/>
+            </a:lvl9pPr>
+          </a:lstStyle>
+          <a:p>
+            <a:pPr lvl="0"/>
+            <a:r>
+              <a:rPr lang="pl-PL"/>
+              <a:t>Kliknij, aby edytować style wzorca tekstu</a:t>
+            </a:r>
+          </a:p>
+        </p:txBody>
+      </p:sp>
+      <p:sp>
+        <p:nvSpPr>
+          <p:cNvPr id="5" name="Date Placeholder 4"/>
+          <p:cNvSpPr>
+            <a:spLocks noGrp="1"/>
+          </p:cNvSpPr>
+          <p:nvPr>
+            <p:ph type="dt" sz="half" idx="10"/>
+          </p:nvPr>
+        </p:nvSpPr>
+        <p:spPr/>
+        <p:txBody>
+          <a:bodyPr/>
+          <a:lstStyle/>
+          <a:p>
+            <a:fld id="{F98AA868-8872-43E4-8C98-D34DABD1FD38}" type="datetimeFigureOut">
+              <a:rPr lang="pl-PL" smtClean="0"/>
+              <a:pPr/>
+              <a:t>09.02.2024</a:t>
+            </a:fld>
+            <a:endParaRPr lang="pl-PL"/>
+          </a:p>
+        </p:txBody>
+      </p:sp>
+      <p:sp>
+        <p:nvSpPr>
+          <p:cNvPr id="6" name="Footer Placeholder 5"/>
+          <p:cNvSpPr>
+            <a:spLocks noGrp="1"/>
+          </p:cNvSpPr>
+          <p:nvPr>
+            <p:ph type="ftr" sz="quarter" idx="11"/>
+          </p:nvPr>
+        </p:nvSpPr>
+        <p:spPr/>
+        <p:txBody>
+          <a:bodyPr/>
+          <a:lstStyle/>
+          <a:p>
+            <a:endParaRPr lang="pl-PL"/>
+          </a:p>
+        </p:txBody>
+      </p:sp>
+      <p:sp>
+        <p:nvSpPr>
+          <p:cNvPr id="7" name="Slide Number Placeholder 6"/>
+          <p:cNvSpPr>
+            <a:spLocks noGrp="1"/>
+          </p:cNvSpPr>
+          <p:nvPr>
+            <p:ph type="sldNum" sz="quarter" idx="12"/>
+          </p:nvPr>
+        </p:nvSpPr>
+        <p:spPr/>
+        <p:txBody>
+          <a:bodyPr/>
+          <a:lstStyle/>
+          <a:p>
+            <a:fld id="{C77C6C3F-668B-4AF5-BFA9-0F657EB068D6}" type="slidenum">
+              <a:rPr lang="pl-PL" smtClean="0"/>
+              <a:pPr/>
+              <a:t>‹#›</a:t>
+            </a:fld>
+            <a:endParaRPr lang="pl-PL"/>
+          </a:p>
+        </p:txBody>
+      </p:sp>
+    </p:spTree>
+    <p:extLst>
+      <p:ext uri="{BB962C8B-B14F-4D97-AF65-F5344CB8AC3E}">
+        <p14:creationId xmlns:p14="http://schemas.microsoft.com/office/powerpoint/2010/main" val="2224843193"/>
+      </p:ext>
+    </p:extLst>
+  </p:cSld>
+  <p:clrMapOvr>
+    <a:masterClrMapping/>
+  </p:clrMapOvr>
+</p:sldLayout>
+</file>
+
+<file path=ppt/slideLayouts/slideLayout21.xml><?xml version="1.0" encoding="utf-8"?>
+<p:sldLayout xmlns:a="http://schemas.openxmlformats.org/drawingml/2006/main" xmlns:r="http://schemas.openxmlformats.org/officeDocument/2006/relationships" xmlns:p="http://schemas.openxmlformats.org/presentationml/2006/main" preserve="1">
+  <p:cSld name="Obraz panoramiczny z podpisem">
+    <p:spTree>
+      <p:nvGrpSpPr>
+        <p:cNvPr id="1" name=""/>
+        <p:cNvGrpSpPr/>
+        <p:nvPr/>
+      </p:nvGrpSpPr>
+      <p:grpSpPr>
+        <a:xfrm>
+          <a:off x="0" y="0"/>
+          <a:ext cx="0" cy="0"/>
+          <a:chOff x="0" y="0"/>
+          <a:chExt cx="0" cy="0"/>
+        </a:xfrm>
+      </p:grpSpPr>
+      <p:sp>
+        <p:nvSpPr>
+          <p:cNvPr id="2" name="Title 1"/>
+          <p:cNvSpPr>
+            <a:spLocks noGrp="1"/>
+          </p:cNvSpPr>
+          <p:nvPr>
+            <p:ph type="title"/>
+          </p:nvPr>
+        </p:nvSpPr>
+        <p:spPr>
+          <a:xfrm>
+            <a:off x="1295401" y="4815415"/>
+            <a:ext cx="9609666" cy="566738"/>
+          </a:xfrm>
+        </p:spPr>
+        <p:txBody>
+          <a:bodyPr anchor="b">
+            <a:normAutofit/>
+          </a:bodyPr>
+          <a:lstStyle>
+            <a:lvl1pPr algn="ctr">
+              <a:defRPr sz="2400" b="0"/>
+            </a:lvl1pPr>
+          </a:lstStyle>
+          <a:p>
+            <a:r>
+              <a:rPr lang="pl-PL"/>
+              <a:t>Kliknij, aby edytować styl</a:t>
+            </a:r>
+            <a:endParaRPr lang="en-US" dirty="0"/>
+          </a:p>
+        </p:txBody>
+      </p:sp>
+      <p:sp>
+        <p:nvSpPr>
+          <p:cNvPr id="3" name="Picture Placeholder 2"/>
+          <p:cNvSpPr>
+            <a:spLocks noGrp="1" noChangeAspect="1"/>
+          </p:cNvSpPr>
+          <p:nvPr>
+            <p:ph type="pic" idx="1"/>
+          </p:nvPr>
+        </p:nvSpPr>
+        <p:spPr>
+          <a:xfrm>
+            <a:off x="1041427" y="1041399"/>
+            <a:ext cx="10105972" cy="3335869"/>
+          </a:xfrm>
+          <a:prstGeom prst="roundRect">
+            <a:avLst>
+              <a:gd name="adj" fmla="val 0"/>
+            </a:avLst>
+          </a:prstGeom>
+          <a:ln w="57150" cmpd="thickThin">
+            <a:solidFill>
+              <a:schemeClr val="tx1">
+                <a:lumMod val="50000"/>
+                <a:lumOff val="50000"/>
+              </a:schemeClr>
+            </a:solidFill>
+            <a:miter lim="800000"/>
+          </a:ln>
+          <a:effectLst>
+            <a:innerShdw blurRad="57150" dist="38100" dir="14460000">
+              <a:srgbClr val="000000">
+                <a:alpha val="70000"/>
+              </a:srgbClr>
+            </a:innerShdw>
+          </a:effectLst>
+        </p:spPr>
+        <p:txBody>
+          <a:bodyPr anchor="t">
+            <a:normAutofit/>
+          </a:bodyPr>
+          <a:lstStyle>
+            <a:lvl1pPr marL="0" indent="0" algn="ctr">
+              <a:buNone/>
+              <a:defRPr sz="1600"/>
+            </a:lvl1pPr>
+            <a:lvl2pPr marL="457200" indent="0">
+              <a:buNone/>
+              <a:defRPr sz="1600"/>
+            </a:lvl2pPr>
+            <a:lvl3pPr marL="914400" indent="0">
+              <a:buNone/>
+              <a:defRPr sz="1600"/>
+            </a:lvl3pPr>
+            <a:lvl4pPr marL="1371600" indent="0">
+              <a:buNone/>
+              <a:defRPr sz="1600"/>
+            </a:lvl4pPr>
+            <a:lvl5pPr marL="1828800" indent="0">
+              <a:buNone/>
+              <a:defRPr sz="1600"/>
+            </a:lvl5pPr>
+            <a:lvl6pPr marL="2286000" indent="0">
+              <a:buNone/>
+              <a:defRPr sz="1600"/>
+            </a:lvl6pPr>
+            <a:lvl7pPr marL="2743200" indent="0">
+              <a:buNone/>
+              <a:defRPr sz="1600"/>
+            </a:lvl7pPr>
+            <a:lvl8pPr marL="3200400" indent="0">
+              <a:buNone/>
+              <a:defRPr sz="1600"/>
+            </a:lvl8pPr>
+            <a:lvl9pPr marL="3657600" indent="0">
+              <a:buNone/>
+              <a:defRPr sz="1600"/>
+            </a:lvl9pPr>
+          </a:lstStyle>
+          <a:p>
+            <a:r>
+              <a:rPr lang="pl-PL"/>
+              <a:t>Kliknij ikonę, aby dodać obraz</a:t>
+            </a:r>
+            <a:endParaRPr lang="en-US" dirty="0"/>
+          </a:p>
+        </p:txBody>
+      </p:sp>
+      <p:sp>
+        <p:nvSpPr>
+          <p:cNvPr id="4" name="Text Placeholder 3"/>
+          <p:cNvSpPr>
+            <a:spLocks noGrp="1"/>
+          </p:cNvSpPr>
+          <p:nvPr>
+            <p:ph type="body" sz="half" idx="2"/>
+          </p:nvPr>
+        </p:nvSpPr>
+        <p:spPr>
+          <a:xfrm>
+            <a:off x="1295401" y="5382153"/>
+            <a:ext cx="9609666" cy="493712"/>
+          </a:xfrm>
+        </p:spPr>
+        <p:txBody>
+          <a:bodyPr>
+            <a:normAutofit/>
+          </a:bodyPr>
+          <a:lstStyle>
+            <a:lvl1pPr marL="0" indent="0" algn="ctr">
+              <a:buNone/>
+              <a:defRPr sz="1400"/>
+            </a:lvl1pPr>
+            <a:lvl2pPr marL="457200" indent="0">
+              <a:buNone/>
+              <a:defRPr sz="1200"/>
+            </a:lvl2pPr>
+            <a:lvl3pPr marL="914400" indent="0">
+              <a:buNone/>
+              <a:defRPr sz="1000"/>
+            </a:lvl3pPr>
+            <a:lvl4pPr marL="1371600" indent="0">
+              <a:buNone/>
+              <a:defRPr sz="900"/>
+            </a:lvl4pPr>
+            <a:lvl5pPr marL="1828800" indent="0">
+              <a:buNone/>
+              <a:defRPr sz="900"/>
+            </a:lvl5pPr>
+            <a:lvl6pPr marL="2286000" indent="0">
+              <a:buNone/>
+              <a:defRPr sz="900"/>
+            </a:lvl6pPr>
+            <a:lvl7pPr marL="2743200" indent="0">
+              <a:buNone/>
+              <a:defRPr sz="900"/>
+            </a:lvl7pPr>
+            <a:lvl8pPr marL="3200400" indent="0">
+              <a:buNone/>
+              <a:defRPr sz="900"/>
+            </a:lvl8pPr>
+            <a:lvl9pPr marL="3657600" indent="0">
+              <a:buNone/>
+              <a:defRPr sz="900"/>
+            </a:lvl9pPr>
+          </a:lstStyle>
+          <a:p>
+            <a:pPr lvl="0"/>
+            <a:r>
+              <a:rPr lang="pl-PL"/>
+              <a:t>Kliknij, aby edytować style wzorca tekstu</a:t>
+            </a:r>
+          </a:p>
+        </p:txBody>
+      </p:sp>
+      <p:sp>
+        <p:nvSpPr>
+          <p:cNvPr id="5" name="Date Placeholder 4"/>
+          <p:cNvSpPr>
+            <a:spLocks noGrp="1"/>
+          </p:cNvSpPr>
+          <p:nvPr>
+            <p:ph type="dt" sz="half" idx="10"/>
+          </p:nvPr>
+        </p:nvSpPr>
+        <p:spPr/>
+        <p:txBody>
+          <a:bodyPr/>
+          <a:lstStyle/>
+          <a:p>
+            <a:fld id="{F98AA868-8872-43E4-8C98-D34DABD1FD38}" type="datetimeFigureOut">
+              <a:rPr lang="pl-PL" smtClean="0"/>
+              <a:pPr/>
+              <a:t>09.02.2024</a:t>
+            </a:fld>
+            <a:endParaRPr lang="pl-PL"/>
+          </a:p>
+        </p:txBody>
+      </p:sp>
+      <p:sp>
+        <p:nvSpPr>
+          <p:cNvPr id="6" name="Footer Placeholder 5"/>
+          <p:cNvSpPr>
+            <a:spLocks noGrp="1"/>
+          </p:cNvSpPr>
+          <p:nvPr>
+            <p:ph type="ftr" sz="quarter" idx="11"/>
+          </p:nvPr>
+        </p:nvSpPr>
+        <p:spPr/>
+        <p:txBody>
+          <a:bodyPr/>
+          <a:lstStyle/>
+          <a:p>
+            <a:endParaRPr lang="pl-PL"/>
+          </a:p>
+        </p:txBody>
+      </p:sp>
+      <p:sp>
+        <p:nvSpPr>
+          <p:cNvPr id="7" name="Slide Number Placeholder 6"/>
+          <p:cNvSpPr>
+            <a:spLocks noGrp="1"/>
+          </p:cNvSpPr>
+          <p:nvPr>
+            <p:ph type="sldNum" sz="quarter" idx="12"/>
+          </p:nvPr>
+        </p:nvSpPr>
+        <p:spPr/>
+        <p:txBody>
+          <a:bodyPr/>
+          <a:lstStyle/>
+          <a:p>
+            <a:fld id="{C77C6C3F-668B-4AF5-BFA9-0F657EB068D6}" type="slidenum">
+              <a:rPr lang="pl-PL" smtClean="0"/>
+              <a:pPr/>
+              <a:t>‹#›</a:t>
+            </a:fld>
+            <a:endParaRPr lang="pl-PL"/>
+          </a:p>
+        </p:txBody>
+      </p:sp>
+    </p:spTree>
+    <p:extLst>
+      <p:ext uri="{BB962C8B-B14F-4D97-AF65-F5344CB8AC3E}">
+        <p14:creationId xmlns:p14="http://schemas.microsoft.com/office/powerpoint/2010/main" val="1220193127"/>
+      </p:ext>
+    </p:extLst>
+  </p:cSld>
+  <p:clrMapOvr>
+    <a:masterClrMapping/>
+  </p:clrMapOvr>
+</p:sldLayout>
+</file>
+
+<file path=ppt/slideLayouts/slideLayout22.xml><?xml version="1.0" encoding="utf-8"?>
+<p:sldLayout xmlns:a="http://schemas.openxmlformats.org/drawingml/2006/main" xmlns:r="http://schemas.openxmlformats.org/officeDocument/2006/relationships" xmlns:p="http://schemas.openxmlformats.org/presentationml/2006/main" preserve="1">
+  <p:cSld name="Tytuł i podpis">
+    <p:spTree>
+      <p:nvGrpSpPr>
+        <p:cNvPr id="1" name=""/>
+        <p:cNvGrpSpPr/>
+        <p:nvPr/>
+      </p:nvGrpSpPr>
+      <p:grpSpPr>
+        <a:xfrm>
+          <a:off x="0" y="0"/>
+          <a:ext cx="0" cy="0"/>
+          <a:chOff x="0" y="0"/>
+          <a:chExt cx="0" cy="0"/>
+        </a:xfrm>
+      </p:grpSpPr>
+      <p:sp>
+        <p:nvSpPr>
+          <p:cNvPr id="2" name="Title 1"/>
+          <p:cNvSpPr>
+            <a:spLocks noGrp="1"/>
+          </p:cNvSpPr>
+          <p:nvPr>
+            <p:ph type="title"/>
+          </p:nvPr>
+        </p:nvSpPr>
+        <p:spPr>
+          <a:xfrm>
+            <a:off x="1303868" y="982132"/>
+            <a:ext cx="9592732" cy="2954868"/>
+          </a:xfrm>
+        </p:spPr>
+        <p:txBody>
+          <a:bodyPr anchor="ctr">
+            <a:normAutofit/>
+          </a:bodyPr>
+          <a:lstStyle>
+            <a:lvl1pPr algn="ctr">
+              <a:defRPr sz="3200" b="0" cap="none"/>
+            </a:lvl1pPr>
+          </a:lstStyle>
+          <a:p>
+            <a:r>
+              <a:rPr lang="pl-PL"/>
+              <a:t>Kliknij, aby edytować styl</a:t>
+            </a:r>
+            <a:endParaRPr lang="en-US" dirty="0"/>
+          </a:p>
+        </p:txBody>
+      </p:sp>
+      <p:sp>
+        <p:nvSpPr>
+          <p:cNvPr id="3" name="Text Placeholder 2"/>
+          <p:cNvSpPr>
+            <a:spLocks noGrp="1"/>
+          </p:cNvSpPr>
+          <p:nvPr>
+            <p:ph type="body" idx="1"/>
+          </p:nvPr>
+        </p:nvSpPr>
+        <p:spPr>
+          <a:xfrm>
+            <a:off x="1303868" y="4343399"/>
+            <a:ext cx="9592732" cy="1532467"/>
+          </a:xfrm>
+        </p:spPr>
+        <p:txBody>
+          <a:bodyPr anchor="ctr">
+            <a:normAutofit/>
+          </a:bodyPr>
+          <a:lstStyle>
+            <a:lvl1pPr marL="0" indent="0" algn="ctr">
+              <a:buNone/>
+              <a:defRPr sz="2000">
+                <a:solidFill>
+                  <a:schemeClr val="tx1"/>
+                </a:solidFill>
+              </a:defRPr>
+            </a:lvl1pPr>
+            <a:lvl2pPr marL="457200" indent="0">
+              <a:buNone/>
+              <a:defRPr sz="1800">
+                <a:solidFill>
+                  <a:schemeClr val="tx1">
+                    <a:tint val="75000"/>
+                  </a:schemeClr>
+                </a:solidFill>
+              </a:defRPr>
+            </a:lvl2pPr>
+            <a:lvl3pPr marL="914400" indent="0">
+              <a:buNone/>
+              <a:defRPr sz="1600">
+                <a:solidFill>
+                  <a:schemeClr val="tx1">
+                    <a:tint val="75000"/>
+                  </a:schemeClr>
+                </a:solidFill>
+              </a:defRPr>
+            </a:lvl3pPr>
+            <a:lvl4pPr marL="1371600" indent="0">
+              <a:buNone/>
+              <a:defRPr sz="1400">
+                <a:solidFill>
+                  <a:schemeClr val="tx1">
+                    <a:tint val="75000"/>
+                  </a:schemeClr>
+                </a:solidFill>
+              </a:defRPr>
+            </a:lvl4pPr>
+            <a:lvl5pPr marL="1828800" indent="0">
+              <a:buNone/>
+              <a:defRPr sz="1400">
+                <a:solidFill>
+                  <a:schemeClr val="tx1">
+                    <a:tint val="75000"/>
+                  </a:schemeClr>
+                </a:solidFill>
+              </a:defRPr>
+            </a:lvl5pPr>
+            <a:lvl6pPr marL="2286000" indent="0">
+              <a:buNone/>
+              <a:defRPr sz="1400">
+                <a:solidFill>
+                  <a:schemeClr val="tx1">
+                    <a:tint val="75000"/>
+                  </a:schemeClr>
+                </a:solidFill>
+              </a:defRPr>
+            </a:lvl6pPr>
+            <a:lvl7pPr marL="2743200" indent="0">
+              <a:buNone/>
+              <a:defRPr sz="1400">
+                <a:solidFill>
+                  <a:schemeClr val="tx1">
+                    <a:tint val="75000"/>
+                  </a:schemeClr>
+                </a:solidFill>
+              </a:defRPr>
+            </a:lvl7pPr>
+            <a:lvl8pPr marL="3200400" indent="0">
+              <a:buNone/>
+              <a:defRPr sz="1400">
+                <a:solidFill>
+                  <a:schemeClr val="tx1">
+                    <a:tint val="75000"/>
+                  </a:schemeClr>
+                </a:solidFill>
+              </a:defRPr>
+            </a:lvl8pPr>
+            <a:lvl9pPr marL="3657600" indent="0">
+              <a:buNone/>
+              <a:defRPr sz="1400">
+                <a:solidFill>
+                  <a:schemeClr val="tx1">
+                    <a:tint val="75000"/>
+                  </a:schemeClr>
+                </a:solidFill>
+              </a:defRPr>
+            </a:lvl9pPr>
+          </a:lstStyle>
+          <a:p>
+            <a:pPr lvl="0"/>
+            <a:r>
+              <a:rPr lang="pl-PL"/>
+              <a:t>Kliknij, aby edytować style wzorca tekstu</a:t>
+            </a:r>
+          </a:p>
+        </p:txBody>
+      </p:sp>
+      <p:sp>
+        <p:nvSpPr>
+          <p:cNvPr id="4" name="Date Placeholder 3"/>
+          <p:cNvSpPr>
+            <a:spLocks noGrp="1"/>
+          </p:cNvSpPr>
+          <p:nvPr>
+            <p:ph type="dt" sz="half" idx="10"/>
+          </p:nvPr>
+        </p:nvSpPr>
+        <p:spPr/>
+        <p:txBody>
+          <a:bodyPr/>
+          <a:lstStyle/>
+          <a:p>
+            <a:fld id="{F98AA868-8872-43E4-8C98-D34DABD1FD38}" type="datetimeFigureOut">
+              <a:rPr lang="pl-PL" smtClean="0"/>
+              <a:pPr/>
+              <a:t>09.02.2024</a:t>
+            </a:fld>
+            <a:endParaRPr lang="pl-PL"/>
+          </a:p>
+        </p:txBody>
+      </p:sp>
+      <p:sp>
+        <p:nvSpPr>
+          <p:cNvPr id="5" name="Footer Placeholder 4"/>
+          <p:cNvSpPr>
+            <a:spLocks noGrp="1"/>
+          </p:cNvSpPr>
+          <p:nvPr>
+            <p:ph type="ftr" sz="quarter" idx="11"/>
+          </p:nvPr>
+        </p:nvSpPr>
+        <p:spPr/>
+        <p:txBody>
+          <a:bodyPr/>
+          <a:lstStyle/>
+          <a:p>
+            <a:endParaRPr lang="pl-PL"/>
+          </a:p>
+        </p:txBody>
+      </p:sp>
+      <p:sp>
+        <p:nvSpPr>
+          <p:cNvPr id="6" name="Slide Number Placeholder 5"/>
+          <p:cNvSpPr>
+            <a:spLocks noGrp="1"/>
+          </p:cNvSpPr>
+          <p:nvPr>
+            <p:ph type="sldNum" sz="quarter" idx="12"/>
+          </p:nvPr>
+        </p:nvSpPr>
+        <p:spPr/>
+        <p:txBody>
+          <a:bodyPr/>
+          <a:lstStyle/>
+          <a:p>
+            <a:fld id="{C77C6C3F-668B-4AF5-BFA9-0F657EB068D6}" type="slidenum">
+              <a:rPr lang="pl-PL" smtClean="0"/>
+              <a:pPr/>
+              <a:t>‹#›</a:t>
+            </a:fld>
+            <a:endParaRPr lang="pl-PL"/>
+          </a:p>
+        </p:txBody>
+      </p:sp>
+      <p:cxnSp>
+        <p:nvCxnSpPr>
+          <p:cNvPr id="15" name="Straight Connector 14"/>
+          <p:cNvCxnSpPr/>
+          <p:nvPr/>
+        </p:nvCxnSpPr>
+        <p:spPr>
+          <a:xfrm>
+            <a:off x="1396169" y="4140199"/>
+            <a:ext cx="9407298" cy="0"/>
+          </a:xfrm>
+          <a:prstGeom prst="line">
+            <a:avLst/>
+          </a:prstGeom>
+          <a:ln w="15875"/>
+        </p:spPr>
+        <p:style>
+          <a:lnRef idx="2">
+            <a:schemeClr val="accent1"/>
+          </a:lnRef>
+          <a:fillRef idx="0">
+            <a:schemeClr val="accent1"/>
+          </a:fillRef>
+          <a:effectRef idx="1">
+            <a:schemeClr val="accent1"/>
+          </a:effectRef>
+          <a:fontRef idx="minor">
+            <a:schemeClr val="tx1"/>
+          </a:fontRef>
+        </p:style>
+      </p:cxnSp>
+    </p:spTree>
+    <p:extLst>
+      <p:ext uri="{BB962C8B-B14F-4D97-AF65-F5344CB8AC3E}">
+        <p14:creationId xmlns:p14="http://schemas.microsoft.com/office/powerpoint/2010/main" val="3015655580"/>
+      </p:ext>
+    </p:extLst>
+  </p:cSld>
+  <p:clrMapOvr>
+    <a:masterClrMapping/>
+  </p:clrMapOvr>
+</p:sldLayout>
+</file>
+
+<file path=ppt/slideLayouts/slideLayout23.xml><?xml version="1.0" encoding="utf-8"?>
+<p:sldLayout xmlns:a="http://schemas.openxmlformats.org/drawingml/2006/main" xmlns:r="http://schemas.openxmlformats.org/officeDocument/2006/relationships" xmlns:p="http://schemas.openxmlformats.org/presentationml/2006/main" preserve="1">
+  <p:cSld name="Oferta z podpisem">
+    <p:spTree>
+      <p:nvGrpSpPr>
+        <p:cNvPr id="1" name=""/>
+        <p:cNvGrpSpPr/>
+        <p:nvPr/>
+      </p:nvGrpSpPr>
+      <p:grpSpPr>
+        <a:xfrm>
+          <a:off x="0" y="0"/>
+          <a:ext cx="0" cy="0"/>
+          <a:chOff x="0" y="0"/>
+          <a:chExt cx="0" cy="0"/>
+        </a:xfrm>
+      </p:grpSpPr>
+      <p:sp>
+        <p:nvSpPr>
+          <p:cNvPr id="2" name="Title 1"/>
+          <p:cNvSpPr>
+            <a:spLocks noGrp="1"/>
+          </p:cNvSpPr>
+          <p:nvPr>
+            <p:ph type="title"/>
+          </p:nvPr>
+        </p:nvSpPr>
+        <p:spPr>
+          <a:xfrm>
+            <a:off x="1446213" y="982132"/>
+            <a:ext cx="9296398" cy="2370668"/>
+          </a:xfrm>
+        </p:spPr>
+        <p:txBody>
+          <a:bodyPr anchor="ctr">
+            <a:normAutofit/>
+          </a:bodyPr>
+          <a:lstStyle>
+            <a:lvl1pPr algn="ctr">
+              <a:defRPr sz="3200" b="0" cap="none">
+                <a:solidFill>
+                  <a:schemeClr val="tx1"/>
+                </a:solidFill>
+              </a:defRPr>
+            </a:lvl1pPr>
+          </a:lstStyle>
+          <a:p>
+            <a:r>
+              <a:rPr lang="pl-PL"/>
+              <a:t>Kliknij, aby edytować styl</a:t>
+            </a:r>
+            <a:endParaRPr lang="en-US" dirty="0"/>
+          </a:p>
+        </p:txBody>
+      </p:sp>
+      <p:sp>
+        <p:nvSpPr>
+          <p:cNvPr id="10" name="Text Placeholder 9"/>
+          <p:cNvSpPr>
+            <a:spLocks noGrp="1"/>
+          </p:cNvSpPr>
+          <p:nvPr>
+            <p:ph type="body" sz="quarter" idx="13"/>
+          </p:nvPr>
+        </p:nvSpPr>
+        <p:spPr>
+          <a:xfrm>
+            <a:off x="1674812" y="3352800"/>
+            <a:ext cx="8839202" cy="584200"/>
+          </a:xfrm>
+        </p:spPr>
+        <p:txBody>
+          <a:bodyPr anchor="ctr">
+            <a:normAutofit/>
+          </a:bodyPr>
+          <a:lstStyle>
+            <a:lvl1pPr marL="0" indent="0" algn="r">
+              <a:buFontTx/>
+              <a:buNone/>
+              <a:defRPr sz="2000"/>
+            </a:lvl1pPr>
+            <a:lvl2pPr marL="457200" indent="0">
+              <a:buFontTx/>
+              <a:buNone/>
+              <a:defRPr/>
+            </a:lvl2pPr>
+            <a:lvl3pPr marL="914400" indent="0">
+              <a:buFontTx/>
+              <a:buNone/>
+              <a:defRPr/>
+            </a:lvl3pPr>
+            <a:lvl4pPr marL="1371600" indent="0">
+              <a:buFontTx/>
+              <a:buNone/>
+              <a:defRPr/>
+            </a:lvl4pPr>
+            <a:lvl5pPr marL="1828800" indent="0">
+              <a:buFontTx/>
+              <a:buNone/>
+              <a:defRPr/>
+            </a:lvl5pPr>
+          </a:lstStyle>
+          <a:p>
+            <a:pPr lvl="0"/>
+            <a:r>
+              <a:rPr lang="pl-PL"/>
+              <a:t>Kliknij, aby edytować style wzorca tekstu</a:t>
+            </a:r>
+          </a:p>
+        </p:txBody>
+      </p:sp>
+      <p:sp>
+        <p:nvSpPr>
+          <p:cNvPr id="3" name="Text Placeholder 2"/>
+          <p:cNvSpPr>
+            <a:spLocks noGrp="1"/>
+          </p:cNvSpPr>
+          <p:nvPr>
+            <p:ph type="body" idx="1"/>
+          </p:nvPr>
+        </p:nvSpPr>
+        <p:spPr>
+          <a:xfrm>
+            <a:off x="1295401" y="4343399"/>
+            <a:ext cx="9609666" cy="1532467"/>
+          </a:xfrm>
+        </p:spPr>
+        <p:txBody>
+          <a:bodyPr anchor="ctr">
+            <a:normAutofit/>
+          </a:bodyPr>
+          <a:lstStyle>
+            <a:lvl1pPr marL="0" indent="0" algn="ctr">
+              <a:buNone/>
+              <a:defRPr sz="2000">
+                <a:solidFill>
+                  <a:schemeClr val="tx1"/>
+                </a:solidFill>
+              </a:defRPr>
+            </a:lvl1pPr>
+            <a:lvl2pPr marL="457200" indent="0">
+              <a:buNone/>
+              <a:defRPr sz="1800">
+                <a:solidFill>
+                  <a:schemeClr val="tx1">
+                    <a:tint val="75000"/>
+                  </a:schemeClr>
+                </a:solidFill>
+              </a:defRPr>
+            </a:lvl2pPr>
+            <a:lvl3pPr marL="914400" indent="0">
+              <a:buNone/>
+              <a:defRPr sz="1600">
+                <a:solidFill>
+                  <a:schemeClr val="tx1">
+                    <a:tint val="75000"/>
+                  </a:schemeClr>
+                </a:solidFill>
+              </a:defRPr>
+            </a:lvl3pPr>
+            <a:lvl4pPr marL="1371600" indent="0">
+              <a:buNone/>
+              <a:defRPr sz="1400">
+                <a:solidFill>
+                  <a:schemeClr val="tx1">
+                    <a:tint val="75000"/>
+                  </a:schemeClr>
+                </a:solidFill>
+              </a:defRPr>
+            </a:lvl4pPr>
+            <a:lvl5pPr marL="1828800" indent="0">
+              <a:buNone/>
+              <a:defRPr sz="1400">
+                <a:solidFill>
+                  <a:schemeClr val="tx1">
+                    <a:tint val="75000"/>
+                  </a:schemeClr>
+                </a:solidFill>
+              </a:defRPr>
+            </a:lvl5pPr>
+            <a:lvl6pPr marL="2286000" indent="0">
+              <a:buNone/>
+              <a:defRPr sz="1400">
+                <a:solidFill>
+                  <a:schemeClr val="tx1">
+                    <a:tint val="75000"/>
+                  </a:schemeClr>
+                </a:solidFill>
+              </a:defRPr>
+            </a:lvl6pPr>
+            <a:lvl7pPr marL="2743200" indent="0">
+              <a:buNone/>
+              <a:defRPr sz="1400">
+                <a:solidFill>
+                  <a:schemeClr val="tx1">
+                    <a:tint val="75000"/>
+                  </a:schemeClr>
+                </a:solidFill>
+              </a:defRPr>
+            </a:lvl7pPr>
+            <a:lvl8pPr marL="3200400" indent="0">
+              <a:buNone/>
+              <a:defRPr sz="1400">
+                <a:solidFill>
+                  <a:schemeClr val="tx1">
+                    <a:tint val="75000"/>
+                  </a:schemeClr>
+                </a:solidFill>
+              </a:defRPr>
+            </a:lvl8pPr>
+            <a:lvl9pPr marL="3657600" indent="0">
+              <a:buNone/>
+              <a:defRPr sz="1400">
+                <a:solidFill>
+                  <a:schemeClr val="tx1">
+                    <a:tint val="75000"/>
+                  </a:schemeClr>
+                </a:solidFill>
+              </a:defRPr>
+            </a:lvl9pPr>
+          </a:lstStyle>
+          <a:p>
+            <a:pPr lvl="0"/>
+            <a:r>
+              <a:rPr lang="pl-PL"/>
+              <a:t>Kliknij, aby edytować style wzorca tekstu</a:t>
+            </a:r>
+          </a:p>
+        </p:txBody>
+      </p:sp>
+      <p:sp>
+        <p:nvSpPr>
+          <p:cNvPr id="4" name="Date Placeholder 3"/>
+          <p:cNvSpPr>
+            <a:spLocks noGrp="1"/>
+          </p:cNvSpPr>
+          <p:nvPr>
+            <p:ph type="dt" sz="half" idx="10"/>
+          </p:nvPr>
+        </p:nvSpPr>
+        <p:spPr/>
+        <p:txBody>
+          <a:bodyPr/>
+          <a:lstStyle/>
+          <a:p>
+            <a:fld id="{F98AA868-8872-43E4-8C98-D34DABD1FD38}" type="datetimeFigureOut">
+              <a:rPr lang="pl-PL" smtClean="0"/>
+              <a:pPr/>
+              <a:t>09.02.2024</a:t>
+            </a:fld>
+            <a:endParaRPr lang="pl-PL"/>
+          </a:p>
+        </p:txBody>
+      </p:sp>
+      <p:sp>
+        <p:nvSpPr>
+          <p:cNvPr id="5" name="Footer Placeholder 4"/>
+          <p:cNvSpPr>
+            <a:spLocks noGrp="1"/>
+          </p:cNvSpPr>
+          <p:nvPr>
+            <p:ph type="ftr" sz="quarter" idx="11"/>
+          </p:nvPr>
+        </p:nvSpPr>
+        <p:spPr/>
+        <p:txBody>
+          <a:bodyPr/>
+          <a:lstStyle/>
+          <a:p>
+            <a:endParaRPr lang="pl-PL"/>
+          </a:p>
+        </p:txBody>
+      </p:sp>
+      <p:sp>
+        <p:nvSpPr>
+          <p:cNvPr id="6" name="Slide Number Placeholder 5"/>
+          <p:cNvSpPr>
+            <a:spLocks noGrp="1"/>
+          </p:cNvSpPr>
+          <p:nvPr>
+            <p:ph type="sldNum" sz="quarter" idx="12"/>
+          </p:nvPr>
+        </p:nvSpPr>
+        <p:spPr/>
+        <p:txBody>
+          <a:bodyPr/>
+          <a:lstStyle/>
+          <a:p>
+            <a:fld id="{C77C6C3F-668B-4AF5-BFA9-0F657EB068D6}" type="slidenum">
+              <a:rPr lang="pl-PL" smtClean="0"/>
+              <a:pPr/>
+              <a:t>‹#›</a:t>
+            </a:fld>
+            <a:endParaRPr lang="pl-PL"/>
+          </a:p>
+        </p:txBody>
+      </p:sp>
+      <p:sp>
+        <p:nvSpPr>
+          <p:cNvPr id="14" name="TextBox 13"/>
+          <p:cNvSpPr txBox="1"/>
+          <p:nvPr/>
+        </p:nvSpPr>
+        <p:spPr>
+          <a:xfrm>
+            <a:off x="862013" y="879961"/>
+            <a:ext cx="609600" cy="584776"/>
+          </a:xfrm>
+          <a:prstGeom prst="rect">
+            <a:avLst/>
+          </a:prstGeom>
+        </p:spPr>
+        <p:txBody>
+          <a:bodyPr vert="horz" lIns="91440" tIns="45720" rIns="91440" bIns="45720" rtlCol="0" anchor="ctr">
+            <a:noAutofit/>
+          </a:bodyPr>
+          <a:lstStyle/>
+          <a:p>
+            <a:pPr lvl="0"/>
+            <a:r>
+              <a:rPr lang="en-US" sz="8000" dirty="0">
+                <a:solidFill>
+                  <a:schemeClr val="tx1"/>
+                </a:solidFill>
+                <a:effectLst/>
+              </a:rPr>
+              <a:t>“</a:t>
+            </a:r>
+          </a:p>
+        </p:txBody>
+      </p:sp>
+      <p:sp>
+        <p:nvSpPr>
+          <p:cNvPr id="15" name="TextBox 14"/>
+          <p:cNvSpPr txBox="1"/>
+          <p:nvPr/>
+        </p:nvSpPr>
+        <p:spPr>
+          <a:xfrm>
+            <a:off x="10600267" y="2827870"/>
+            <a:ext cx="609600" cy="584776"/>
+          </a:xfrm>
+          <a:prstGeom prst="rect">
+            <a:avLst/>
+          </a:prstGeom>
+        </p:spPr>
+        <p:txBody>
+          <a:bodyPr vert="horz" lIns="91440" tIns="45720" rIns="91440" bIns="45720" rtlCol="0" anchor="ctr">
+            <a:noAutofit/>
+          </a:bodyPr>
+          <a:lstStyle/>
+          <a:p>
+            <a:pPr lvl="0" algn="r"/>
+            <a:r>
+              <a:rPr lang="en-US" sz="8000" dirty="0">
+                <a:solidFill>
+                  <a:schemeClr val="tx1"/>
+                </a:solidFill>
+                <a:effectLst/>
+              </a:rPr>
+              <a:t>”</a:t>
+            </a:r>
+          </a:p>
+        </p:txBody>
+      </p:sp>
+      <p:cxnSp>
+        <p:nvCxnSpPr>
+          <p:cNvPr id="19" name="Straight Connector 18"/>
+          <p:cNvCxnSpPr/>
+          <p:nvPr/>
+        </p:nvCxnSpPr>
+        <p:spPr>
+          <a:xfrm>
+            <a:off x="1396169" y="4140199"/>
+            <a:ext cx="9407298" cy="0"/>
+          </a:xfrm>
+          <a:prstGeom prst="line">
+            <a:avLst/>
+          </a:prstGeom>
+          <a:ln w="15875"/>
+        </p:spPr>
+        <p:style>
+          <a:lnRef idx="2">
+            <a:schemeClr val="accent1"/>
+          </a:lnRef>
+          <a:fillRef idx="0">
+            <a:schemeClr val="accent1"/>
+          </a:fillRef>
+          <a:effectRef idx="1">
+            <a:schemeClr val="accent1"/>
+          </a:effectRef>
+          <a:fontRef idx="minor">
+            <a:schemeClr val="tx1"/>
+          </a:fontRef>
+        </p:style>
+      </p:cxnSp>
+    </p:spTree>
+    <p:extLst>
+      <p:ext uri="{BB962C8B-B14F-4D97-AF65-F5344CB8AC3E}">
+        <p14:creationId xmlns:p14="http://schemas.microsoft.com/office/powerpoint/2010/main" val="270490494"/>
+      </p:ext>
+    </p:extLst>
+  </p:cSld>
+  <p:clrMapOvr>
+    <a:masterClrMapping/>
+  </p:clrMapOvr>
+</p:sldLayout>
+</file>
+
+<file path=ppt/slideLayouts/slideLayout24.xml><?xml version="1.0" encoding="utf-8"?>
+<p:sldLayout xmlns:a="http://schemas.openxmlformats.org/drawingml/2006/main" xmlns:r="http://schemas.openxmlformats.org/officeDocument/2006/relationships" xmlns:p="http://schemas.openxmlformats.org/presentationml/2006/main" preserve="1">
+  <p:cSld name="Karta nazwy">
+    <p:spTree>
+      <p:nvGrpSpPr>
+        <p:cNvPr id="1" name=""/>
+        <p:cNvGrpSpPr/>
+        <p:nvPr/>
+      </p:nvGrpSpPr>
+      <p:grpSpPr>
+        <a:xfrm>
+          <a:off x="0" y="0"/>
+          <a:ext cx="0" cy="0"/>
+          <a:chOff x="0" y="0"/>
+          <a:chExt cx="0" cy="0"/>
+        </a:xfrm>
+      </p:grpSpPr>
+      <p:sp>
+        <p:nvSpPr>
+          <p:cNvPr id="2" name="Title 1"/>
+          <p:cNvSpPr>
+            <a:spLocks noGrp="1"/>
+          </p:cNvSpPr>
+          <p:nvPr>
+            <p:ph type="title"/>
+          </p:nvPr>
+        </p:nvSpPr>
+        <p:spPr>
+          <a:xfrm>
+            <a:off x="1295402" y="3308581"/>
+            <a:ext cx="9609668" cy="1468800"/>
+          </a:xfrm>
+        </p:spPr>
+        <p:txBody>
+          <a:bodyPr anchor="b">
+            <a:normAutofit/>
+          </a:bodyPr>
+          <a:lstStyle>
+            <a:lvl1pPr algn="l">
+              <a:defRPr sz="3200" b="0" cap="none"/>
+            </a:lvl1pPr>
+          </a:lstStyle>
+          <a:p>
+            <a:r>
+              <a:rPr lang="pl-PL"/>
+              <a:t>Kliknij, aby edytować styl</a:t>
+            </a:r>
+            <a:endParaRPr lang="en-US" dirty="0"/>
+          </a:p>
+        </p:txBody>
+      </p:sp>
+      <p:sp>
+        <p:nvSpPr>
+          <p:cNvPr id="3" name="Text Placeholder 2"/>
+          <p:cNvSpPr>
+            <a:spLocks noGrp="1"/>
+          </p:cNvSpPr>
+          <p:nvPr>
+            <p:ph type="body" idx="1"/>
+          </p:nvPr>
+        </p:nvSpPr>
+        <p:spPr>
+          <a:xfrm>
+            <a:off x="1295401" y="4777381"/>
+            <a:ext cx="9609668" cy="860400"/>
+          </a:xfrm>
+        </p:spPr>
+        <p:txBody>
+          <a:bodyPr anchor="t">
+            <a:normAutofit/>
+          </a:bodyPr>
+          <a:lstStyle>
+            <a:lvl1pPr marL="0" indent="0" algn="l">
+              <a:buNone/>
+              <a:defRPr sz="2000">
+                <a:solidFill>
+                  <a:schemeClr val="tx1"/>
+                </a:solidFill>
+              </a:defRPr>
+            </a:lvl1pPr>
+            <a:lvl2pPr marL="457200" indent="0">
+              <a:buNone/>
+              <a:defRPr sz="1800">
+                <a:solidFill>
+                  <a:schemeClr val="tx1">
+                    <a:tint val="75000"/>
+                  </a:schemeClr>
+                </a:solidFill>
+              </a:defRPr>
+            </a:lvl2pPr>
+            <a:lvl3pPr marL="914400" indent="0">
+              <a:buNone/>
+              <a:defRPr sz="1600">
+                <a:solidFill>
+                  <a:schemeClr val="tx1">
+                    <a:tint val="75000"/>
+                  </a:schemeClr>
+                </a:solidFill>
+              </a:defRPr>
+            </a:lvl3pPr>
+            <a:lvl4pPr marL="1371600" indent="0">
+              <a:buNone/>
+              <a:defRPr sz="1400">
+                <a:solidFill>
+                  <a:schemeClr val="tx1">
+                    <a:tint val="75000"/>
+                  </a:schemeClr>
+                </a:solidFill>
+              </a:defRPr>
+            </a:lvl4pPr>
+            <a:lvl5pPr marL="1828800" indent="0">
+              <a:buNone/>
+              <a:defRPr sz="1400">
+                <a:solidFill>
+                  <a:schemeClr val="tx1">
+                    <a:tint val="75000"/>
+                  </a:schemeClr>
+                </a:solidFill>
+              </a:defRPr>
+            </a:lvl5pPr>
+            <a:lvl6pPr marL="2286000" indent="0">
+              <a:buNone/>
+              <a:defRPr sz="1400">
+                <a:solidFill>
+                  <a:schemeClr val="tx1">
+                    <a:tint val="75000"/>
+                  </a:schemeClr>
+                </a:solidFill>
+              </a:defRPr>
+            </a:lvl6pPr>
+            <a:lvl7pPr marL="2743200" indent="0">
+              <a:buNone/>
+              <a:defRPr sz="1400">
+                <a:solidFill>
+                  <a:schemeClr val="tx1">
+                    <a:tint val="75000"/>
+                  </a:schemeClr>
+                </a:solidFill>
+              </a:defRPr>
+            </a:lvl7pPr>
+            <a:lvl8pPr marL="3200400" indent="0">
+              <a:buNone/>
+              <a:defRPr sz="1400">
+                <a:solidFill>
+                  <a:schemeClr val="tx1">
+                    <a:tint val="75000"/>
+                  </a:schemeClr>
+                </a:solidFill>
+              </a:defRPr>
+            </a:lvl8pPr>
+            <a:lvl9pPr marL="3657600" indent="0">
+              <a:buNone/>
+              <a:defRPr sz="1400">
+                <a:solidFill>
+                  <a:schemeClr val="tx1">
+                    <a:tint val="75000"/>
+                  </a:schemeClr>
+                </a:solidFill>
+              </a:defRPr>
+            </a:lvl9pPr>
+          </a:lstStyle>
+          <a:p>
+            <a:pPr lvl="0"/>
+            <a:r>
+              <a:rPr lang="pl-PL"/>
+              <a:t>Kliknij, aby edytować style wzorca tekstu</a:t>
+            </a:r>
+          </a:p>
+        </p:txBody>
+      </p:sp>
+      <p:sp>
+        <p:nvSpPr>
+          <p:cNvPr id="4" name="Date Placeholder 3"/>
+          <p:cNvSpPr>
+            <a:spLocks noGrp="1"/>
+          </p:cNvSpPr>
+          <p:nvPr>
+            <p:ph type="dt" sz="half" idx="10"/>
+          </p:nvPr>
+        </p:nvSpPr>
+        <p:spPr/>
+        <p:txBody>
+          <a:bodyPr/>
+          <a:lstStyle/>
+          <a:p>
+            <a:fld id="{F98AA868-8872-43E4-8C98-D34DABD1FD38}" type="datetimeFigureOut">
+              <a:rPr lang="pl-PL" smtClean="0"/>
+              <a:pPr/>
+              <a:t>09.02.2024</a:t>
+            </a:fld>
+            <a:endParaRPr lang="pl-PL"/>
+          </a:p>
+        </p:txBody>
+      </p:sp>
+      <p:sp>
+        <p:nvSpPr>
+          <p:cNvPr id="5" name="Footer Placeholder 4"/>
+          <p:cNvSpPr>
+            <a:spLocks noGrp="1"/>
+          </p:cNvSpPr>
+          <p:nvPr>
+            <p:ph type="ftr" sz="quarter" idx="11"/>
+          </p:nvPr>
+        </p:nvSpPr>
+        <p:spPr/>
+        <p:txBody>
+          <a:bodyPr/>
+          <a:lstStyle/>
+          <a:p>
+            <a:endParaRPr lang="pl-PL"/>
+          </a:p>
+        </p:txBody>
+      </p:sp>
+      <p:sp>
+        <p:nvSpPr>
+          <p:cNvPr id="6" name="Slide Number Placeholder 5"/>
+          <p:cNvSpPr>
+            <a:spLocks noGrp="1"/>
+          </p:cNvSpPr>
+          <p:nvPr>
+            <p:ph type="sldNum" sz="quarter" idx="12"/>
+          </p:nvPr>
+        </p:nvSpPr>
+        <p:spPr/>
+        <p:txBody>
+          <a:bodyPr/>
+          <a:lstStyle/>
+          <a:p>
+            <a:fld id="{C77C6C3F-668B-4AF5-BFA9-0F657EB068D6}" type="slidenum">
+              <a:rPr lang="pl-PL" smtClean="0"/>
+              <a:pPr/>
+              <a:t>‹#›</a:t>
+            </a:fld>
+            <a:endParaRPr lang="pl-PL"/>
+          </a:p>
+        </p:txBody>
+      </p:sp>
+    </p:spTree>
+    <p:extLst>
+      <p:ext uri="{BB962C8B-B14F-4D97-AF65-F5344CB8AC3E}">
+        <p14:creationId xmlns:p14="http://schemas.microsoft.com/office/powerpoint/2010/main" val="4115245652"/>
+      </p:ext>
+    </p:extLst>
+  </p:cSld>
+  <p:clrMapOvr>
+    <a:masterClrMapping/>
+  </p:clrMapOvr>
+</p:sldLayout>
+</file>
+
+<file path=ppt/slideLayouts/slideLayout25.xml><?xml version="1.0" encoding="utf-8"?>
+<p:sldLayout xmlns:a="http://schemas.openxmlformats.org/drawingml/2006/main" xmlns:r="http://schemas.openxmlformats.org/officeDocument/2006/relationships" xmlns:p="http://schemas.openxmlformats.org/presentationml/2006/main" preserve="1">
+  <p:cSld name="Karta nazwy cytatu">
+    <p:spTree>
+      <p:nvGrpSpPr>
+        <p:cNvPr id="1" name=""/>
+        <p:cNvGrpSpPr/>
+        <p:nvPr/>
+      </p:nvGrpSpPr>
+      <p:grpSpPr>
+        <a:xfrm>
+          <a:off x="0" y="0"/>
+          <a:ext cx="0" cy="0"/>
+          <a:chOff x="0" y="0"/>
+          <a:chExt cx="0" cy="0"/>
+        </a:xfrm>
+      </p:grpSpPr>
+      <p:sp>
+        <p:nvSpPr>
+          <p:cNvPr id="2" name="Title 1"/>
+          <p:cNvSpPr>
+            <a:spLocks noGrp="1"/>
+          </p:cNvSpPr>
+          <p:nvPr>
+            <p:ph type="title"/>
+          </p:nvPr>
+        </p:nvSpPr>
+        <p:spPr>
+          <a:xfrm>
+            <a:off x="1446213" y="982132"/>
+            <a:ext cx="9296398" cy="2243668"/>
+          </a:xfrm>
+        </p:spPr>
+        <p:txBody>
+          <a:bodyPr anchor="ctr">
+            <a:normAutofit/>
+          </a:bodyPr>
+          <a:lstStyle>
+            <a:lvl1pPr algn="ctr">
+              <a:defRPr sz="3200" b="0" cap="none">
+                <a:solidFill>
+                  <a:schemeClr val="tx1"/>
+                </a:solidFill>
+              </a:defRPr>
+            </a:lvl1pPr>
+          </a:lstStyle>
+          <a:p>
+            <a:r>
+              <a:rPr lang="pl-PL"/>
+              <a:t>Kliknij, aby edytować styl</a:t>
+            </a:r>
+            <a:endParaRPr lang="en-US" dirty="0"/>
+          </a:p>
+        </p:txBody>
+      </p:sp>
+      <p:sp>
+        <p:nvSpPr>
+          <p:cNvPr id="23" name="Text Placeholder 2"/>
+          <p:cNvSpPr>
+            <a:spLocks noGrp="1"/>
+          </p:cNvSpPr>
+          <p:nvPr>
+            <p:ph type="body" idx="13"/>
+          </p:nvPr>
+        </p:nvSpPr>
+        <p:spPr>
+          <a:xfrm>
+            <a:off x="1295401" y="3639312"/>
+            <a:ext cx="9609668" cy="886968"/>
+          </a:xfrm>
+        </p:spPr>
+        <p:txBody>
+          <a:bodyPr anchor="b">
+            <a:normAutofit/>
+          </a:bodyPr>
+          <a:lstStyle>
+            <a:lvl1pPr marL="0" indent="0" algn="l">
+              <a:spcBef>
+                <a:spcPts val="0"/>
+              </a:spcBef>
+              <a:buNone/>
+              <a:defRPr sz="2400">
+                <a:solidFill>
+                  <a:schemeClr val="tx1"/>
+                </a:solidFill>
+              </a:defRPr>
+            </a:lvl1pPr>
+            <a:lvl2pPr marL="457200" indent="0">
+              <a:buNone/>
+              <a:defRPr sz="1800">
+                <a:solidFill>
+                  <a:schemeClr val="tx1">
+                    <a:tint val="75000"/>
+                  </a:schemeClr>
+                </a:solidFill>
+              </a:defRPr>
+            </a:lvl2pPr>
+            <a:lvl3pPr marL="914400" indent="0">
+              <a:buNone/>
+              <a:defRPr sz="1600">
+                <a:solidFill>
+                  <a:schemeClr val="tx1">
+                    <a:tint val="75000"/>
+                  </a:schemeClr>
+                </a:solidFill>
+              </a:defRPr>
+            </a:lvl3pPr>
+            <a:lvl4pPr marL="1371600" indent="0">
+              <a:buNone/>
+              <a:defRPr sz="1400">
+                <a:solidFill>
+                  <a:schemeClr val="tx1">
+                    <a:tint val="75000"/>
+                  </a:schemeClr>
+                </a:solidFill>
+              </a:defRPr>
+            </a:lvl4pPr>
+            <a:lvl5pPr marL="1828800" indent="0">
+              <a:buNone/>
+              <a:defRPr sz="1400">
+                <a:solidFill>
+                  <a:schemeClr val="tx1">
+                    <a:tint val="75000"/>
+                  </a:schemeClr>
+                </a:solidFill>
+              </a:defRPr>
+            </a:lvl5pPr>
+            <a:lvl6pPr marL="2286000" indent="0">
+              <a:buNone/>
+              <a:defRPr sz="1400">
+                <a:solidFill>
+                  <a:schemeClr val="tx1">
+                    <a:tint val="75000"/>
+                  </a:schemeClr>
+                </a:solidFill>
+              </a:defRPr>
+            </a:lvl6pPr>
+            <a:lvl7pPr marL="2743200" indent="0">
+              <a:buNone/>
+              <a:defRPr sz="1400">
+                <a:solidFill>
+                  <a:schemeClr val="tx1">
+                    <a:tint val="75000"/>
+                  </a:schemeClr>
+                </a:solidFill>
+              </a:defRPr>
+            </a:lvl7pPr>
+            <a:lvl8pPr marL="3200400" indent="0">
+              <a:buNone/>
+              <a:defRPr sz="1400">
+                <a:solidFill>
+                  <a:schemeClr val="tx1">
+                    <a:tint val="75000"/>
+                  </a:schemeClr>
+                </a:solidFill>
+              </a:defRPr>
+            </a:lvl8pPr>
+            <a:lvl9pPr marL="3657600" indent="0">
+              <a:buNone/>
+              <a:defRPr sz="1400">
+                <a:solidFill>
+                  <a:schemeClr val="tx1">
+                    <a:tint val="75000"/>
+                  </a:schemeClr>
+                </a:solidFill>
+              </a:defRPr>
+            </a:lvl9pPr>
+          </a:lstStyle>
+          <a:p>
+            <a:pPr lvl="0"/>
+            <a:r>
+              <a:rPr lang="pl-PL"/>
+              <a:t>Kliknij, aby edytować style wzorca tekstu</a:t>
+            </a:r>
+          </a:p>
+        </p:txBody>
+      </p:sp>
+      <p:sp>
+        <p:nvSpPr>
+          <p:cNvPr id="3" name="Text Placeholder 2"/>
+          <p:cNvSpPr>
+            <a:spLocks noGrp="1"/>
+          </p:cNvSpPr>
+          <p:nvPr>
+            <p:ph type="body" idx="1"/>
+          </p:nvPr>
+        </p:nvSpPr>
+        <p:spPr>
+          <a:xfrm>
+            <a:off x="1295401" y="4529667"/>
+            <a:ext cx="9609668" cy="1346200"/>
+          </a:xfrm>
+        </p:spPr>
+        <p:txBody>
+          <a:bodyPr anchor="t">
+            <a:normAutofit/>
+          </a:bodyPr>
+          <a:lstStyle>
+            <a:lvl1pPr marL="0" indent="0" algn="l">
+              <a:buNone/>
+              <a:defRPr sz="1800">
+                <a:solidFill>
+                  <a:schemeClr val="tx1"/>
+                </a:solidFill>
+              </a:defRPr>
+            </a:lvl1pPr>
+            <a:lvl2pPr marL="457200" indent="0">
+              <a:buNone/>
+              <a:defRPr sz="1800">
+                <a:solidFill>
+                  <a:schemeClr val="tx1">
+                    <a:tint val="75000"/>
+                  </a:schemeClr>
+                </a:solidFill>
+              </a:defRPr>
+            </a:lvl2pPr>
+            <a:lvl3pPr marL="914400" indent="0">
+              <a:buNone/>
+              <a:defRPr sz="1600">
+                <a:solidFill>
+                  <a:schemeClr val="tx1">
+                    <a:tint val="75000"/>
+                  </a:schemeClr>
+                </a:solidFill>
+              </a:defRPr>
+            </a:lvl3pPr>
+            <a:lvl4pPr marL="1371600" indent="0">
+              <a:buNone/>
+              <a:defRPr sz="1400">
+                <a:solidFill>
+                  <a:schemeClr val="tx1">
+                    <a:tint val="75000"/>
+                  </a:schemeClr>
+                </a:solidFill>
+              </a:defRPr>
+            </a:lvl4pPr>
+            <a:lvl5pPr marL="1828800" indent="0">
+              <a:buNone/>
+              <a:defRPr sz="1400">
+                <a:solidFill>
+                  <a:schemeClr val="tx1">
+                    <a:tint val="75000"/>
+                  </a:schemeClr>
+                </a:solidFill>
+              </a:defRPr>
+            </a:lvl5pPr>
+            <a:lvl6pPr marL="2286000" indent="0">
+              <a:buNone/>
+              <a:defRPr sz="1400">
+                <a:solidFill>
+                  <a:schemeClr val="tx1">
+                    <a:tint val="75000"/>
+                  </a:schemeClr>
+                </a:solidFill>
+              </a:defRPr>
+            </a:lvl6pPr>
+            <a:lvl7pPr marL="2743200" indent="0">
+              <a:buNone/>
+              <a:defRPr sz="1400">
+                <a:solidFill>
+                  <a:schemeClr val="tx1">
+                    <a:tint val="75000"/>
+                  </a:schemeClr>
+                </a:solidFill>
+              </a:defRPr>
+            </a:lvl7pPr>
+            <a:lvl8pPr marL="3200400" indent="0">
+              <a:buNone/>
+              <a:defRPr sz="1400">
+                <a:solidFill>
+                  <a:schemeClr val="tx1">
+                    <a:tint val="75000"/>
+                  </a:schemeClr>
+                </a:solidFill>
+              </a:defRPr>
+            </a:lvl8pPr>
+            <a:lvl9pPr marL="3657600" indent="0">
+              <a:buNone/>
+              <a:defRPr sz="1400">
+                <a:solidFill>
+                  <a:schemeClr val="tx1">
+                    <a:tint val="75000"/>
+                  </a:schemeClr>
+                </a:solidFill>
+              </a:defRPr>
+            </a:lvl9pPr>
+          </a:lstStyle>
+          <a:p>
+            <a:pPr lvl="0"/>
+            <a:r>
+              <a:rPr lang="pl-PL"/>
+              <a:t>Kliknij, aby edytować style wzorca tekstu</a:t>
+            </a:r>
+          </a:p>
+        </p:txBody>
+      </p:sp>
+      <p:sp>
+        <p:nvSpPr>
+          <p:cNvPr id="4" name="Date Placeholder 3"/>
+          <p:cNvSpPr>
+            <a:spLocks noGrp="1"/>
+          </p:cNvSpPr>
+          <p:nvPr>
+            <p:ph type="dt" sz="half" idx="10"/>
+          </p:nvPr>
+        </p:nvSpPr>
+        <p:spPr/>
+        <p:txBody>
+          <a:bodyPr/>
+          <a:lstStyle/>
+          <a:p>
+            <a:fld id="{F98AA868-8872-43E4-8C98-D34DABD1FD38}" type="datetimeFigureOut">
+              <a:rPr lang="pl-PL" smtClean="0"/>
+              <a:pPr/>
+              <a:t>09.02.2024</a:t>
+            </a:fld>
+            <a:endParaRPr lang="pl-PL"/>
+          </a:p>
+        </p:txBody>
+      </p:sp>
+      <p:sp>
+        <p:nvSpPr>
+          <p:cNvPr id="5" name="Footer Placeholder 4"/>
+          <p:cNvSpPr>
+            <a:spLocks noGrp="1"/>
+          </p:cNvSpPr>
+          <p:nvPr>
+            <p:ph type="ftr" sz="quarter" idx="11"/>
+          </p:nvPr>
+        </p:nvSpPr>
+        <p:spPr/>
+        <p:txBody>
+          <a:bodyPr/>
+          <a:lstStyle/>
+          <a:p>
+            <a:endParaRPr lang="pl-PL"/>
+          </a:p>
+        </p:txBody>
+      </p:sp>
+      <p:sp>
+        <p:nvSpPr>
+          <p:cNvPr id="6" name="Slide Number Placeholder 5"/>
+          <p:cNvSpPr>
+            <a:spLocks noGrp="1"/>
+          </p:cNvSpPr>
+          <p:nvPr>
+            <p:ph type="sldNum" sz="quarter" idx="12"/>
+          </p:nvPr>
+        </p:nvSpPr>
+        <p:spPr/>
+        <p:txBody>
+          <a:bodyPr/>
+          <a:lstStyle/>
+          <a:p>
+            <a:fld id="{C77C6C3F-668B-4AF5-BFA9-0F657EB068D6}" type="slidenum">
+              <a:rPr lang="pl-PL" smtClean="0"/>
+              <a:pPr/>
+              <a:t>‹#›</a:t>
+            </a:fld>
+            <a:endParaRPr lang="pl-PL"/>
+          </a:p>
+        </p:txBody>
+      </p:sp>
+      <p:sp>
+        <p:nvSpPr>
+          <p:cNvPr id="12" name="TextBox 11"/>
+          <p:cNvSpPr txBox="1"/>
+          <p:nvPr/>
+        </p:nvSpPr>
+        <p:spPr>
+          <a:xfrm>
+            <a:off x="862013" y="879961"/>
+            <a:ext cx="609600" cy="584776"/>
+          </a:xfrm>
+          <a:prstGeom prst="rect">
+            <a:avLst/>
+          </a:prstGeom>
+        </p:spPr>
+        <p:txBody>
+          <a:bodyPr vert="horz" lIns="91440" tIns="45720" rIns="91440" bIns="45720" rtlCol="0" anchor="ctr">
+            <a:noAutofit/>
+          </a:bodyPr>
+          <a:lstStyle/>
+          <a:p>
+            <a:pPr lvl="0"/>
+            <a:r>
+              <a:rPr lang="en-US" sz="8000" dirty="0">
+                <a:solidFill>
+                  <a:schemeClr val="tx1"/>
+                </a:solidFill>
+                <a:effectLst/>
+              </a:rPr>
+              <a:t>“</a:t>
+            </a:r>
+          </a:p>
+        </p:txBody>
+      </p:sp>
+      <p:sp>
+        <p:nvSpPr>
+          <p:cNvPr id="13" name="TextBox 12"/>
+          <p:cNvSpPr txBox="1"/>
+          <p:nvPr/>
+        </p:nvSpPr>
+        <p:spPr>
+          <a:xfrm>
+            <a:off x="10600267" y="2599261"/>
+            <a:ext cx="609600" cy="584776"/>
+          </a:xfrm>
+          <a:prstGeom prst="rect">
+            <a:avLst/>
+          </a:prstGeom>
+        </p:spPr>
+        <p:txBody>
+          <a:bodyPr vert="horz" lIns="91440" tIns="45720" rIns="91440" bIns="45720" rtlCol="0" anchor="ctr">
+            <a:noAutofit/>
+          </a:bodyPr>
+          <a:lstStyle/>
+          <a:p>
+            <a:pPr lvl="0" algn="r"/>
+            <a:r>
+              <a:rPr lang="en-US" sz="8000" dirty="0">
+                <a:solidFill>
+                  <a:schemeClr val="tx1"/>
+                </a:solidFill>
+                <a:effectLst/>
+              </a:rPr>
+              <a:t>”</a:t>
+            </a:r>
+          </a:p>
+        </p:txBody>
+      </p:sp>
+      <p:cxnSp>
+        <p:nvCxnSpPr>
+          <p:cNvPr id="26" name="Straight Connector 25"/>
+          <p:cNvCxnSpPr/>
+          <p:nvPr/>
+        </p:nvCxnSpPr>
+        <p:spPr>
+          <a:xfrm>
+            <a:off x="1396169" y="3429000"/>
+            <a:ext cx="9407298" cy="0"/>
+          </a:xfrm>
+          <a:prstGeom prst="line">
+            <a:avLst/>
+          </a:prstGeom>
+          <a:ln w="15875"/>
+        </p:spPr>
+        <p:style>
+          <a:lnRef idx="2">
+            <a:schemeClr val="accent1"/>
+          </a:lnRef>
+          <a:fillRef idx="0">
+            <a:schemeClr val="accent1"/>
+          </a:fillRef>
+          <a:effectRef idx="1">
+            <a:schemeClr val="accent1"/>
+          </a:effectRef>
+          <a:fontRef idx="minor">
+            <a:schemeClr val="tx1"/>
+          </a:fontRef>
+        </p:style>
+      </p:cxnSp>
+    </p:spTree>
+    <p:extLst>
+      <p:ext uri="{BB962C8B-B14F-4D97-AF65-F5344CB8AC3E}">
+        <p14:creationId xmlns:p14="http://schemas.microsoft.com/office/powerpoint/2010/main" val="1800592382"/>
+      </p:ext>
+    </p:extLst>
+  </p:cSld>
+  <p:clrMapOvr>
+    <a:masterClrMapping/>
+  </p:clrMapOvr>
+</p:sldLayout>
+</file>
+
+<file path=ppt/slideLayouts/slideLayout26.xml><?xml version="1.0" encoding="utf-8"?>
+<p:sldLayout xmlns:a="http://schemas.openxmlformats.org/drawingml/2006/main" xmlns:r="http://schemas.openxmlformats.org/officeDocument/2006/relationships" xmlns:p="http://schemas.openxmlformats.org/presentationml/2006/main" preserve="1">
+  <p:cSld name="Prawda lub fałsz">
+    <p:spTree>
+      <p:nvGrpSpPr>
+        <p:cNvPr id="1" name=""/>
+        <p:cNvGrpSpPr/>
+        <p:nvPr/>
+      </p:nvGrpSpPr>
+      <p:grpSpPr>
+        <a:xfrm>
+          <a:off x="0" y="0"/>
+          <a:ext cx="0" cy="0"/>
+          <a:chOff x="0" y="0"/>
+          <a:chExt cx="0" cy="0"/>
+        </a:xfrm>
+      </p:grpSpPr>
+      <p:sp>
+        <p:nvSpPr>
+          <p:cNvPr id="2" name="Title 1"/>
+          <p:cNvSpPr>
+            <a:spLocks noGrp="1"/>
+          </p:cNvSpPr>
+          <p:nvPr>
+            <p:ph type="title"/>
+          </p:nvPr>
+        </p:nvSpPr>
+        <p:spPr>
+          <a:xfrm>
+            <a:off x="1295401" y="982132"/>
+            <a:ext cx="9609666" cy="2243668"/>
+          </a:xfrm>
+        </p:spPr>
+        <p:txBody>
+          <a:bodyPr vert="horz" lIns="91440" tIns="45720" rIns="91440" bIns="45720" rtlCol="0" anchor="ctr">
+            <a:normAutofit/>
+          </a:bodyPr>
+          <a:lstStyle>
+            <a:lvl1pPr>
+              <a:defRPr lang="en-US" b="0" dirty="0"/>
+            </a:lvl1pPr>
+          </a:lstStyle>
+          <a:p>
+            <a:pPr marL="0" lvl="0"/>
+            <a:r>
+              <a:rPr lang="pl-PL"/>
+              <a:t>Kliknij, aby edytować styl</a:t>
+            </a:r>
+            <a:endParaRPr lang="en-US" dirty="0"/>
+          </a:p>
+        </p:txBody>
+      </p:sp>
+      <p:sp>
+        <p:nvSpPr>
+          <p:cNvPr id="20" name="Text Placeholder 2"/>
+          <p:cNvSpPr>
+            <a:spLocks noGrp="1"/>
+          </p:cNvSpPr>
+          <p:nvPr>
+            <p:ph type="body" idx="13"/>
+          </p:nvPr>
+        </p:nvSpPr>
+        <p:spPr>
+          <a:xfrm>
+            <a:off x="1295401" y="3630168"/>
+            <a:ext cx="9609668" cy="841248"/>
+          </a:xfrm>
+        </p:spPr>
+        <p:txBody>
+          <a:bodyPr anchor="b">
+            <a:normAutofit/>
+          </a:bodyPr>
+          <a:lstStyle>
+            <a:lvl1pPr marL="0" indent="0" algn="l">
+              <a:spcBef>
+                <a:spcPts val="0"/>
+              </a:spcBef>
+              <a:buNone/>
+              <a:defRPr sz="2800">
+                <a:solidFill>
+                  <a:schemeClr val="tx1"/>
+                </a:solidFill>
+              </a:defRPr>
+            </a:lvl1pPr>
+            <a:lvl2pPr marL="457200" indent="0">
+              <a:buNone/>
+              <a:defRPr sz="1800">
+                <a:solidFill>
+                  <a:schemeClr val="tx1">
+                    <a:tint val="75000"/>
+                  </a:schemeClr>
+                </a:solidFill>
+              </a:defRPr>
+            </a:lvl2pPr>
+            <a:lvl3pPr marL="914400" indent="0">
+              <a:buNone/>
+              <a:defRPr sz="1600">
+                <a:solidFill>
+                  <a:schemeClr val="tx1">
+                    <a:tint val="75000"/>
+                  </a:schemeClr>
+                </a:solidFill>
+              </a:defRPr>
+            </a:lvl3pPr>
+            <a:lvl4pPr marL="1371600" indent="0">
+              <a:buNone/>
+              <a:defRPr sz="1400">
+                <a:solidFill>
+                  <a:schemeClr val="tx1">
+                    <a:tint val="75000"/>
+                  </a:schemeClr>
+                </a:solidFill>
+              </a:defRPr>
+            </a:lvl4pPr>
+            <a:lvl5pPr marL="1828800" indent="0">
+              <a:buNone/>
+              <a:defRPr sz="1400">
+                <a:solidFill>
+                  <a:schemeClr val="tx1">
+                    <a:tint val="75000"/>
+                  </a:schemeClr>
+                </a:solidFill>
+              </a:defRPr>
+            </a:lvl5pPr>
+            <a:lvl6pPr marL="2286000" indent="0">
+              <a:buNone/>
+              <a:defRPr sz="1400">
+                <a:solidFill>
+                  <a:schemeClr val="tx1">
+                    <a:tint val="75000"/>
+                  </a:schemeClr>
+                </a:solidFill>
+              </a:defRPr>
+            </a:lvl6pPr>
+            <a:lvl7pPr marL="2743200" indent="0">
+              <a:buNone/>
+              <a:defRPr sz="1400">
+                <a:solidFill>
+                  <a:schemeClr val="tx1">
+                    <a:tint val="75000"/>
+                  </a:schemeClr>
+                </a:solidFill>
+              </a:defRPr>
+            </a:lvl7pPr>
+            <a:lvl8pPr marL="3200400" indent="0">
+              <a:buNone/>
+              <a:defRPr sz="1400">
+                <a:solidFill>
+                  <a:schemeClr val="tx1">
+                    <a:tint val="75000"/>
+                  </a:schemeClr>
+                </a:solidFill>
+              </a:defRPr>
+            </a:lvl8pPr>
+            <a:lvl9pPr marL="3657600" indent="0">
+              <a:buNone/>
+              <a:defRPr sz="1400">
+                <a:solidFill>
+                  <a:schemeClr val="tx1">
+                    <a:tint val="75000"/>
+                  </a:schemeClr>
+                </a:solidFill>
+              </a:defRPr>
+            </a:lvl9pPr>
+          </a:lstStyle>
+          <a:p>
+            <a:pPr lvl="0"/>
+            <a:r>
+              <a:rPr lang="pl-PL"/>
+              <a:t>Kliknij, aby edytować style wzorca tekstu</a:t>
+            </a:r>
+          </a:p>
+        </p:txBody>
+      </p:sp>
+      <p:sp>
+        <p:nvSpPr>
+          <p:cNvPr id="3" name="Text Placeholder 2"/>
+          <p:cNvSpPr>
+            <a:spLocks noGrp="1"/>
+          </p:cNvSpPr>
+          <p:nvPr>
+            <p:ph type="body" idx="1"/>
+          </p:nvPr>
+        </p:nvSpPr>
+        <p:spPr>
+          <a:xfrm>
+            <a:off x="1295400" y="4470399"/>
+            <a:ext cx="9609670" cy="1405467"/>
+          </a:xfrm>
+        </p:spPr>
+        <p:txBody>
+          <a:bodyPr anchor="t">
+            <a:normAutofit/>
+          </a:bodyPr>
+          <a:lstStyle>
+            <a:lvl1pPr marL="0" indent="0" algn="l">
+              <a:buNone/>
+              <a:defRPr sz="1800">
+                <a:solidFill>
+                  <a:schemeClr val="tx1"/>
+                </a:solidFill>
+              </a:defRPr>
+            </a:lvl1pPr>
+            <a:lvl2pPr marL="457200" indent="0">
+              <a:buNone/>
+              <a:defRPr sz="1800">
+                <a:solidFill>
+                  <a:schemeClr val="tx1">
+                    <a:tint val="75000"/>
+                  </a:schemeClr>
+                </a:solidFill>
+              </a:defRPr>
+            </a:lvl2pPr>
+            <a:lvl3pPr marL="914400" indent="0">
+              <a:buNone/>
+              <a:defRPr sz="1600">
+                <a:solidFill>
+                  <a:schemeClr val="tx1">
+                    <a:tint val="75000"/>
+                  </a:schemeClr>
+                </a:solidFill>
+              </a:defRPr>
+            </a:lvl3pPr>
+            <a:lvl4pPr marL="1371600" indent="0">
+              <a:buNone/>
+              <a:defRPr sz="1400">
+                <a:solidFill>
+                  <a:schemeClr val="tx1">
+                    <a:tint val="75000"/>
+                  </a:schemeClr>
+                </a:solidFill>
+              </a:defRPr>
+            </a:lvl4pPr>
+            <a:lvl5pPr marL="1828800" indent="0">
+              <a:buNone/>
+              <a:defRPr sz="1400">
+                <a:solidFill>
+                  <a:schemeClr val="tx1">
+                    <a:tint val="75000"/>
+                  </a:schemeClr>
+                </a:solidFill>
+              </a:defRPr>
+            </a:lvl5pPr>
+            <a:lvl6pPr marL="2286000" indent="0">
+              <a:buNone/>
+              <a:defRPr sz="1400">
+                <a:solidFill>
+                  <a:schemeClr val="tx1">
+                    <a:tint val="75000"/>
+                  </a:schemeClr>
+                </a:solidFill>
+              </a:defRPr>
+            </a:lvl6pPr>
+            <a:lvl7pPr marL="2743200" indent="0">
+              <a:buNone/>
+              <a:defRPr sz="1400">
+                <a:solidFill>
+                  <a:schemeClr val="tx1">
+                    <a:tint val="75000"/>
+                  </a:schemeClr>
+                </a:solidFill>
+              </a:defRPr>
+            </a:lvl7pPr>
+            <a:lvl8pPr marL="3200400" indent="0">
+              <a:buNone/>
+              <a:defRPr sz="1400">
+                <a:solidFill>
+                  <a:schemeClr val="tx1">
+                    <a:tint val="75000"/>
+                  </a:schemeClr>
+                </a:solidFill>
+              </a:defRPr>
+            </a:lvl8pPr>
+            <a:lvl9pPr marL="3657600" indent="0">
+              <a:buNone/>
+              <a:defRPr sz="1400">
+                <a:solidFill>
+                  <a:schemeClr val="tx1">
+                    <a:tint val="75000"/>
+                  </a:schemeClr>
+                </a:solidFill>
+              </a:defRPr>
+            </a:lvl9pPr>
+          </a:lstStyle>
+          <a:p>
+            <a:pPr lvl="0"/>
+            <a:r>
+              <a:rPr lang="pl-PL"/>
+              <a:t>Kliknij, aby edytować style wzorca tekstu</a:t>
+            </a:r>
+          </a:p>
+        </p:txBody>
+      </p:sp>
+      <p:sp>
+        <p:nvSpPr>
+          <p:cNvPr id="4" name="Date Placeholder 3"/>
+          <p:cNvSpPr>
+            <a:spLocks noGrp="1"/>
+          </p:cNvSpPr>
+          <p:nvPr>
+            <p:ph type="dt" sz="half" idx="10"/>
+          </p:nvPr>
+        </p:nvSpPr>
+        <p:spPr/>
+        <p:txBody>
+          <a:bodyPr/>
+          <a:lstStyle/>
+          <a:p>
+            <a:fld id="{F98AA868-8872-43E4-8C98-D34DABD1FD38}" type="datetimeFigureOut">
+              <a:rPr lang="pl-PL" smtClean="0"/>
+              <a:pPr/>
+              <a:t>09.02.2024</a:t>
+            </a:fld>
+            <a:endParaRPr lang="pl-PL"/>
+          </a:p>
+        </p:txBody>
+      </p:sp>
+      <p:sp>
+        <p:nvSpPr>
+          <p:cNvPr id="5" name="Footer Placeholder 4"/>
+          <p:cNvSpPr>
+            <a:spLocks noGrp="1"/>
+          </p:cNvSpPr>
+          <p:nvPr>
+            <p:ph type="ftr" sz="quarter" idx="11"/>
+          </p:nvPr>
+        </p:nvSpPr>
+        <p:spPr/>
+        <p:txBody>
+          <a:bodyPr/>
+          <a:lstStyle/>
+          <a:p>
+            <a:endParaRPr lang="pl-PL"/>
+          </a:p>
+        </p:txBody>
+      </p:sp>
+      <p:sp>
+        <p:nvSpPr>
+          <p:cNvPr id="6" name="Slide Number Placeholder 5"/>
+          <p:cNvSpPr>
+            <a:spLocks noGrp="1"/>
+          </p:cNvSpPr>
+          <p:nvPr>
+            <p:ph type="sldNum" sz="quarter" idx="12"/>
+          </p:nvPr>
+        </p:nvSpPr>
+        <p:spPr/>
+        <p:txBody>
+          <a:bodyPr/>
+          <a:lstStyle/>
+          <a:p>
+            <a:fld id="{C77C6C3F-668B-4AF5-BFA9-0F657EB068D6}" type="slidenum">
+              <a:rPr lang="pl-PL" smtClean="0"/>
+              <a:pPr/>
+              <a:t>‹#›</a:t>
+            </a:fld>
+            <a:endParaRPr lang="pl-PL"/>
+          </a:p>
+        </p:txBody>
+      </p:sp>
+      <p:cxnSp>
+        <p:nvCxnSpPr>
+          <p:cNvPr id="15" name="Straight Connector 14"/>
+          <p:cNvCxnSpPr/>
+          <p:nvPr/>
+        </p:nvCxnSpPr>
+        <p:spPr>
+          <a:xfrm>
+            <a:off x="1396169" y="3429000"/>
+            <a:ext cx="9407298" cy="0"/>
+          </a:xfrm>
+          <a:prstGeom prst="line">
+            <a:avLst/>
+          </a:prstGeom>
+          <a:ln w="15875"/>
+        </p:spPr>
+        <p:style>
+          <a:lnRef idx="2">
+            <a:schemeClr val="accent1"/>
+          </a:lnRef>
+          <a:fillRef idx="0">
+            <a:schemeClr val="accent1"/>
+          </a:fillRef>
+          <a:effectRef idx="1">
+            <a:schemeClr val="accent1"/>
+          </a:effectRef>
+          <a:fontRef idx="minor">
+            <a:schemeClr val="tx1"/>
+          </a:fontRef>
+        </p:style>
+      </p:cxnSp>
+    </p:spTree>
+    <p:extLst>
+      <p:ext uri="{BB962C8B-B14F-4D97-AF65-F5344CB8AC3E}">
+        <p14:creationId xmlns:p14="http://schemas.microsoft.com/office/powerpoint/2010/main" val="3968012108"/>
+      </p:ext>
+    </p:extLst>
+  </p:cSld>
+  <p:clrMapOvr>
+    <a:masterClrMapping/>
+  </p:clrMapOvr>
+</p:sldLayout>
+</file>
+
+<file path=ppt/slideLayouts/slideLayout27.xml><?xml version="1.0" encoding="utf-8"?>
+<p:sldLayout xmlns:a="http://schemas.openxmlformats.org/drawingml/2006/main" xmlns:r="http://schemas.openxmlformats.org/officeDocument/2006/relationships" xmlns:p="http://schemas.openxmlformats.org/presentationml/2006/main" type="vertTx" preserve="1">
+  <p:cSld name="Tytuł i tekst pionowy">
+    <p:spTree>
+      <p:nvGrpSpPr>
+        <p:cNvPr id="1" name=""/>
+        <p:cNvGrpSpPr/>
+        <p:nvPr/>
+      </p:nvGrpSpPr>
+      <p:grpSpPr>
+        <a:xfrm>
+          <a:off x="0" y="0"/>
+          <a:ext cx="0" cy="0"/>
+          <a:chOff x="0" y="0"/>
+          <a:chExt cx="0" cy="0"/>
+        </a:xfrm>
+      </p:grpSpPr>
+      <p:sp>
+        <p:nvSpPr>
+          <p:cNvPr id="2" name="Title 1"/>
+          <p:cNvSpPr>
+            <a:spLocks noGrp="1"/>
+          </p:cNvSpPr>
+          <p:nvPr>
+            <p:ph type="title"/>
+          </p:nvPr>
+        </p:nvSpPr>
+        <p:spPr/>
+        <p:txBody>
+          <a:bodyPr/>
+          <a:lstStyle>
+            <a:lvl1pPr algn="ctr">
+              <a:defRPr/>
+            </a:lvl1pPr>
+          </a:lstStyle>
+          <a:p>
+            <a:r>
+              <a:rPr lang="pl-PL"/>
+              <a:t>Kliknij, aby edytować styl</a:t>
+            </a:r>
+            <a:endParaRPr lang="en-US" dirty="0"/>
+          </a:p>
+        </p:txBody>
+      </p:sp>
+      <p:sp>
+        <p:nvSpPr>
+          <p:cNvPr id="3" name="Vertical Text Placeholder 2"/>
+          <p:cNvSpPr>
+            <a:spLocks noGrp="1"/>
+          </p:cNvSpPr>
+          <p:nvPr>
+            <p:ph type="body" orient="vert" idx="1"/>
+          </p:nvPr>
+        </p:nvSpPr>
+        <p:spPr/>
+        <p:txBody>
+          <a:bodyPr vert="eaVert" anchor="t"/>
+          <a:lstStyle/>
+          <a:p>
+            <a:pPr lvl="0"/>
+            <a:r>
+              <a:rPr lang="pl-PL"/>
+              <a:t>Kliknij, aby edytować style wzorca tekstu</a:t>
+            </a:r>
+          </a:p>
+          <a:p>
+            <a:pPr lvl="1"/>
+            <a:r>
+              <a:rPr lang="pl-PL"/>
+              <a:t>Drugi poziom</a:t>
+            </a:r>
+          </a:p>
+          <a:p>
+            <a:pPr lvl="2"/>
+            <a:r>
+              <a:rPr lang="pl-PL"/>
+              <a:t>Trzeci poziom</a:t>
+            </a:r>
+          </a:p>
+          <a:p>
+            <a:pPr lvl="3"/>
+            <a:r>
+              <a:rPr lang="pl-PL"/>
+              <a:t>Czwarty poziom</a:t>
+            </a:r>
+          </a:p>
+          <a:p>
+            <a:pPr lvl="4"/>
+            <a:r>
+              <a:rPr lang="pl-PL"/>
+              <a:t>Piąty poziom</a:t>
+            </a:r>
+            <a:endParaRPr lang="en-US" dirty="0"/>
+          </a:p>
+        </p:txBody>
+      </p:sp>
+      <p:sp>
+        <p:nvSpPr>
+          <p:cNvPr id="4" name="Date Placeholder 3"/>
+          <p:cNvSpPr>
+            <a:spLocks noGrp="1"/>
+          </p:cNvSpPr>
+          <p:nvPr>
+            <p:ph type="dt" sz="half" idx="10"/>
+          </p:nvPr>
+        </p:nvSpPr>
+        <p:spPr/>
+        <p:txBody>
+          <a:bodyPr/>
+          <a:lstStyle/>
+          <a:p>
+            <a:fld id="{F98AA868-8872-43E4-8C98-D34DABD1FD38}" type="datetimeFigureOut">
+              <a:rPr lang="pl-PL" smtClean="0"/>
+              <a:pPr/>
+              <a:t>09.02.2024</a:t>
+            </a:fld>
+            <a:endParaRPr lang="pl-PL"/>
+          </a:p>
+        </p:txBody>
+      </p:sp>
+      <p:sp>
+        <p:nvSpPr>
+          <p:cNvPr id="5" name="Footer Placeholder 4"/>
+          <p:cNvSpPr>
+            <a:spLocks noGrp="1"/>
+          </p:cNvSpPr>
+          <p:nvPr>
+            <p:ph type="ftr" sz="quarter" idx="11"/>
+          </p:nvPr>
+        </p:nvSpPr>
+        <p:spPr/>
+        <p:txBody>
+          <a:bodyPr/>
+          <a:lstStyle/>
+          <a:p>
+            <a:endParaRPr lang="pl-PL"/>
+          </a:p>
+        </p:txBody>
+      </p:sp>
+      <p:sp>
+        <p:nvSpPr>
+          <p:cNvPr id="6" name="Slide Number Placeholder 5"/>
+          <p:cNvSpPr>
+            <a:spLocks noGrp="1"/>
+          </p:cNvSpPr>
+          <p:nvPr>
+            <p:ph type="sldNum" sz="quarter" idx="12"/>
+          </p:nvPr>
+        </p:nvSpPr>
+        <p:spPr/>
+        <p:txBody>
+          <a:bodyPr/>
+          <a:lstStyle/>
+          <a:p>
+            <a:fld id="{C77C6C3F-668B-4AF5-BFA9-0F657EB068D6}" type="slidenum">
+              <a:rPr lang="pl-PL" smtClean="0"/>
+              <a:pPr/>
+              <a:t>‹#›</a:t>
+            </a:fld>
+            <a:endParaRPr lang="pl-PL"/>
+          </a:p>
+        </p:txBody>
+      </p:sp>
+      <p:cxnSp>
+        <p:nvCxnSpPr>
+          <p:cNvPr id="14" name="Straight Connector 13"/>
+          <p:cNvCxnSpPr/>
+          <p:nvPr/>
+        </p:nvCxnSpPr>
+        <p:spPr>
+          <a:xfrm>
+            <a:off x="1396169" y="2421466"/>
+            <a:ext cx="9407298" cy="0"/>
+          </a:xfrm>
+          <a:prstGeom prst="line">
+            <a:avLst/>
+          </a:prstGeom>
+          <a:ln w="15875"/>
+        </p:spPr>
+        <p:style>
+          <a:lnRef idx="2">
+            <a:schemeClr val="accent1"/>
+          </a:lnRef>
+          <a:fillRef idx="0">
+            <a:schemeClr val="accent1"/>
+          </a:fillRef>
+          <a:effectRef idx="1">
+            <a:schemeClr val="accent1"/>
+          </a:effectRef>
+          <a:fontRef idx="minor">
+            <a:schemeClr val="tx1"/>
+          </a:fontRef>
+        </p:style>
+      </p:cxnSp>
+    </p:spTree>
+    <p:extLst>
+      <p:ext uri="{BB962C8B-B14F-4D97-AF65-F5344CB8AC3E}">
+        <p14:creationId xmlns:p14="http://schemas.microsoft.com/office/powerpoint/2010/main" val="433996540"/>
+      </p:ext>
+    </p:extLst>
+  </p:cSld>
+  <p:clrMapOvr>
+    <a:masterClrMapping/>
+  </p:clrMapOvr>
+</p:sldLayout>
+</file>
+
+<file path=ppt/slideLayouts/slideLayout28.xml><?xml version="1.0" encoding="utf-8"?>
+<p:sldLayout xmlns:a="http://schemas.openxmlformats.org/drawingml/2006/main" xmlns:r="http://schemas.openxmlformats.org/officeDocument/2006/relationships" xmlns:p="http://schemas.openxmlformats.org/presentationml/2006/main" type="vertTitleAndTx" preserve="1">
+  <p:cSld name="Tytuł pionowy i tekst">
+    <p:spTree>
+      <p:nvGrpSpPr>
+        <p:cNvPr id="1" name=""/>
+        <p:cNvGrpSpPr/>
+        <p:nvPr/>
+      </p:nvGrpSpPr>
+      <p:grpSpPr>
+        <a:xfrm>
+          <a:off x="0" y="0"/>
+          <a:ext cx="0" cy="0"/>
+          <a:chOff x="0" y="0"/>
+          <a:chExt cx="0" cy="0"/>
+        </a:xfrm>
+      </p:grpSpPr>
+      <p:sp>
+        <p:nvSpPr>
+          <p:cNvPr id="2" name="Vertical Title 1"/>
+          <p:cNvSpPr>
+            <a:spLocks noGrp="1"/>
+          </p:cNvSpPr>
+          <p:nvPr>
+            <p:ph type="title" orient="vert"/>
+          </p:nvPr>
+        </p:nvSpPr>
+        <p:spPr>
+          <a:xfrm>
+            <a:off x="8999356" y="982131"/>
+            <a:ext cx="1890895" cy="4893735"/>
+          </a:xfrm>
+        </p:spPr>
+        <p:txBody>
+          <a:bodyPr vert="eaVert"/>
+          <a:lstStyle/>
+          <a:p>
+            <a:r>
+              <a:rPr lang="pl-PL"/>
+              <a:t>Kliknij, aby edytować styl</a:t>
+            </a:r>
+            <a:endParaRPr lang="en-US" dirty="0"/>
+          </a:p>
+        </p:txBody>
+      </p:sp>
+      <p:sp>
+        <p:nvSpPr>
+          <p:cNvPr id="3" name="Vertical Text Placeholder 2"/>
+          <p:cNvSpPr>
+            <a:spLocks noGrp="1"/>
+          </p:cNvSpPr>
+          <p:nvPr>
+            <p:ph type="body" orient="vert" idx="1"/>
+          </p:nvPr>
+        </p:nvSpPr>
+        <p:spPr>
+          <a:xfrm>
+            <a:off x="1295398" y="982132"/>
+            <a:ext cx="7433025" cy="4893734"/>
+          </a:xfrm>
+        </p:spPr>
+        <p:txBody>
+          <a:bodyPr vert="eaVert" anchor="t"/>
+          <a:lstStyle/>
+          <a:p>
+            <a:pPr lvl="0"/>
+            <a:r>
+              <a:rPr lang="pl-PL"/>
+              <a:t>Kliknij, aby edytować style wzorca tekstu</a:t>
+            </a:r>
+          </a:p>
+          <a:p>
+            <a:pPr lvl="1"/>
+            <a:r>
+              <a:rPr lang="pl-PL"/>
+              <a:t>Drugi poziom</a:t>
+            </a:r>
+          </a:p>
+          <a:p>
+            <a:pPr lvl="2"/>
+            <a:r>
+              <a:rPr lang="pl-PL"/>
+              <a:t>Trzeci poziom</a:t>
+            </a:r>
+          </a:p>
+          <a:p>
+            <a:pPr lvl="3"/>
+            <a:r>
+              <a:rPr lang="pl-PL"/>
+              <a:t>Czwarty poziom</a:t>
+            </a:r>
+          </a:p>
+          <a:p>
+            <a:pPr lvl="4"/>
+            <a:r>
+              <a:rPr lang="pl-PL"/>
+              <a:t>Piąty poziom</a:t>
+            </a:r>
+            <a:endParaRPr lang="en-US" dirty="0"/>
+          </a:p>
+        </p:txBody>
+      </p:sp>
+      <p:sp>
+        <p:nvSpPr>
+          <p:cNvPr id="4" name="Date Placeholder 3"/>
+          <p:cNvSpPr>
+            <a:spLocks noGrp="1"/>
+          </p:cNvSpPr>
+          <p:nvPr>
+            <p:ph type="dt" sz="half" idx="10"/>
+          </p:nvPr>
+        </p:nvSpPr>
+        <p:spPr/>
+        <p:txBody>
+          <a:bodyPr/>
+          <a:lstStyle/>
+          <a:p>
+            <a:fld id="{F98AA868-8872-43E4-8C98-D34DABD1FD38}" type="datetimeFigureOut">
+              <a:rPr lang="pl-PL" smtClean="0"/>
+              <a:pPr/>
+              <a:t>09.02.2024</a:t>
+            </a:fld>
+            <a:endParaRPr lang="pl-PL"/>
+          </a:p>
+        </p:txBody>
+      </p:sp>
+      <p:sp>
+        <p:nvSpPr>
+          <p:cNvPr id="5" name="Footer Placeholder 4"/>
+          <p:cNvSpPr>
+            <a:spLocks noGrp="1"/>
+          </p:cNvSpPr>
+          <p:nvPr>
+            <p:ph type="ftr" sz="quarter" idx="11"/>
+          </p:nvPr>
+        </p:nvSpPr>
+        <p:spPr/>
+        <p:txBody>
+          <a:bodyPr/>
+          <a:lstStyle/>
+          <a:p>
+            <a:endParaRPr lang="pl-PL"/>
+          </a:p>
+        </p:txBody>
+      </p:sp>
+      <p:sp>
+        <p:nvSpPr>
+          <p:cNvPr id="6" name="Slide Number Placeholder 5"/>
+          <p:cNvSpPr>
+            <a:spLocks noGrp="1"/>
+          </p:cNvSpPr>
+          <p:nvPr>
+            <p:ph type="sldNum" sz="quarter" idx="12"/>
+          </p:nvPr>
+        </p:nvSpPr>
+        <p:spPr/>
+        <p:txBody>
+          <a:bodyPr/>
+          <a:lstStyle/>
+          <a:p>
+            <a:fld id="{C77C6C3F-668B-4AF5-BFA9-0F657EB068D6}" type="slidenum">
+              <a:rPr lang="pl-PL" smtClean="0"/>
+              <a:pPr/>
+              <a:t>‹#›</a:t>
+            </a:fld>
+            <a:endParaRPr lang="pl-PL"/>
+          </a:p>
+        </p:txBody>
+      </p:sp>
+      <p:cxnSp>
+        <p:nvCxnSpPr>
+          <p:cNvPr id="14" name="Straight Connector 13"/>
+          <p:cNvCxnSpPr/>
+          <p:nvPr/>
+        </p:nvCxnSpPr>
+        <p:spPr>
+          <a:xfrm>
+            <a:off x="8863890" y="990600"/>
+            <a:ext cx="0" cy="4876800"/>
+          </a:xfrm>
+          <a:prstGeom prst="line">
+            <a:avLst/>
+          </a:prstGeom>
+          <a:ln w="15875"/>
+        </p:spPr>
+        <p:style>
+          <a:lnRef idx="2">
+            <a:schemeClr val="accent1"/>
+          </a:lnRef>
+          <a:fillRef idx="0">
+            <a:schemeClr val="accent1"/>
+          </a:fillRef>
+          <a:effectRef idx="1">
+            <a:schemeClr val="accent1"/>
+          </a:effectRef>
+          <a:fontRef idx="minor">
+            <a:schemeClr val="tx1"/>
+          </a:fontRef>
+        </p:style>
+      </p:cxnSp>
+    </p:spTree>
+    <p:extLst>
+      <p:ext uri="{BB962C8B-B14F-4D97-AF65-F5344CB8AC3E}">
+        <p14:creationId xmlns:p14="http://schemas.microsoft.com/office/powerpoint/2010/main" val="402710482"/>
       </p:ext>
     </p:extLst>
   </p:cSld>
@@ -1021,7 +5984,7 @@
             <a:fld id="{F98AA868-8872-43E4-8C98-D34DABD1FD38}" type="datetimeFigureOut">
               <a:rPr lang="pl-PL" smtClean="0"/>
               <a:pPr/>
-              <a:t>12.12.2023</a:t>
+              <a:t>09.02.2024</a:t>
             </a:fld>
             <a:endParaRPr lang="pl-PL"/>
           </a:p>
@@ -1252,7 +6215,7 @@
             <a:fld id="{F98AA868-8872-43E4-8C98-D34DABD1FD38}" type="datetimeFigureOut">
               <a:rPr lang="pl-PL" smtClean="0"/>
               <a:pPr/>
-              <a:t>12.12.2023</a:t>
+              <a:t>09.02.2024</a:t>
             </a:fld>
             <a:endParaRPr lang="pl-PL"/>
           </a:p>
@@ -1618,7 +6581,7 @@
             <a:fld id="{F98AA868-8872-43E4-8C98-D34DABD1FD38}" type="datetimeFigureOut">
               <a:rPr lang="pl-PL" smtClean="0"/>
               <a:pPr/>
-              <a:t>12.12.2023</a:t>
+              <a:t>09.02.2024</a:t>
             </a:fld>
             <a:endParaRPr lang="pl-PL"/>
           </a:p>
@@ -1737,7 +6700,7 @@
             <a:fld id="{F98AA868-8872-43E4-8C98-D34DABD1FD38}" type="datetimeFigureOut">
               <a:rPr lang="pl-PL" smtClean="0"/>
               <a:pPr/>
-              <a:t>12.12.2023</a:t>
+              <a:t>09.02.2024</a:t>
             </a:fld>
             <a:endParaRPr lang="pl-PL"/>
           </a:p>
@@ -1834,7 +6797,7 @@
             <a:fld id="{F98AA868-8872-43E4-8C98-D34DABD1FD38}" type="datetimeFigureOut">
               <a:rPr lang="pl-PL" smtClean="0"/>
               <a:pPr/>
-              <a:t>12.12.2023</a:t>
+              <a:t>09.02.2024</a:t>
             </a:fld>
             <a:endParaRPr lang="pl-PL"/>
           </a:p>
@@ -2111,7 +7074,7 @@
             <a:fld id="{F98AA868-8872-43E4-8C98-D34DABD1FD38}" type="datetimeFigureOut">
               <a:rPr lang="pl-PL" smtClean="0"/>
               <a:pPr/>
-              <a:t>12.12.2023</a:t>
+              <a:t>09.02.2024</a:t>
             </a:fld>
             <a:endParaRPr lang="pl-PL"/>
           </a:p>
@@ -2365,7 +7328,7 @@
             <a:fld id="{F98AA868-8872-43E4-8C98-D34DABD1FD38}" type="datetimeFigureOut">
               <a:rPr lang="pl-PL" smtClean="0"/>
               <a:pPr/>
-              <a:t>12.12.2023</a:t>
+              <a:t>09.02.2024</a:t>
             </a:fld>
             <a:endParaRPr lang="pl-PL"/>
           </a:p>
@@ -2578,7 +7541,7 @@
             <a:fld id="{F98AA868-8872-43E4-8C98-D34DABD1FD38}" type="datetimeFigureOut">
               <a:rPr lang="pl-PL" smtClean="0"/>
               <a:pPr/>
-              <a:t>12.12.2023</a:t>
+              <a:t>09.02.2024</a:t>
             </a:fld>
             <a:endParaRPr lang="pl-PL"/>
           </a:p>
@@ -2967,6 +7930,824 @@
 </p:sldMaster>
 </file>
 
+<file path=ppt/slideMasters/slideMaster2.xml><?xml version="1.0" encoding="utf-8"?>
+<p:sldMaster xmlns:a="http://schemas.openxmlformats.org/drawingml/2006/main" xmlns:r="http://schemas.openxmlformats.org/officeDocument/2006/relationships" xmlns:p="http://schemas.openxmlformats.org/presentationml/2006/main">
+  <p:cSld>
+    <p:bg>
+      <p:bgRef idx="1003">
+        <a:schemeClr val="bg1"/>
+      </p:bgRef>
+    </p:bg>
+    <p:spTree>
+      <p:nvGrpSpPr>
+        <p:cNvPr id="1" name=""/>
+        <p:cNvGrpSpPr/>
+        <p:nvPr/>
+      </p:nvGrpSpPr>
+      <p:grpSpPr>
+        <a:xfrm>
+          <a:off x="0" y="0"/>
+          <a:ext cx="0" cy="0"/>
+          <a:chOff x="0" y="0"/>
+          <a:chExt cx="0" cy="0"/>
+        </a:xfrm>
+      </p:grpSpPr>
+      <p:grpSp>
+        <p:nvGrpSpPr>
+          <p:cNvPr id="7" name="Group 6"/>
+          <p:cNvGrpSpPr/>
+          <p:nvPr/>
+        </p:nvGrpSpPr>
+        <p:grpSpPr>
+          <a:xfrm>
+            <a:off x="-15736" y="0"/>
+            <a:ext cx="12229962" cy="6856214"/>
+            <a:chOff x="-15736" y="0"/>
+            <a:chExt cx="12229962" cy="6856214"/>
+          </a:xfrm>
+        </p:grpSpPr>
+        <p:pic>
+          <p:nvPicPr>
+            <p:cNvPr id="8" name="Picture 7" descr="HD-PanelContent.png"/>
+            <p:cNvPicPr>
+              <a:picLocks noChangeAspect="1"/>
+            </p:cNvPicPr>
+            <p:nvPr/>
+          </p:nvPicPr>
+          <p:blipFill>
+            <a:blip r:embed="rId19">
+              <a:extLst>
+                <a:ext uri="{28A0092B-C50C-407E-A947-70E740481C1C}">
+                  <a14:useLocalDpi xmlns:a14="http://schemas.microsoft.com/office/drawing/2010/main" val="0"/>
+                </a:ext>
+              </a:extLst>
+            </a:blip>
+            <a:stretch>
+              <a:fillRect/>
+            </a:stretch>
+          </p:blipFill>
+          <p:spPr>
+            <a:xfrm>
+              <a:off x="0" y="0"/>
+              <a:ext cx="12188825" cy="6856214"/>
+            </a:xfrm>
+            <a:prstGeom prst="rect">
+              <a:avLst/>
+            </a:prstGeom>
+          </p:spPr>
+        </p:pic>
+        <p:sp>
+          <p:nvSpPr>
+            <p:cNvPr id="9" name="Rectangle 8"/>
+            <p:cNvSpPr/>
+            <p:nvPr/>
+          </p:nvSpPr>
+          <p:spPr>
+            <a:xfrm>
+              <a:off x="608012" y="609600"/>
+              <a:ext cx="10972800" cy="5638800"/>
+            </a:xfrm>
+            <a:prstGeom prst="rect">
+              <a:avLst/>
+            </a:prstGeom>
+            <a:noFill/>
+            <a:ln w="15875" cap="flat">
+              <a:miter lim="800000"/>
+            </a:ln>
+          </p:spPr>
+          <p:style>
+            <a:lnRef idx="1">
+              <a:schemeClr val="accent1"/>
+            </a:lnRef>
+            <a:fillRef idx="3">
+              <a:schemeClr val="accent1"/>
+            </a:fillRef>
+            <a:effectRef idx="2">
+              <a:schemeClr val="accent1"/>
+            </a:effectRef>
+            <a:fontRef idx="minor">
+              <a:schemeClr val="lt1"/>
+            </a:fontRef>
+          </p:style>
+        </p:sp>
+        <p:pic>
+          <p:nvPicPr>
+            <p:cNvPr id="10" name="Picture 9" descr="HDRibbonContent-UniformTrim.png"/>
+            <p:cNvPicPr>
+              <a:picLocks noChangeAspect="1"/>
+            </p:cNvPicPr>
+            <p:nvPr/>
+          </p:nvPicPr>
+          <p:blipFill rotWithShape="1">
+            <a:blip r:embed="rId20">
+              <a:extLst>
+                <a:ext uri="{28A0092B-C50C-407E-A947-70E740481C1C}">
+                  <a14:useLocalDpi xmlns:a14="http://schemas.microsoft.com/office/drawing/2010/main" val="0"/>
+                </a:ext>
+              </a:extLst>
+            </a:blip>
+            <a:srcRect/>
+            <a:stretch/>
+          </p:blipFill>
+          <p:spPr>
+            <a:xfrm>
+              <a:off x="-15736" y="3153832"/>
+              <a:ext cx="777240" cy="606425"/>
+            </a:xfrm>
+            <a:prstGeom prst="rect">
+              <a:avLst/>
+            </a:prstGeom>
+          </p:spPr>
+        </p:pic>
+        <p:pic>
+          <p:nvPicPr>
+            <p:cNvPr id="11" name="Picture 10" descr="HDRibbonContent-UniformTrim.png"/>
+            <p:cNvPicPr>
+              <a:picLocks noChangeAspect="1"/>
+            </p:cNvPicPr>
+            <p:nvPr/>
+          </p:nvPicPr>
+          <p:blipFill rotWithShape="1">
+            <a:blip r:embed="rId20">
+              <a:extLst>
+                <a:ext uri="{28A0092B-C50C-407E-A947-70E740481C1C}">
+                  <a14:useLocalDpi xmlns:a14="http://schemas.microsoft.com/office/drawing/2010/main" val="0"/>
+                </a:ext>
+              </a:extLst>
+            </a:blip>
+            <a:srcRect/>
+            <a:stretch/>
+          </p:blipFill>
+          <p:spPr>
+            <a:xfrm>
+              <a:off x="11436986" y="3153832"/>
+              <a:ext cx="777240" cy="606425"/>
+            </a:xfrm>
+            <a:prstGeom prst="rect">
+              <a:avLst/>
+            </a:prstGeom>
+          </p:spPr>
+        </p:pic>
+      </p:grpSp>
+      <p:sp>
+        <p:nvSpPr>
+          <p:cNvPr id="2" name="Title Placeholder 1"/>
+          <p:cNvSpPr>
+            <a:spLocks noGrp="1"/>
+          </p:cNvSpPr>
+          <p:nvPr>
+            <p:ph type="title"/>
+          </p:nvPr>
+        </p:nvSpPr>
+        <p:spPr>
+          <a:xfrm>
+            <a:off x="1295402" y="982132"/>
+            <a:ext cx="9601196" cy="1303867"/>
+          </a:xfrm>
+          <a:prstGeom prst="rect">
+            <a:avLst/>
+          </a:prstGeom>
+          <a:effectLst/>
+        </p:spPr>
+        <p:txBody>
+          <a:bodyPr vert="horz" lIns="91440" tIns="45720" rIns="91440" bIns="45720" rtlCol="0" anchor="ctr">
+            <a:normAutofit/>
+          </a:bodyPr>
+          <a:lstStyle/>
+          <a:p>
+            <a:r>
+              <a:rPr lang="pl-PL"/>
+              <a:t>Kliknij, aby edytować styl</a:t>
+            </a:r>
+            <a:endParaRPr lang="en-US" dirty="0"/>
+          </a:p>
+        </p:txBody>
+      </p:sp>
+      <p:sp>
+        <p:nvSpPr>
+          <p:cNvPr id="3" name="Text Placeholder 2"/>
+          <p:cNvSpPr>
+            <a:spLocks noGrp="1"/>
+          </p:cNvSpPr>
+          <p:nvPr>
+            <p:ph type="body" idx="1"/>
+          </p:nvPr>
+        </p:nvSpPr>
+        <p:spPr>
+          <a:xfrm>
+            <a:off x="1295401" y="2556932"/>
+            <a:ext cx="9601196" cy="3318936"/>
+          </a:xfrm>
+          <a:prstGeom prst="rect">
+            <a:avLst/>
+          </a:prstGeom>
+        </p:spPr>
+        <p:txBody>
+          <a:bodyPr vert="horz" lIns="91440" tIns="45720" rIns="91440" bIns="45720" rtlCol="0" anchor="t">
+            <a:normAutofit/>
+          </a:bodyPr>
+          <a:lstStyle/>
+          <a:p>
+            <a:pPr lvl="0"/>
+            <a:r>
+              <a:rPr lang="pl-PL"/>
+              <a:t>Kliknij, aby edytować style wzorca tekstu</a:t>
+            </a:r>
+          </a:p>
+          <a:p>
+            <a:pPr lvl="1"/>
+            <a:r>
+              <a:rPr lang="pl-PL"/>
+              <a:t>Drugi poziom</a:t>
+            </a:r>
+          </a:p>
+          <a:p>
+            <a:pPr lvl="2"/>
+            <a:r>
+              <a:rPr lang="pl-PL"/>
+              <a:t>Trzeci poziom</a:t>
+            </a:r>
+          </a:p>
+          <a:p>
+            <a:pPr lvl="3"/>
+            <a:r>
+              <a:rPr lang="pl-PL"/>
+              <a:t>Czwarty poziom</a:t>
+            </a:r>
+          </a:p>
+          <a:p>
+            <a:pPr lvl="4"/>
+            <a:r>
+              <a:rPr lang="pl-PL"/>
+              <a:t>Piąty poziom</a:t>
+            </a:r>
+            <a:endParaRPr lang="en-US" dirty="0"/>
+          </a:p>
+        </p:txBody>
+      </p:sp>
+      <p:sp>
+        <p:nvSpPr>
+          <p:cNvPr id="4" name="Date Placeholder 3"/>
+          <p:cNvSpPr>
+            <a:spLocks noGrp="1"/>
+          </p:cNvSpPr>
+          <p:nvPr>
+            <p:ph type="dt" sz="half" idx="2"/>
+          </p:nvPr>
+        </p:nvSpPr>
+        <p:spPr>
+          <a:xfrm>
+            <a:off x="8677501" y="5969000"/>
+            <a:ext cx="1600200" cy="279400"/>
+          </a:xfrm>
+          <a:prstGeom prst="rect">
+            <a:avLst/>
+          </a:prstGeom>
+        </p:spPr>
+        <p:txBody>
+          <a:bodyPr vert="horz" lIns="91440" tIns="45720" rIns="91440" bIns="45720" rtlCol="0" anchor="ctr"/>
+          <a:lstStyle>
+            <a:lvl1pPr algn="r">
+              <a:defRPr sz="1000" b="0" i="0">
+                <a:solidFill>
+                  <a:schemeClr val="tx1"/>
+                </a:solidFill>
+                <a:effectLst/>
+                <a:latin typeface="+mn-lt"/>
+              </a:defRPr>
+            </a:lvl1pPr>
+          </a:lstStyle>
+          <a:p>
+            <a:fld id="{F98AA868-8872-43E4-8C98-D34DABD1FD38}" type="datetimeFigureOut">
+              <a:rPr lang="pl-PL" smtClean="0"/>
+              <a:pPr/>
+              <a:t>09.02.2024</a:t>
+            </a:fld>
+            <a:endParaRPr lang="pl-PL"/>
+          </a:p>
+        </p:txBody>
+      </p:sp>
+      <p:sp>
+        <p:nvSpPr>
+          <p:cNvPr id="5" name="Footer Placeholder 4"/>
+          <p:cNvSpPr>
+            <a:spLocks noGrp="1"/>
+          </p:cNvSpPr>
+          <p:nvPr>
+            <p:ph type="ftr" sz="quarter" idx="3"/>
+          </p:nvPr>
+        </p:nvSpPr>
+        <p:spPr>
+          <a:xfrm>
+            <a:off x="1295401" y="5969000"/>
+            <a:ext cx="7305900" cy="279400"/>
+          </a:xfrm>
+          <a:prstGeom prst="rect">
+            <a:avLst/>
+          </a:prstGeom>
+        </p:spPr>
+        <p:txBody>
+          <a:bodyPr vert="horz" lIns="91440" tIns="45720" rIns="91440" bIns="45720" rtlCol="0" anchor="ctr"/>
+          <a:lstStyle>
+            <a:lvl1pPr algn="l">
+              <a:defRPr sz="1000" b="0" i="0">
+                <a:solidFill>
+                  <a:schemeClr val="tx1"/>
+                </a:solidFill>
+                <a:effectLst/>
+                <a:latin typeface="+mn-lt"/>
+              </a:defRPr>
+            </a:lvl1pPr>
+          </a:lstStyle>
+          <a:p>
+            <a:endParaRPr lang="pl-PL"/>
+          </a:p>
+        </p:txBody>
+      </p:sp>
+      <p:sp>
+        <p:nvSpPr>
+          <p:cNvPr id="6" name="Slide Number Placeholder 5"/>
+          <p:cNvSpPr>
+            <a:spLocks noGrp="1"/>
+          </p:cNvSpPr>
+          <p:nvPr>
+            <p:ph type="sldNum" sz="quarter" idx="4"/>
+          </p:nvPr>
+        </p:nvSpPr>
+        <p:spPr>
+          <a:xfrm>
+            <a:off x="10353901" y="5969000"/>
+            <a:ext cx="542697" cy="279400"/>
+          </a:xfrm>
+          <a:prstGeom prst="rect">
+            <a:avLst/>
+          </a:prstGeom>
+        </p:spPr>
+        <p:txBody>
+          <a:bodyPr vert="horz" lIns="91440" tIns="45720" rIns="91440" bIns="45720" rtlCol="0" anchor="ctr"/>
+          <a:lstStyle>
+            <a:lvl1pPr algn="r">
+              <a:defRPr sz="1000" b="0" i="0">
+                <a:solidFill>
+                  <a:schemeClr val="tx1"/>
+                </a:solidFill>
+                <a:effectLst/>
+                <a:latin typeface="+mn-lt"/>
+              </a:defRPr>
+            </a:lvl1pPr>
+          </a:lstStyle>
+          <a:p>
+            <a:fld id="{C77C6C3F-668B-4AF5-BFA9-0F657EB068D6}" type="slidenum">
+              <a:rPr lang="pl-PL" smtClean="0"/>
+              <a:pPr/>
+              <a:t>‹#›</a:t>
+            </a:fld>
+            <a:endParaRPr lang="pl-PL"/>
+          </a:p>
+        </p:txBody>
+      </p:sp>
+    </p:spTree>
+    <p:extLst>
+      <p:ext uri="{BB962C8B-B14F-4D97-AF65-F5344CB8AC3E}">
+        <p14:creationId xmlns:p14="http://schemas.microsoft.com/office/powerpoint/2010/main" val="2821423053"/>
+      </p:ext>
+    </p:extLst>
+  </p:cSld>
+  <p:clrMap bg1="lt1" tx1="dk1" bg2="lt2" tx2="dk2" accent1="accent1" accent2="accent2" accent3="accent3" accent4="accent4" accent5="accent5" accent6="accent6" hlink="hlink" folHlink="folHlink"/>
+  <p:sldLayoutIdLst>
+    <p:sldLayoutId id="2147483661" r:id="rId1"/>
+    <p:sldLayoutId id="2147483662" r:id="rId2"/>
+    <p:sldLayoutId id="2147483663" r:id="rId3"/>
+    <p:sldLayoutId id="2147483664" r:id="rId4"/>
+    <p:sldLayoutId id="2147483665" r:id="rId5"/>
+    <p:sldLayoutId id="2147483666" r:id="rId6"/>
+    <p:sldLayoutId id="2147483667" r:id="rId7"/>
+    <p:sldLayoutId id="2147483668" r:id="rId8"/>
+    <p:sldLayoutId id="2147483669" r:id="rId9"/>
+    <p:sldLayoutId id="2147483670" r:id="rId10"/>
+    <p:sldLayoutId id="2147483671" r:id="rId11"/>
+    <p:sldLayoutId id="2147483672" r:id="rId12"/>
+    <p:sldLayoutId id="2147483673" r:id="rId13"/>
+    <p:sldLayoutId id="2147483674" r:id="rId14"/>
+    <p:sldLayoutId id="2147483675" r:id="rId15"/>
+    <p:sldLayoutId id="2147483676" r:id="rId16"/>
+    <p:sldLayoutId id="2147483677" r:id="rId17"/>
+  </p:sldLayoutIdLst>
+  <p:txStyles>
+    <p:titleStyle>
+      <a:lvl1pPr algn="ctr" defTabSz="457200" rtl="0" eaLnBrk="1" latinLnBrk="0" hangingPunct="1">
+        <a:spcBef>
+          <a:spcPct val="0"/>
+        </a:spcBef>
+        <a:buNone/>
+        <a:defRPr sz="4400" kern="1200" cap="none">
+          <a:ln w="3175" cmpd="sng">
+            <a:noFill/>
+          </a:ln>
+          <a:solidFill>
+            <a:schemeClr val="tx1">
+              <a:lumMod val="85000"/>
+              <a:lumOff val="15000"/>
+            </a:schemeClr>
+          </a:solidFill>
+          <a:effectLst/>
+          <a:latin typeface="+mj-lt"/>
+          <a:ea typeface="+mj-ea"/>
+          <a:cs typeface="+mj-cs"/>
+        </a:defRPr>
+      </a:lvl1pPr>
+      <a:lvl2pPr eaLnBrk="1" hangingPunct="1">
+        <a:defRPr>
+          <a:solidFill>
+            <a:schemeClr val="tx2"/>
+          </a:solidFill>
+        </a:defRPr>
+      </a:lvl2pPr>
+      <a:lvl3pPr eaLnBrk="1" hangingPunct="1">
+        <a:defRPr>
+          <a:solidFill>
+            <a:schemeClr val="tx2"/>
+          </a:solidFill>
+        </a:defRPr>
+      </a:lvl3pPr>
+      <a:lvl4pPr eaLnBrk="1" hangingPunct="1">
+        <a:defRPr>
+          <a:solidFill>
+            <a:schemeClr val="tx2"/>
+          </a:solidFill>
+        </a:defRPr>
+      </a:lvl4pPr>
+      <a:lvl5pPr eaLnBrk="1" hangingPunct="1">
+        <a:defRPr>
+          <a:solidFill>
+            <a:schemeClr val="tx2"/>
+          </a:solidFill>
+        </a:defRPr>
+      </a:lvl5pPr>
+      <a:lvl6pPr eaLnBrk="1" hangingPunct="1">
+        <a:defRPr>
+          <a:solidFill>
+            <a:schemeClr val="tx2"/>
+          </a:solidFill>
+        </a:defRPr>
+      </a:lvl6pPr>
+      <a:lvl7pPr eaLnBrk="1" hangingPunct="1">
+        <a:defRPr>
+          <a:solidFill>
+            <a:schemeClr val="tx2"/>
+          </a:solidFill>
+        </a:defRPr>
+      </a:lvl7pPr>
+      <a:lvl8pPr eaLnBrk="1" hangingPunct="1">
+        <a:defRPr>
+          <a:solidFill>
+            <a:schemeClr val="tx2"/>
+          </a:solidFill>
+        </a:defRPr>
+      </a:lvl8pPr>
+      <a:lvl9pPr eaLnBrk="1" hangingPunct="1">
+        <a:defRPr>
+          <a:solidFill>
+            <a:schemeClr val="tx2"/>
+          </a:solidFill>
+        </a:defRPr>
+      </a:lvl9pPr>
+    </p:titleStyle>
+    <p:bodyStyle>
+      <a:lvl1pPr marL="285750" indent="-285750" algn="l" defTabSz="457200" rtl="0" eaLnBrk="1" latinLnBrk="0" hangingPunct="1">
+        <a:spcBef>
+          <a:spcPct val="20000"/>
+        </a:spcBef>
+        <a:spcAft>
+          <a:spcPts val="600"/>
+        </a:spcAft>
+        <a:buClr>
+          <a:schemeClr val="accent1"/>
+        </a:buClr>
+        <a:buSzPct val="115000"/>
+        <a:buFont typeface="Arial"/>
+        <a:buChar char="•"/>
+        <a:defRPr sz="2400" kern="1200" cap="none">
+          <a:solidFill>
+            <a:schemeClr val="tx1">
+              <a:lumMod val="85000"/>
+              <a:lumOff val="15000"/>
+            </a:schemeClr>
+          </a:solidFill>
+          <a:effectLst/>
+          <a:latin typeface="+mn-lt"/>
+          <a:ea typeface="+mn-ea"/>
+          <a:cs typeface="+mn-cs"/>
+        </a:defRPr>
+      </a:lvl1pPr>
+      <a:lvl2pPr marL="742950" indent="-285750" algn="l" defTabSz="457200" rtl="0" eaLnBrk="1" latinLnBrk="0" hangingPunct="1">
+        <a:spcBef>
+          <a:spcPct val="20000"/>
+        </a:spcBef>
+        <a:spcAft>
+          <a:spcPts val="600"/>
+        </a:spcAft>
+        <a:buClr>
+          <a:schemeClr val="accent1"/>
+        </a:buClr>
+        <a:buSzPct val="115000"/>
+        <a:buFont typeface="Arial"/>
+        <a:buChar char="•"/>
+        <a:defRPr sz="2000" kern="1200" cap="none">
+          <a:solidFill>
+            <a:schemeClr val="tx1">
+              <a:lumMod val="85000"/>
+              <a:lumOff val="15000"/>
+            </a:schemeClr>
+          </a:solidFill>
+          <a:effectLst/>
+          <a:latin typeface="+mn-lt"/>
+          <a:ea typeface="+mn-ea"/>
+          <a:cs typeface="+mn-cs"/>
+        </a:defRPr>
+      </a:lvl2pPr>
+      <a:lvl3pPr marL="1200150" indent="-285750" algn="l" defTabSz="457200" rtl="0" eaLnBrk="1" latinLnBrk="0" hangingPunct="1">
+        <a:spcBef>
+          <a:spcPct val="20000"/>
+        </a:spcBef>
+        <a:spcAft>
+          <a:spcPts val="600"/>
+        </a:spcAft>
+        <a:buClr>
+          <a:schemeClr val="accent1"/>
+        </a:buClr>
+        <a:buSzPct val="115000"/>
+        <a:buFont typeface="Arial"/>
+        <a:buChar char="•"/>
+        <a:defRPr sz="1800" kern="1200" cap="none">
+          <a:solidFill>
+            <a:schemeClr val="tx1">
+              <a:lumMod val="85000"/>
+              <a:lumOff val="15000"/>
+            </a:schemeClr>
+          </a:solidFill>
+          <a:effectLst/>
+          <a:latin typeface="+mn-lt"/>
+          <a:ea typeface="+mn-ea"/>
+          <a:cs typeface="+mn-cs"/>
+        </a:defRPr>
+      </a:lvl3pPr>
+      <a:lvl4pPr marL="1543050" indent="-171450" algn="l" defTabSz="457200" rtl="0" eaLnBrk="1" latinLnBrk="0" hangingPunct="1">
+        <a:spcBef>
+          <a:spcPct val="20000"/>
+        </a:spcBef>
+        <a:spcAft>
+          <a:spcPts val="600"/>
+        </a:spcAft>
+        <a:buClr>
+          <a:schemeClr val="accent1"/>
+        </a:buClr>
+        <a:buSzPct val="115000"/>
+        <a:buFont typeface="Arial"/>
+        <a:buChar char="•"/>
+        <a:defRPr sz="1600" kern="1200" cap="none">
+          <a:solidFill>
+            <a:schemeClr val="tx1">
+              <a:lumMod val="85000"/>
+              <a:lumOff val="15000"/>
+            </a:schemeClr>
+          </a:solidFill>
+          <a:effectLst/>
+          <a:latin typeface="+mn-lt"/>
+          <a:ea typeface="+mn-ea"/>
+          <a:cs typeface="+mn-cs"/>
+        </a:defRPr>
+      </a:lvl4pPr>
+      <a:lvl5pPr marL="2000250" indent="-171450" algn="l" defTabSz="457200" rtl="0" eaLnBrk="1" latinLnBrk="0" hangingPunct="1">
+        <a:spcBef>
+          <a:spcPct val="20000"/>
+        </a:spcBef>
+        <a:spcAft>
+          <a:spcPts val="600"/>
+        </a:spcAft>
+        <a:buClr>
+          <a:schemeClr val="accent1"/>
+        </a:buClr>
+        <a:buSzPct val="115000"/>
+        <a:buFont typeface="Arial"/>
+        <a:buChar char="•"/>
+        <a:defRPr sz="1400" kern="1200" cap="none">
+          <a:solidFill>
+            <a:schemeClr val="tx1">
+              <a:lumMod val="85000"/>
+              <a:lumOff val="15000"/>
+            </a:schemeClr>
+          </a:solidFill>
+          <a:effectLst/>
+          <a:latin typeface="+mn-lt"/>
+          <a:ea typeface="+mn-ea"/>
+          <a:cs typeface="+mn-cs"/>
+        </a:defRPr>
+      </a:lvl5pPr>
+      <a:lvl6pPr marL="2514600" indent="-228600" algn="l" defTabSz="457200" rtl="0" eaLnBrk="1" latinLnBrk="0" hangingPunct="1">
+        <a:spcBef>
+          <a:spcPct val="20000"/>
+        </a:spcBef>
+        <a:spcAft>
+          <a:spcPts val="600"/>
+        </a:spcAft>
+        <a:buClr>
+          <a:schemeClr val="accent1"/>
+        </a:buClr>
+        <a:buSzPct val="115000"/>
+        <a:buFont typeface="Arial"/>
+        <a:buChar char="•"/>
+        <a:defRPr sz="1400" kern="1200" cap="none">
+          <a:solidFill>
+            <a:schemeClr val="tx1">
+              <a:lumMod val="85000"/>
+              <a:lumOff val="15000"/>
+            </a:schemeClr>
+          </a:solidFill>
+          <a:effectLst/>
+          <a:latin typeface="+mn-lt"/>
+          <a:ea typeface="+mn-ea"/>
+          <a:cs typeface="+mn-cs"/>
+        </a:defRPr>
+      </a:lvl6pPr>
+      <a:lvl7pPr marL="2971800" indent="-228600" algn="l" defTabSz="457200" rtl="0" eaLnBrk="1" latinLnBrk="0" hangingPunct="1">
+        <a:spcBef>
+          <a:spcPct val="20000"/>
+        </a:spcBef>
+        <a:spcAft>
+          <a:spcPts val="600"/>
+        </a:spcAft>
+        <a:buClr>
+          <a:schemeClr val="accent1"/>
+        </a:buClr>
+        <a:buSzPct val="115000"/>
+        <a:buFont typeface="Arial"/>
+        <a:buChar char="•"/>
+        <a:defRPr sz="1400" kern="1200" cap="none">
+          <a:solidFill>
+            <a:schemeClr val="tx1">
+              <a:lumMod val="85000"/>
+              <a:lumOff val="15000"/>
+            </a:schemeClr>
+          </a:solidFill>
+          <a:effectLst/>
+          <a:latin typeface="+mn-lt"/>
+          <a:ea typeface="+mn-ea"/>
+          <a:cs typeface="+mn-cs"/>
+        </a:defRPr>
+      </a:lvl7pPr>
+      <a:lvl8pPr marL="3429000" indent="-228600" algn="l" defTabSz="457200" rtl="0" eaLnBrk="1" latinLnBrk="0" hangingPunct="1">
+        <a:spcBef>
+          <a:spcPct val="20000"/>
+        </a:spcBef>
+        <a:spcAft>
+          <a:spcPts val="600"/>
+        </a:spcAft>
+        <a:buClr>
+          <a:schemeClr val="accent1"/>
+        </a:buClr>
+        <a:buSzPct val="115000"/>
+        <a:buFont typeface="Arial"/>
+        <a:buChar char="•"/>
+        <a:defRPr sz="1400" kern="1200" cap="none">
+          <a:solidFill>
+            <a:schemeClr val="tx1">
+              <a:lumMod val="85000"/>
+              <a:lumOff val="15000"/>
+            </a:schemeClr>
+          </a:solidFill>
+          <a:effectLst/>
+          <a:latin typeface="+mn-lt"/>
+          <a:ea typeface="+mn-ea"/>
+          <a:cs typeface="+mn-cs"/>
+        </a:defRPr>
+      </a:lvl8pPr>
+      <a:lvl9pPr marL="3886200" indent="-228600" algn="l" defTabSz="457200" rtl="0" eaLnBrk="1" latinLnBrk="0" hangingPunct="1">
+        <a:spcBef>
+          <a:spcPct val="20000"/>
+        </a:spcBef>
+        <a:spcAft>
+          <a:spcPts val="600"/>
+        </a:spcAft>
+        <a:buClr>
+          <a:schemeClr val="accent1"/>
+        </a:buClr>
+        <a:buSzPct val="115000"/>
+        <a:buFont typeface="Arial"/>
+        <a:buChar char="•"/>
+        <a:defRPr sz="1400" kern="1200" cap="none">
+          <a:solidFill>
+            <a:schemeClr val="tx1">
+              <a:lumMod val="85000"/>
+              <a:lumOff val="15000"/>
+            </a:schemeClr>
+          </a:solidFill>
+          <a:effectLst/>
+          <a:latin typeface="+mn-lt"/>
+          <a:ea typeface="+mn-ea"/>
+          <a:cs typeface="+mn-cs"/>
+        </a:defRPr>
+      </a:lvl9pPr>
+    </p:bodyStyle>
+    <p:otherStyle>
+      <a:defPPr>
+        <a:defRPr lang="en-US"/>
+      </a:defPPr>
+      <a:lvl1pPr marL="0" algn="l" defTabSz="457200" rtl="0" eaLnBrk="1" latinLnBrk="0" hangingPunct="1">
+        <a:defRPr sz="1800" kern="1200">
+          <a:solidFill>
+            <a:schemeClr val="tx1"/>
+          </a:solidFill>
+          <a:latin typeface="+mn-lt"/>
+          <a:ea typeface="+mn-ea"/>
+          <a:cs typeface="+mn-cs"/>
+        </a:defRPr>
+      </a:lvl1pPr>
+      <a:lvl2pPr marL="457200" algn="l" defTabSz="457200" rtl="0" eaLnBrk="1" latinLnBrk="0" hangingPunct="1">
+        <a:defRPr sz="1800" kern="1200">
+          <a:solidFill>
+            <a:schemeClr val="tx1"/>
+          </a:solidFill>
+          <a:latin typeface="+mn-lt"/>
+          <a:ea typeface="+mn-ea"/>
+          <a:cs typeface="+mn-cs"/>
+        </a:defRPr>
+      </a:lvl2pPr>
+      <a:lvl3pPr marL="914400" algn="l" defTabSz="457200" rtl="0" eaLnBrk="1" latinLnBrk="0" hangingPunct="1">
+        <a:defRPr sz="1800" kern="1200">
+          <a:solidFill>
+            <a:schemeClr val="tx1"/>
+          </a:solidFill>
+          <a:latin typeface="+mn-lt"/>
+          <a:ea typeface="+mn-ea"/>
+          <a:cs typeface="+mn-cs"/>
+        </a:defRPr>
+      </a:lvl3pPr>
+      <a:lvl4pPr marL="1371600" algn="l" defTabSz="457200" rtl="0" eaLnBrk="1" latinLnBrk="0" hangingPunct="1">
+        <a:defRPr sz="1800" kern="1200">
+          <a:solidFill>
+            <a:schemeClr val="tx1"/>
+          </a:solidFill>
+          <a:latin typeface="+mn-lt"/>
+          <a:ea typeface="+mn-ea"/>
+          <a:cs typeface="+mn-cs"/>
+        </a:defRPr>
+      </a:lvl4pPr>
+      <a:lvl5pPr marL="1828800" algn="l" defTabSz="457200" rtl="0" eaLnBrk="1" latinLnBrk="0" hangingPunct="1">
+        <a:defRPr sz="1800" kern="1200">
+          <a:solidFill>
+            <a:schemeClr val="tx1"/>
+          </a:solidFill>
+          <a:latin typeface="+mn-lt"/>
+          <a:ea typeface="+mn-ea"/>
+          <a:cs typeface="+mn-cs"/>
+        </a:defRPr>
+      </a:lvl5pPr>
+      <a:lvl6pPr marL="2286000" algn="l" defTabSz="457200" rtl="0" eaLnBrk="1" latinLnBrk="0" hangingPunct="1">
+        <a:defRPr sz="1800" kern="1200">
+          <a:solidFill>
+            <a:schemeClr val="tx1"/>
+          </a:solidFill>
+          <a:latin typeface="+mn-lt"/>
+          <a:ea typeface="+mn-ea"/>
+          <a:cs typeface="+mn-cs"/>
+        </a:defRPr>
+      </a:lvl6pPr>
+      <a:lvl7pPr marL="2743200" algn="l" defTabSz="457200" rtl="0" eaLnBrk="1" latinLnBrk="0" hangingPunct="1">
+        <a:defRPr sz="1800" kern="1200">
+          <a:solidFill>
+            <a:schemeClr val="tx1"/>
+          </a:solidFill>
+          <a:latin typeface="+mn-lt"/>
+          <a:ea typeface="+mn-ea"/>
+          <a:cs typeface="+mn-cs"/>
+        </a:defRPr>
+      </a:lvl7pPr>
+      <a:lvl8pPr marL="3200400" algn="l" defTabSz="457200" rtl="0" eaLnBrk="1" latinLnBrk="0" hangingPunct="1">
+        <a:defRPr sz="1800" kern="1200">
+          <a:solidFill>
+            <a:schemeClr val="tx1"/>
+          </a:solidFill>
+          <a:latin typeface="+mn-lt"/>
+          <a:ea typeface="+mn-ea"/>
+          <a:cs typeface="+mn-cs"/>
+        </a:defRPr>
+      </a:lvl8pPr>
+      <a:lvl9pPr marL="3657600" algn="l" defTabSz="457200" rtl="0" eaLnBrk="1" latinLnBrk="0" hangingPunct="1">
+        <a:defRPr sz="1800" kern="1200">
+          <a:solidFill>
+            <a:schemeClr val="tx1"/>
+          </a:solidFill>
+          <a:latin typeface="+mn-lt"/>
+          <a:ea typeface="+mn-ea"/>
+          <a:cs typeface="+mn-cs"/>
+        </a:defRPr>
+      </a:lvl9pPr>
+    </p:otherStyle>
+  </p:txStyles>
+</p:sldMaster>
+</file>
+
 <file path=ppt/slides/slide1.xml><?xml version="1.0" encoding="utf-8"?>
 <p:sld xmlns:a="http://schemas.openxmlformats.org/drawingml/2006/main" xmlns:r="http://schemas.openxmlformats.org/officeDocument/2006/relationships" xmlns:p="http://schemas.openxmlformats.org/presentationml/2006/main">
   <p:cSld>
@@ -2992,934 +8773,6 @@
           <a:chExt cx="0" cy="0"/>
         </a:xfrm>
       </p:grpSpPr>
-      <p:sp useBgFill="1">
-        <p:nvSpPr>
-          <p:cNvPr id="11" name="Rectangle 10">
-            <a:extLst>
-              <a:ext uri="{FF2B5EF4-FFF2-40B4-BE49-F238E27FC236}">
-                <a16:creationId xmlns:a16="http://schemas.microsoft.com/office/drawing/2014/main" id="{73082FCB-EFDE-44F3-819E-F0072BE748D1}"/>
-              </a:ext>
-              <a:ext uri="{C183D7F6-B498-43B3-948B-1728B52AA6E4}">
-                <adec:decorative xmlns:adec="http://schemas.microsoft.com/office/drawing/2017/decorative" val="1"/>
-              </a:ext>
-            </a:extLst>
-          </p:cNvPr>
-          <p:cNvSpPr>
-            <a:spLocks noGrp="1" noRot="1" noChangeAspect="1" noMove="1" noResize="1" noEditPoints="1" noAdjustHandles="1" noChangeArrowheads="1" noChangeShapeType="1" noTextEdit="1"/>
-          </p:cNvSpPr>
-          <p:nvPr>
-            <p:extLst>
-              <p:ext uri="{386F3935-93C4-4BCD-93E2-E3B085C9AB24}">
-                <p16:designElem xmlns:p16="http://schemas.microsoft.com/office/powerpoint/2015/main" val="1"/>
-              </p:ext>
-            </p:extLst>
-          </p:nvPr>
-        </p:nvSpPr>
-        <p:spPr>
-          <a:xfrm>
-            <a:off x="-1" y="0"/>
-            <a:ext cx="12188952" cy="6858000"/>
-          </a:xfrm>
-          <a:prstGeom prst="rect">
-            <a:avLst/>
-          </a:prstGeom>
-          <a:ln>
-            <a:noFill/>
-          </a:ln>
-        </p:spPr>
-        <p:style>
-          <a:lnRef idx="2">
-            <a:schemeClr val="accent1">
-              <a:shade val="50000"/>
-            </a:schemeClr>
-          </a:lnRef>
-          <a:fillRef idx="1">
-            <a:schemeClr val="accent1"/>
-          </a:fillRef>
-          <a:effectRef idx="0">
-            <a:schemeClr val="accent1"/>
-          </a:effectRef>
-          <a:fontRef idx="minor">
-            <a:schemeClr val="lt1"/>
-          </a:fontRef>
-        </p:style>
-        <p:txBody>
-          <a:bodyPr rtlCol="0" anchor="ctr"/>
-          <a:lstStyle/>
-          <a:p>
-            <a:pPr algn="ctr"/>
-            <a:endParaRPr lang="en-US"/>
-          </a:p>
-        </p:txBody>
-      </p:sp>
-      <p:sp>
-        <p:nvSpPr>
-          <p:cNvPr id="13" name="Rectangle 12">
-            <a:extLst>
-              <a:ext uri="{FF2B5EF4-FFF2-40B4-BE49-F238E27FC236}">
-                <a16:creationId xmlns:a16="http://schemas.microsoft.com/office/drawing/2014/main" id="{23232165-86E1-44DB-AEBF-892E1E3E6D44}"/>
-              </a:ext>
-              <a:ext uri="{C183D7F6-B498-43B3-948B-1728B52AA6E4}">
-                <adec:decorative xmlns:adec="http://schemas.microsoft.com/office/drawing/2017/decorative" val="1"/>
-              </a:ext>
-            </a:extLst>
-          </p:cNvPr>
-          <p:cNvSpPr>
-            <a:spLocks noGrp="1" noRot="1" noChangeAspect="1" noMove="1" noResize="1" noEditPoints="1" noAdjustHandles="1" noChangeArrowheads="1" noChangeShapeType="1" noTextEdit="1"/>
-          </p:cNvSpPr>
-          <p:nvPr>
-            <p:extLst>
-              <p:ext uri="{386F3935-93C4-4BCD-93E2-E3B085C9AB24}">
-                <p16:designElem xmlns:p16="http://schemas.microsoft.com/office/powerpoint/2015/main" val="1"/>
-              </p:ext>
-            </p:extLst>
-          </p:nvPr>
-        </p:nvSpPr>
-        <p:spPr>
-          <a:xfrm rot="10800000">
-            <a:off x="2133600" y="685800"/>
-            <a:ext cx="10058400" cy="5486400"/>
-          </a:xfrm>
-          <a:prstGeom prst="rect">
-            <a:avLst/>
-          </a:prstGeom>
-          <a:solidFill>
-            <a:schemeClr val="bg1">
-              <a:lumMod val="95000"/>
-            </a:schemeClr>
-          </a:solidFill>
-          <a:ln w="25400" cap="flat">
-            <a:noFill/>
-            <a:prstDash val="solid"/>
-            <a:round/>
-          </a:ln>
-          <a:effectLst/>
-          <a:sp3d/>
-        </p:spPr>
-        <p:style>
-          <a:lnRef idx="0">
-            <a:scrgbClr r="0" g="0" b="0"/>
-          </a:lnRef>
-          <a:fillRef idx="0">
-            <a:scrgbClr r="0" g="0" b="0"/>
-          </a:fillRef>
-          <a:effectRef idx="0">
-            <a:scrgbClr r="0" g="0" b="0"/>
-          </a:effectRef>
-          <a:fontRef idx="none"/>
-        </p:style>
-        <p:txBody>
-          <a:bodyPr rot="0" spcFirstLastPara="1" vertOverflow="overflow" horzOverflow="overflow" vert="horz" wrap="square" lIns="0" tIns="0" rIns="0" bIns="0" numCol="1" spcCol="38100" rtlCol="0" anchor="ctr">
-            <a:spAutoFit/>
-          </a:bodyPr>
-          <a:lstStyle/>
-          <a:p>
-            <a:pPr marL="0" marR="0" indent="0" algn="ctr" defTabSz="825500" rtl="0" fontAlgn="auto" latinLnBrk="0" hangingPunct="0">
-              <a:lnSpc>
-                <a:spcPct val="100000"/>
-              </a:lnSpc>
-              <a:spcBef>
-                <a:spcPts val="0"/>
-              </a:spcBef>
-              <a:spcAft>
-                <a:spcPts val="0"/>
-              </a:spcAft>
-              <a:buClrTx/>
-              <a:buSzTx/>
-              <a:buFontTx/>
-              <a:buNone/>
-              <a:tabLst/>
-            </a:pPr>
-            <a:endParaRPr kumimoji="0" lang="en-US" sz="3000" b="0" i="0" u="none" strike="noStrike" cap="none" spc="0" normalizeH="0" baseline="0">
-              <a:ln>
-                <a:noFill/>
-              </a:ln>
-              <a:solidFill>
-                <a:srgbClr val="000000"/>
-              </a:solidFill>
-              <a:effectLst/>
-              <a:uFillTx/>
-              <a:latin typeface="Helvetica Neue Medium"/>
-              <a:ea typeface="Helvetica Neue Medium"/>
-              <a:cs typeface="Helvetica Neue Medium"/>
-              <a:sym typeface="Helvetica Neue Medium"/>
-            </a:endParaRPr>
-          </a:p>
-        </p:txBody>
-      </p:sp>
-      <p:sp>
-        <p:nvSpPr>
-          <p:cNvPr id="2" name="Tytuł 1"/>
-          <p:cNvSpPr>
-            <a:spLocks noGrp="1"/>
-          </p:cNvSpPr>
-          <p:nvPr>
-            <p:ph type="ctrTitle"/>
-          </p:nvPr>
-        </p:nvSpPr>
-        <p:spPr>
-          <a:xfrm>
-            <a:off x="2130965" y="684751"/>
-            <a:ext cx="4911179" cy="2825212"/>
-          </a:xfrm>
-        </p:spPr>
-        <p:txBody>
-          <a:bodyPr anchor="t">
-            <a:normAutofit/>
-          </a:bodyPr>
-          <a:lstStyle/>
-          <a:p>
-            <a:pPr algn="l"/>
-            <a:r>
-              <a:rPr lang="pl-PL" sz="5000" b="1" dirty="0" err="1">
-                <a:latin typeface="Calibri"/>
-                <a:cs typeface="Calibri"/>
-              </a:rPr>
-              <a:t>Self-driving</a:t>
-            </a:r>
-            <a:r>
-              <a:rPr lang="pl-PL" sz="5000" b="1" dirty="0">
-                <a:latin typeface="Calibri"/>
-                <a:cs typeface="Calibri"/>
-              </a:rPr>
-              <a:t> tank </a:t>
-            </a:r>
-            <a:br>
-              <a:rPr lang="pl-PL" sz="5000" b="1" dirty="0">
-                <a:latin typeface="Calibri"/>
-                <a:cs typeface="Calibri"/>
-              </a:rPr>
-            </a:br>
-            <a:r>
-              <a:rPr lang="pl-PL" sz="5000" b="1" dirty="0">
-                <a:latin typeface="Calibri"/>
-                <a:cs typeface="Calibri"/>
-              </a:rPr>
-              <a:t>- </a:t>
-            </a:r>
-            <a:r>
-              <a:rPr lang="pl-PL" sz="5000" b="1" dirty="0" err="1">
-                <a:latin typeface="Calibri"/>
-                <a:cs typeface="Calibri"/>
-              </a:rPr>
-              <a:t>roadmap</a:t>
-            </a:r>
-            <a:endParaRPr lang="pl-PL" sz="5000" dirty="0"/>
-          </a:p>
-        </p:txBody>
-      </p:sp>
-      <p:sp>
-        <p:nvSpPr>
-          <p:cNvPr id="3" name="Podtytuł 2"/>
-          <p:cNvSpPr>
-            <a:spLocks noGrp="1"/>
-          </p:cNvSpPr>
-          <p:nvPr>
-            <p:ph type="subTitle" idx="1"/>
-          </p:nvPr>
-        </p:nvSpPr>
-        <p:spPr>
-          <a:xfrm>
-            <a:off x="2130965" y="3583222"/>
-            <a:ext cx="4911179" cy="2446338"/>
-          </a:xfrm>
-        </p:spPr>
-        <p:txBody>
-          <a:bodyPr vert="horz" lIns="91440" tIns="45720" rIns="91440" bIns="45720" rtlCol="0">
-            <a:normAutofit/>
-          </a:bodyPr>
-          <a:lstStyle/>
-          <a:p>
-            <a:pPr algn="l"/>
-            <a:r>
-              <a:rPr lang="pl-PL" sz="2200" dirty="0">
-                <a:cs typeface="Calibri"/>
-              </a:rPr>
-              <a:t>Michał Nizioł, Michał Zelek</a:t>
-            </a:r>
-            <a:endParaRPr lang="pl-PL" sz="2200" dirty="0"/>
-          </a:p>
-        </p:txBody>
-      </p:sp>
-      <p:sp>
-        <p:nvSpPr>
-          <p:cNvPr id="15" name="Rectangle 14">
-            <a:extLst>
-              <a:ext uri="{FF2B5EF4-FFF2-40B4-BE49-F238E27FC236}">
-                <a16:creationId xmlns:a16="http://schemas.microsoft.com/office/drawing/2014/main" id="{3A28EA46-1012-4EAD-89D7-A732B3EF3ED7}"/>
-              </a:ext>
-              <a:ext uri="{C183D7F6-B498-43B3-948B-1728B52AA6E4}">
-                <adec:decorative xmlns:adec="http://schemas.microsoft.com/office/drawing/2017/decorative" val="1"/>
-              </a:ext>
-            </a:extLst>
-          </p:cNvPr>
-          <p:cNvSpPr>
-            <a:spLocks noGrp="1" noRot="1" noChangeAspect="1" noMove="1" noResize="1" noEditPoints="1" noAdjustHandles="1" noChangeArrowheads="1" noChangeShapeType="1" noTextEdit="1"/>
-          </p:cNvSpPr>
-          <p:nvPr>
-            <p:extLst>
-              <p:ext uri="{386F3935-93C4-4BCD-93E2-E3B085C9AB24}">
-                <p16:designElem xmlns:p16="http://schemas.microsoft.com/office/powerpoint/2015/main" val="1"/>
-              </p:ext>
-            </p:extLst>
-          </p:nvPr>
-        </p:nvSpPr>
-        <p:spPr>
-          <a:xfrm>
-            <a:off x="1159764" y="685797"/>
-            <a:ext cx="118872" cy="1550455"/>
-          </a:xfrm>
-          <a:prstGeom prst="rect">
-            <a:avLst/>
-          </a:prstGeom>
-          <a:solidFill>
-            <a:schemeClr val="accent2"/>
-          </a:solidFill>
-          <a:ln>
-            <a:noFill/>
-          </a:ln>
-        </p:spPr>
-        <p:style>
-          <a:lnRef idx="2">
-            <a:schemeClr val="accent1">
-              <a:shade val="50000"/>
-            </a:schemeClr>
-          </a:lnRef>
-          <a:fillRef idx="1">
-            <a:schemeClr val="accent1"/>
-          </a:fillRef>
-          <a:effectRef idx="0">
-            <a:schemeClr val="accent1"/>
-          </a:effectRef>
-          <a:fontRef idx="minor">
-            <a:schemeClr val="lt1"/>
-          </a:fontRef>
-        </p:style>
-        <p:txBody>
-          <a:bodyPr rtlCol="0" anchor="ctr"/>
-          <a:lstStyle/>
-          <a:p>
-            <a:pPr algn="ctr"/>
-            <a:endParaRPr lang="en-US"/>
-          </a:p>
-        </p:txBody>
-      </p:sp>
-      <p:sp>
-        <p:nvSpPr>
-          <p:cNvPr id="17" name="Graphic 14">
-            <a:extLst>
-              <a:ext uri="{FF2B5EF4-FFF2-40B4-BE49-F238E27FC236}">
-                <a16:creationId xmlns:a16="http://schemas.microsoft.com/office/drawing/2014/main" id="{2CF7CF5F-D747-47B3-80B1-8392750446C6}"/>
-              </a:ext>
-              <a:ext uri="{C183D7F6-B498-43B3-948B-1728B52AA6E4}">
-                <adec:decorative xmlns:adec="http://schemas.microsoft.com/office/drawing/2017/decorative" val="1"/>
-              </a:ext>
-            </a:extLst>
-          </p:cNvPr>
-          <p:cNvSpPr>
-            <a:spLocks noGrp="1" noRot="1" noChangeAspect="1" noMove="1" noResize="1" noEditPoints="1" noAdjustHandles="1" noChangeArrowheads="1" noChangeShapeType="1" noTextEdit="1"/>
-          </p:cNvSpPr>
-          <p:nvPr>
-            <p:extLst>
-              <p:ext uri="{386F3935-93C4-4BCD-93E2-E3B085C9AB24}">
-                <p16:designElem xmlns:p16="http://schemas.microsoft.com/office/powerpoint/2015/main" val="1"/>
-              </p:ext>
-            </p:extLst>
-          </p:nvPr>
-        </p:nvSpPr>
-        <p:spPr>
-          <a:xfrm rot="10800000" flipH="1" flipV="1">
-            <a:off x="6697464" y="684750"/>
-            <a:ext cx="2743200" cy="2746621"/>
-          </a:xfrm>
-          <a:custGeom>
-            <a:avLst/>
-            <a:gdLst>
-              <a:gd name="connsiteX0" fmla="*/ 2616327 w 2616326"/>
-              <a:gd name="connsiteY0" fmla="*/ 634841 h 2618803"/>
-              <a:gd name="connsiteX1" fmla="*/ 2616327 w 2616326"/>
-              <a:gd name="connsiteY1" fmla="*/ 0 h 2618803"/>
-              <a:gd name="connsiteX2" fmla="*/ 0 w 2616326"/>
-              <a:gd name="connsiteY2" fmla="*/ 0 h 2618803"/>
-              <a:gd name="connsiteX3" fmla="*/ 0 w 2616326"/>
-              <a:gd name="connsiteY3" fmla="*/ 2618804 h 2618803"/>
-              <a:gd name="connsiteX4" fmla="*/ 634270 w 2616326"/>
-              <a:gd name="connsiteY4" fmla="*/ 2618804 h 2618803"/>
-              <a:gd name="connsiteX5" fmla="*/ 2616327 w 2616326"/>
-              <a:gd name="connsiteY5" fmla="*/ 634841 h 2618803"/>
-            </a:gdLst>
-            <a:ahLst/>
-            <a:cxnLst>
-              <a:cxn ang="0">
-                <a:pos x="connsiteX0" y="connsiteY0"/>
-              </a:cxn>
-              <a:cxn ang="0">
-                <a:pos x="connsiteX1" y="connsiteY1"/>
-              </a:cxn>
-              <a:cxn ang="0">
-                <a:pos x="connsiteX2" y="connsiteY2"/>
-              </a:cxn>
-              <a:cxn ang="0">
-                <a:pos x="connsiteX3" y="connsiteY3"/>
-              </a:cxn>
-              <a:cxn ang="0">
-                <a:pos x="connsiteX4" y="connsiteY4"/>
-              </a:cxn>
-              <a:cxn ang="0">
-                <a:pos x="connsiteX5" y="connsiteY5"/>
-              </a:cxn>
-            </a:cxnLst>
-            <a:rect l="l" t="t" r="r" b="b"/>
-            <a:pathLst>
-              <a:path w="2616326" h="2618803">
-                <a:moveTo>
-                  <a:pt x="2616327" y="634841"/>
-                </a:moveTo>
-                <a:lnTo>
-                  <a:pt x="2616327" y="0"/>
-                </a:lnTo>
-                <a:lnTo>
-                  <a:pt x="0" y="0"/>
-                </a:lnTo>
-                <a:lnTo>
-                  <a:pt x="0" y="2618804"/>
-                </a:lnTo>
-                <a:lnTo>
-                  <a:pt x="634270" y="2618804"/>
-                </a:lnTo>
-                <a:cubicBezTo>
-                  <a:pt x="634270" y="1523143"/>
-                  <a:pt x="1521619" y="634841"/>
-                  <a:pt x="2616327" y="634841"/>
-                </a:cubicBezTo>
-                <a:close/>
-              </a:path>
-            </a:pathLst>
-          </a:custGeom>
-          <a:solidFill>
-            <a:schemeClr val="bg1">
-              <a:alpha val="50000"/>
-            </a:schemeClr>
-          </a:solidFill>
-          <a:ln w="9525" cap="flat">
-            <a:noFill/>
-            <a:prstDash val="solid"/>
-            <a:miter/>
-          </a:ln>
-        </p:spPr>
-        <p:txBody>
-          <a:bodyPr rtlCol="0" anchor="ctr"/>
-          <a:lstStyle/>
-          <a:p>
-            <a:endParaRPr lang="en-US"/>
-          </a:p>
-        </p:txBody>
-      </p:sp>
-      <p:sp>
-        <p:nvSpPr>
-          <p:cNvPr id="19" name="Graphic 14">
-            <a:extLst>
-              <a:ext uri="{FF2B5EF4-FFF2-40B4-BE49-F238E27FC236}">
-                <a16:creationId xmlns:a16="http://schemas.microsoft.com/office/drawing/2014/main" id="{2929DB54-1BF0-4191-88B1-ADEBA6E9A757}"/>
-              </a:ext>
-              <a:ext uri="{C183D7F6-B498-43B3-948B-1728B52AA6E4}">
-                <adec:decorative xmlns:adec="http://schemas.microsoft.com/office/drawing/2017/decorative" val="1"/>
-              </a:ext>
-            </a:extLst>
-          </p:cNvPr>
-          <p:cNvSpPr>
-            <a:spLocks noGrp="1" noRot="1" noChangeAspect="1" noMove="1" noResize="1" noEditPoints="1" noAdjustHandles="1" noChangeArrowheads="1" noChangeShapeType="1" noTextEdit="1"/>
-          </p:cNvSpPr>
-          <p:nvPr>
-            <p:extLst>
-              <p:ext uri="{386F3935-93C4-4BCD-93E2-E3B085C9AB24}">
-                <p16:designElem xmlns:p16="http://schemas.microsoft.com/office/powerpoint/2015/main" val="1"/>
-              </p:ext>
-            </p:extLst>
-          </p:nvPr>
-        </p:nvSpPr>
-        <p:spPr>
-          <a:xfrm rot="10800000" flipH="1">
-            <a:off x="6697464" y="3440685"/>
-            <a:ext cx="2743200" cy="2746621"/>
-          </a:xfrm>
-          <a:custGeom>
-            <a:avLst/>
-            <a:gdLst>
-              <a:gd name="connsiteX0" fmla="*/ 2616327 w 2616326"/>
-              <a:gd name="connsiteY0" fmla="*/ 634841 h 2618803"/>
-              <a:gd name="connsiteX1" fmla="*/ 2616327 w 2616326"/>
-              <a:gd name="connsiteY1" fmla="*/ 0 h 2618803"/>
-              <a:gd name="connsiteX2" fmla="*/ 0 w 2616326"/>
-              <a:gd name="connsiteY2" fmla="*/ 0 h 2618803"/>
-              <a:gd name="connsiteX3" fmla="*/ 0 w 2616326"/>
-              <a:gd name="connsiteY3" fmla="*/ 2618804 h 2618803"/>
-              <a:gd name="connsiteX4" fmla="*/ 634270 w 2616326"/>
-              <a:gd name="connsiteY4" fmla="*/ 2618804 h 2618803"/>
-              <a:gd name="connsiteX5" fmla="*/ 2616327 w 2616326"/>
-              <a:gd name="connsiteY5" fmla="*/ 634841 h 2618803"/>
-            </a:gdLst>
-            <a:ahLst/>
-            <a:cxnLst>
-              <a:cxn ang="0">
-                <a:pos x="connsiteX0" y="connsiteY0"/>
-              </a:cxn>
-              <a:cxn ang="0">
-                <a:pos x="connsiteX1" y="connsiteY1"/>
-              </a:cxn>
-              <a:cxn ang="0">
-                <a:pos x="connsiteX2" y="connsiteY2"/>
-              </a:cxn>
-              <a:cxn ang="0">
-                <a:pos x="connsiteX3" y="connsiteY3"/>
-              </a:cxn>
-              <a:cxn ang="0">
-                <a:pos x="connsiteX4" y="connsiteY4"/>
-              </a:cxn>
-              <a:cxn ang="0">
-                <a:pos x="connsiteX5" y="connsiteY5"/>
-              </a:cxn>
-            </a:cxnLst>
-            <a:rect l="l" t="t" r="r" b="b"/>
-            <a:pathLst>
-              <a:path w="2616326" h="2618803">
-                <a:moveTo>
-                  <a:pt x="2616327" y="634841"/>
-                </a:moveTo>
-                <a:lnTo>
-                  <a:pt x="2616327" y="0"/>
-                </a:lnTo>
-                <a:lnTo>
-                  <a:pt x="0" y="0"/>
-                </a:lnTo>
-                <a:lnTo>
-                  <a:pt x="0" y="2618804"/>
-                </a:lnTo>
-                <a:lnTo>
-                  <a:pt x="634270" y="2618804"/>
-                </a:lnTo>
-                <a:cubicBezTo>
-                  <a:pt x="634270" y="1523143"/>
-                  <a:pt x="1521619" y="634841"/>
-                  <a:pt x="2616327" y="634841"/>
-                </a:cubicBezTo>
-                <a:close/>
-              </a:path>
-            </a:pathLst>
-          </a:custGeom>
-          <a:solidFill>
-            <a:schemeClr val="bg1">
-              <a:alpha val="25000"/>
-            </a:schemeClr>
-          </a:solidFill>
-          <a:ln w="9525" cap="flat">
-            <a:noFill/>
-            <a:prstDash val="solid"/>
-            <a:miter/>
-          </a:ln>
-        </p:spPr>
-        <p:txBody>
-          <a:bodyPr rtlCol="0" anchor="ctr"/>
-          <a:lstStyle/>
-          <a:p>
-            <a:endParaRPr lang="en-US"/>
-          </a:p>
-        </p:txBody>
-      </p:sp>
-      <p:sp>
-        <p:nvSpPr>
-          <p:cNvPr id="21" name="Graphic 14">
-            <a:extLst>
-              <a:ext uri="{FF2B5EF4-FFF2-40B4-BE49-F238E27FC236}">
-                <a16:creationId xmlns:a16="http://schemas.microsoft.com/office/drawing/2014/main" id="{CE1108CD-786E-4304-9504-9C5AD64829D2}"/>
-              </a:ext>
-              <a:ext uri="{C183D7F6-B498-43B3-948B-1728B52AA6E4}">
-                <adec:decorative xmlns:adec="http://schemas.microsoft.com/office/drawing/2017/decorative" val="1"/>
-              </a:ext>
-            </a:extLst>
-          </p:cNvPr>
-          <p:cNvSpPr>
-            <a:spLocks noGrp="1" noRot="1" noChangeAspect="1" noMove="1" noResize="1" noEditPoints="1" noAdjustHandles="1" noChangeArrowheads="1" noChangeShapeType="1" noTextEdit="1"/>
-          </p:cNvSpPr>
-          <p:nvPr>
-            <p:extLst>
-              <p:ext uri="{386F3935-93C4-4BCD-93E2-E3B085C9AB24}">
-                <p16:designElem xmlns:p16="http://schemas.microsoft.com/office/powerpoint/2015/main" val="1"/>
-              </p:ext>
-            </p:extLst>
-          </p:nvPr>
-        </p:nvSpPr>
-        <p:spPr>
-          <a:xfrm rot="10800000" flipV="1">
-            <a:off x="9448800" y="684751"/>
-            <a:ext cx="2743200" cy="2746621"/>
-          </a:xfrm>
-          <a:custGeom>
-            <a:avLst/>
-            <a:gdLst>
-              <a:gd name="connsiteX0" fmla="*/ 2616327 w 2616326"/>
-              <a:gd name="connsiteY0" fmla="*/ 634841 h 2618803"/>
-              <a:gd name="connsiteX1" fmla="*/ 2616327 w 2616326"/>
-              <a:gd name="connsiteY1" fmla="*/ 0 h 2618803"/>
-              <a:gd name="connsiteX2" fmla="*/ 0 w 2616326"/>
-              <a:gd name="connsiteY2" fmla="*/ 0 h 2618803"/>
-              <a:gd name="connsiteX3" fmla="*/ 0 w 2616326"/>
-              <a:gd name="connsiteY3" fmla="*/ 2618804 h 2618803"/>
-              <a:gd name="connsiteX4" fmla="*/ 634270 w 2616326"/>
-              <a:gd name="connsiteY4" fmla="*/ 2618804 h 2618803"/>
-              <a:gd name="connsiteX5" fmla="*/ 2616327 w 2616326"/>
-              <a:gd name="connsiteY5" fmla="*/ 634841 h 2618803"/>
-            </a:gdLst>
-            <a:ahLst/>
-            <a:cxnLst>
-              <a:cxn ang="0">
-                <a:pos x="connsiteX0" y="connsiteY0"/>
-              </a:cxn>
-              <a:cxn ang="0">
-                <a:pos x="connsiteX1" y="connsiteY1"/>
-              </a:cxn>
-              <a:cxn ang="0">
-                <a:pos x="connsiteX2" y="connsiteY2"/>
-              </a:cxn>
-              <a:cxn ang="0">
-                <a:pos x="connsiteX3" y="connsiteY3"/>
-              </a:cxn>
-              <a:cxn ang="0">
-                <a:pos x="connsiteX4" y="connsiteY4"/>
-              </a:cxn>
-              <a:cxn ang="0">
-                <a:pos x="connsiteX5" y="connsiteY5"/>
-              </a:cxn>
-            </a:cxnLst>
-            <a:rect l="l" t="t" r="r" b="b"/>
-            <a:pathLst>
-              <a:path w="2616326" h="2618803">
-                <a:moveTo>
-                  <a:pt x="2616327" y="634841"/>
-                </a:moveTo>
-                <a:lnTo>
-                  <a:pt x="2616327" y="0"/>
-                </a:lnTo>
-                <a:lnTo>
-                  <a:pt x="0" y="0"/>
-                </a:lnTo>
-                <a:lnTo>
-                  <a:pt x="0" y="2618804"/>
-                </a:lnTo>
-                <a:lnTo>
-                  <a:pt x="634270" y="2618804"/>
-                </a:lnTo>
-                <a:cubicBezTo>
-                  <a:pt x="634270" y="1523143"/>
-                  <a:pt x="1521619" y="634841"/>
-                  <a:pt x="2616327" y="634841"/>
-                </a:cubicBezTo>
-                <a:close/>
-              </a:path>
-            </a:pathLst>
-          </a:custGeom>
-          <a:solidFill>
-            <a:schemeClr val="bg1">
-              <a:alpha val="25000"/>
-            </a:schemeClr>
-          </a:solidFill>
-          <a:ln w="9525" cap="flat">
-            <a:noFill/>
-            <a:prstDash val="solid"/>
-            <a:miter/>
-          </a:ln>
-        </p:spPr>
-        <p:txBody>
-          <a:bodyPr rtlCol="0" anchor="ctr"/>
-          <a:lstStyle/>
-          <a:p>
-            <a:endParaRPr lang="en-US"/>
-          </a:p>
-        </p:txBody>
-      </p:sp>
-      <p:sp>
-        <p:nvSpPr>
-          <p:cNvPr id="23" name="Graphic 14">
-            <a:extLst>
-              <a:ext uri="{FF2B5EF4-FFF2-40B4-BE49-F238E27FC236}">
-                <a16:creationId xmlns:a16="http://schemas.microsoft.com/office/drawing/2014/main" id="{33B26E27-7502-4B2C-B05F-2819E2EDD162}"/>
-              </a:ext>
-              <a:ext uri="{C183D7F6-B498-43B3-948B-1728B52AA6E4}">
-                <adec:decorative xmlns:adec="http://schemas.microsoft.com/office/drawing/2017/decorative" val="1"/>
-              </a:ext>
-            </a:extLst>
-          </p:cNvPr>
-          <p:cNvSpPr>
-            <a:spLocks noGrp="1" noRot="1" noChangeAspect="1" noMove="1" noResize="1" noEditPoints="1" noAdjustHandles="1" noChangeArrowheads="1" noChangeShapeType="1" noTextEdit="1"/>
-          </p:cNvSpPr>
-          <p:nvPr>
-            <p:extLst>
-              <p:ext uri="{386F3935-93C4-4BCD-93E2-E3B085C9AB24}">
-                <p16:designElem xmlns:p16="http://schemas.microsoft.com/office/powerpoint/2015/main" val="1"/>
-              </p:ext>
-            </p:extLst>
-          </p:nvPr>
-        </p:nvSpPr>
-        <p:spPr>
-          <a:xfrm flipH="1" flipV="1">
-            <a:off x="9448800" y="3459870"/>
-            <a:ext cx="2743200" cy="2746621"/>
-          </a:xfrm>
-          <a:custGeom>
-            <a:avLst/>
-            <a:gdLst>
-              <a:gd name="connsiteX0" fmla="*/ 2616327 w 2616326"/>
-              <a:gd name="connsiteY0" fmla="*/ 634841 h 2618803"/>
-              <a:gd name="connsiteX1" fmla="*/ 2616327 w 2616326"/>
-              <a:gd name="connsiteY1" fmla="*/ 0 h 2618803"/>
-              <a:gd name="connsiteX2" fmla="*/ 0 w 2616326"/>
-              <a:gd name="connsiteY2" fmla="*/ 0 h 2618803"/>
-              <a:gd name="connsiteX3" fmla="*/ 0 w 2616326"/>
-              <a:gd name="connsiteY3" fmla="*/ 2618804 h 2618803"/>
-              <a:gd name="connsiteX4" fmla="*/ 634270 w 2616326"/>
-              <a:gd name="connsiteY4" fmla="*/ 2618804 h 2618803"/>
-              <a:gd name="connsiteX5" fmla="*/ 2616327 w 2616326"/>
-              <a:gd name="connsiteY5" fmla="*/ 634841 h 2618803"/>
-            </a:gdLst>
-            <a:ahLst/>
-            <a:cxnLst>
-              <a:cxn ang="0">
-                <a:pos x="connsiteX0" y="connsiteY0"/>
-              </a:cxn>
-              <a:cxn ang="0">
-                <a:pos x="connsiteX1" y="connsiteY1"/>
-              </a:cxn>
-              <a:cxn ang="0">
-                <a:pos x="connsiteX2" y="connsiteY2"/>
-              </a:cxn>
-              <a:cxn ang="0">
-                <a:pos x="connsiteX3" y="connsiteY3"/>
-              </a:cxn>
-              <a:cxn ang="0">
-                <a:pos x="connsiteX4" y="connsiteY4"/>
-              </a:cxn>
-              <a:cxn ang="0">
-                <a:pos x="connsiteX5" y="connsiteY5"/>
-              </a:cxn>
-            </a:cxnLst>
-            <a:rect l="l" t="t" r="r" b="b"/>
-            <a:pathLst>
-              <a:path w="2616326" h="2618803">
-                <a:moveTo>
-                  <a:pt x="2616327" y="634841"/>
-                </a:moveTo>
-                <a:lnTo>
-                  <a:pt x="2616327" y="0"/>
-                </a:lnTo>
-                <a:lnTo>
-                  <a:pt x="0" y="0"/>
-                </a:lnTo>
-                <a:lnTo>
-                  <a:pt x="0" y="2618804"/>
-                </a:lnTo>
-                <a:lnTo>
-                  <a:pt x="634270" y="2618804"/>
-                </a:lnTo>
-                <a:cubicBezTo>
-                  <a:pt x="634270" y="1523143"/>
-                  <a:pt x="1521619" y="634841"/>
-                  <a:pt x="2616327" y="634841"/>
-                </a:cubicBezTo>
-                <a:close/>
-              </a:path>
-            </a:pathLst>
-          </a:custGeom>
-          <a:solidFill>
-            <a:schemeClr val="accent2"/>
-          </a:solidFill>
-          <a:ln w="9525" cap="flat">
-            <a:noFill/>
-            <a:prstDash val="solid"/>
-            <a:miter/>
-          </a:ln>
-        </p:spPr>
-        <p:txBody>
-          <a:bodyPr rtlCol="0" anchor="ctr"/>
-          <a:lstStyle/>
-          <a:p>
-            <a:endParaRPr lang="en-US"/>
-          </a:p>
-        </p:txBody>
-      </p:sp>
-      <p:sp>
-        <p:nvSpPr>
-          <p:cNvPr id="25" name="Graphic 14">
-            <a:extLst>
-              <a:ext uri="{FF2B5EF4-FFF2-40B4-BE49-F238E27FC236}">
-                <a16:creationId xmlns:a16="http://schemas.microsoft.com/office/drawing/2014/main" id="{AB337888-EB83-4311-B414-E0CFB8F368A5}"/>
-              </a:ext>
-              <a:ext uri="{C183D7F6-B498-43B3-948B-1728B52AA6E4}">
-                <adec:decorative xmlns:adec="http://schemas.microsoft.com/office/drawing/2017/decorative" val="1"/>
-              </a:ext>
-            </a:extLst>
-          </p:cNvPr>
-          <p:cNvSpPr>
-            <a:spLocks noGrp="1" noRot="1" noChangeAspect="1" noMove="1" noResize="1" noEditPoints="1" noAdjustHandles="1" noChangeArrowheads="1" noChangeShapeType="1" noTextEdit="1"/>
-          </p:cNvSpPr>
-          <p:nvPr>
-            <p:extLst>
-              <p:ext uri="{386F3935-93C4-4BCD-93E2-E3B085C9AB24}">
-                <p16:designElem xmlns:p16="http://schemas.microsoft.com/office/powerpoint/2015/main" val="1"/>
-              </p:ext>
-            </p:extLst>
-          </p:nvPr>
-        </p:nvSpPr>
-        <p:spPr>
-          <a:xfrm flipH="1" flipV="1">
-            <a:off x="9448800" y="3459870"/>
-            <a:ext cx="2743200" cy="2746621"/>
-          </a:xfrm>
-          <a:custGeom>
-            <a:avLst/>
-            <a:gdLst>
-              <a:gd name="connsiteX0" fmla="*/ 2616327 w 2616326"/>
-              <a:gd name="connsiteY0" fmla="*/ 634841 h 2618803"/>
-              <a:gd name="connsiteX1" fmla="*/ 2616327 w 2616326"/>
-              <a:gd name="connsiteY1" fmla="*/ 0 h 2618803"/>
-              <a:gd name="connsiteX2" fmla="*/ 0 w 2616326"/>
-              <a:gd name="connsiteY2" fmla="*/ 0 h 2618803"/>
-              <a:gd name="connsiteX3" fmla="*/ 0 w 2616326"/>
-              <a:gd name="connsiteY3" fmla="*/ 2618804 h 2618803"/>
-              <a:gd name="connsiteX4" fmla="*/ 634270 w 2616326"/>
-              <a:gd name="connsiteY4" fmla="*/ 2618804 h 2618803"/>
-              <a:gd name="connsiteX5" fmla="*/ 2616327 w 2616326"/>
-              <a:gd name="connsiteY5" fmla="*/ 634841 h 2618803"/>
-            </a:gdLst>
-            <a:ahLst/>
-            <a:cxnLst>
-              <a:cxn ang="0">
-                <a:pos x="connsiteX0" y="connsiteY0"/>
-              </a:cxn>
-              <a:cxn ang="0">
-                <a:pos x="connsiteX1" y="connsiteY1"/>
-              </a:cxn>
-              <a:cxn ang="0">
-                <a:pos x="connsiteX2" y="connsiteY2"/>
-              </a:cxn>
-              <a:cxn ang="0">
-                <a:pos x="connsiteX3" y="connsiteY3"/>
-              </a:cxn>
-              <a:cxn ang="0">
-                <a:pos x="connsiteX4" y="connsiteY4"/>
-              </a:cxn>
-              <a:cxn ang="0">
-                <a:pos x="connsiteX5" y="connsiteY5"/>
-              </a:cxn>
-            </a:cxnLst>
-            <a:rect l="l" t="t" r="r" b="b"/>
-            <a:pathLst>
-              <a:path w="2616326" h="2618803">
-                <a:moveTo>
-                  <a:pt x="2616327" y="634841"/>
-                </a:moveTo>
-                <a:lnTo>
-                  <a:pt x="2616327" y="0"/>
-                </a:lnTo>
-                <a:lnTo>
-                  <a:pt x="0" y="0"/>
-                </a:lnTo>
-                <a:lnTo>
-                  <a:pt x="0" y="2618804"/>
-                </a:lnTo>
-                <a:lnTo>
-                  <a:pt x="634270" y="2618804"/>
-                </a:lnTo>
-                <a:cubicBezTo>
-                  <a:pt x="634270" y="1523143"/>
-                  <a:pt x="1521619" y="634841"/>
-                  <a:pt x="2616327" y="634841"/>
-                </a:cubicBezTo>
-                <a:close/>
-              </a:path>
-            </a:pathLst>
-          </a:custGeom>
-          <a:solidFill>
-            <a:schemeClr val="accent2">
-              <a:alpha val="50000"/>
-            </a:schemeClr>
-          </a:solidFill>
-          <a:ln w="9525" cap="flat">
-            <a:noFill/>
-            <a:prstDash val="solid"/>
-            <a:miter/>
-          </a:ln>
-        </p:spPr>
-        <p:txBody>
-          <a:bodyPr rtlCol="0" anchor="ctr"/>
-          <a:lstStyle/>
-          <a:p>
-            <a:endParaRPr lang="en-US"/>
-          </a:p>
-        </p:txBody>
-      </p:sp>
-      <p:sp>
-        <p:nvSpPr>
-          <p:cNvPr id="27" name="Rectangle 26">
-            <a:extLst>
-              <a:ext uri="{FF2B5EF4-FFF2-40B4-BE49-F238E27FC236}">
-                <a16:creationId xmlns:a16="http://schemas.microsoft.com/office/drawing/2014/main" id="{3446C953-B6FD-462A-9F4E-A3768D1D5CC3}"/>
-              </a:ext>
-              <a:ext uri="{C183D7F6-B498-43B3-948B-1728B52AA6E4}">
-                <adec:decorative xmlns:adec="http://schemas.microsoft.com/office/drawing/2017/decorative" val="1"/>
-              </a:ext>
-            </a:extLst>
-          </p:cNvPr>
-          <p:cNvSpPr>
-            <a:spLocks noGrp="1" noRot="1" noChangeAspect="1" noMove="1" noResize="1" noEditPoints="1" noAdjustHandles="1" noChangeArrowheads="1" noChangeShapeType="1" noTextEdit="1"/>
-          </p:cNvSpPr>
-          <p:nvPr>
-            <p:extLst>
-              <p:ext uri="{386F3935-93C4-4BCD-93E2-E3B085C9AB24}">
-                <p16:designElem xmlns:p16="http://schemas.microsoft.com/office/powerpoint/2015/main" val="1"/>
-              </p:ext>
-            </p:extLst>
-          </p:nvPr>
-        </p:nvSpPr>
-        <p:spPr>
-          <a:xfrm>
-            <a:off x="12073128" y="6172201"/>
-            <a:ext cx="118872" cy="685800"/>
-          </a:xfrm>
-          <a:prstGeom prst="rect">
-            <a:avLst/>
-          </a:prstGeom>
-          <a:solidFill>
-            <a:schemeClr val="accent2"/>
-          </a:solidFill>
-          <a:ln>
-            <a:noFill/>
-          </a:ln>
-        </p:spPr>
-        <p:style>
-          <a:lnRef idx="2">
-            <a:schemeClr val="accent1">
-              <a:shade val="50000"/>
-            </a:schemeClr>
-          </a:lnRef>
-          <a:fillRef idx="1">
-            <a:schemeClr val="accent1"/>
-          </a:fillRef>
-          <a:effectRef idx="0">
-            <a:schemeClr val="accent1"/>
-          </a:effectRef>
-          <a:fontRef idx="minor">
-            <a:schemeClr val="lt1"/>
-          </a:fontRef>
-        </p:style>
-        <p:txBody>
-          <a:bodyPr rtlCol="0" anchor="ctr"/>
-          <a:lstStyle/>
-          <a:p>
-            <a:pPr algn="ctr"/>
-            <a:endParaRPr lang="en-US"/>
-          </a:p>
-        </p:txBody>
-      </p:sp>
       <p:pic>
         <p:nvPicPr>
           <p:cNvPr id="7" name="Obraz 5" descr="Obraz zawierający logo, zrzut ekranu, Grafika, projekt graficzny&#10;&#10;Opis wygenerowany automatycznie">
@@ -3950,6 +8803,347 @@
           </a:prstGeom>
         </p:spPr>
       </p:pic>
+      <p:sp>
+        <p:nvSpPr>
+          <p:cNvPr id="4" name="Podtytuł 2"/>
+          <p:cNvSpPr txBox="1">
+            <a:spLocks/>
+          </p:cNvSpPr>
+          <p:nvPr/>
+        </p:nvSpPr>
+        <p:spPr>
+          <a:xfrm>
+            <a:off x="6395055" y="3713850"/>
+            <a:ext cx="4911179" cy="2446338"/>
+          </a:xfrm>
+          <a:prstGeom prst="rect">
+            <a:avLst/>
+          </a:prstGeom>
+        </p:spPr>
+        <p:txBody>
+          <a:bodyPr vert="horz" lIns="91440" tIns="45720" rIns="91440" bIns="45720" rtlCol="0" anchor="t">
+            <a:normAutofit/>
+          </a:bodyPr>
+          <a:lstStyle>
+            <a:lvl1pPr marL="0" indent="0" algn="ctr" defTabSz="457200" rtl="0" eaLnBrk="1" latinLnBrk="0" hangingPunct="1">
+              <a:spcBef>
+                <a:spcPct val="20000"/>
+              </a:spcBef>
+              <a:spcAft>
+                <a:spcPts val="600"/>
+              </a:spcAft>
+              <a:buClr>
+                <a:schemeClr val="accent1"/>
+              </a:buClr>
+              <a:buSzPct val="115000"/>
+              <a:buFont typeface="Arial"/>
+              <a:buNone/>
+              <a:defRPr sz="2100" kern="1200" cap="none">
+                <a:solidFill>
+                  <a:schemeClr val="tx1"/>
+                </a:solidFill>
+                <a:effectLst/>
+                <a:latin typeface="+mn-lt"/>
+                <a:ea typeface="+mn-ea"/>
+                <a:cs typeface="+mn-cs"/>
+              </a:defRPr>
+            </a:lvl1pPr>
+            <a:lvl2pPr marL="457200" indent="0" algn="ctr" defTabSz="457200" rtl="0" eaLnBrk="1" latinLnBrk="0" hangingPunct="1">
+              <a:spcBef>
+                <a:spcPct val="20000"/>
+              </a:spcBef>
+              <a:spcAft>
+                <a:spcPts val="600"/>
+              </a:spcAft>
+              <a:buClr>
+                <a:schemeClr val="accent1"/>
+              </a:buClr>
+              <a:buSzPct val="115000"/>
+              <a:buFont typeface="Arial"/>
+              <a:buNone/>
+              <a:defRPr sz="2000" kern="1200" cap="none">
+                <a:solidFill>
+                  <a:schemeClr val="tx1">
+                    <a:tint val="75000"/>
+                  </a:schemeClr>
+                </a:solidFill>
+                <a:effectLst/>
+                <a:latin typeface="+mn-lt"/>
+                <a:ea typeface="+mn-ea"/>
+                <a:cs typeface="+mn-cs"/>
+              </a:defRPr>
+            </a:lvl2pPr>
+            <a:lvl3pPr marL="914400" indent="0" algn="ctr" defTabSz="457200" rtl="0" eaLnBrk="1" latinLnBrk="0" hangingPunct="1">
+              <a:spcBef>
+                <a:spcPct val="20000"/>
+              </a:spcBef>
+              <a:spcAft>
+                <a:spcPts val="600"/>
+              </a:spcAft>
+              <a:buClr>
+                <a:schemeClr val="accent1"/>
+              </a:buClr>
+              <a:buSzPct val="115000"/>
+              <a:buFont typeface="Arial"/>
+              <a:buNone/>
+              <a:defRPr sz="1800" kern="1200" cap="none">
+                <a:solidFill>
+                  <a:schemeClr val="tx1">
+                    <a:tint val="75000"/>
+                  </a:schemeClr>
+                </a:solidFill>
+                <a:effectLst/>
+                <a:latin typeface="+mn-lt"/>
+                <a:ea typeface="+mn-ea"/>
+                <a:cs typeface="+mn-cs"/>
+              </a:defRPr>
+            </a:lvl3pPr>
+            <a:lvl4pPr marL="1371600" indent="0" algn="ctr" defTabSz="457200" rtl="0" eaLnBrk="1" latinLnBrk="0" hangingPunct="1">
+              <a:spcBef>
+                <a:spcPct val="20000"/>
+              </a:spcBef>
+              <a:spcAft>
+                <a:spcPts val="600"/>
+              </a:spcAft>
+              <a:buClr>
+                <a:schemeClr val="accent1"/>
+              </a:buClr>
+              <a:buSzPct val="115000"/>
+              <a:buFont typeface="Arial"/>
+              <a:buNone/>
+              <a:defRPr sz="1600" kern="1200" cap="none">
+                <a:solidFill>
+                  <a:schemeClr val="tx1">
+                    <a:tint val="75000"/>
+                  </a:schemeClr>
+                </a:solidFill>
+                <a:effectLst/>
+                <a:latin typeface="+mn-lt"/>
+                <a:ea typeface="+mn-ea"/>
+                <a:cs typeface="+mn-cs"/>
+              </a:defRPr>
+            </a:lvl4pPr>
+            <a:lvl5pPr marL="1828800" indent="0" algn="ctr" defTabSz="457200" rtl="0" eaLnBrk="1" latinLnBrk="0" hangingPunct="1">
+              <a:spcBef>
+                <a:spcPct val="20000"/>
+              </a:spcBef>
+              <a:spcAft>
+                <a:spcPts val="600"/>
+              </a:spcAft>
+              <a:buClr>
+                <a:schemeClr val="accent1"/>
+              </a:buClr>
+              <a:buSzPct val="115000"/>
+              <a:buFont typeface="Arial"/>
+              <a:buNone/>
+              <a:defRPr sz="1400" kern="1200" cap="none">
+                <a:solidFill>
+                  <a:schemeClr val="tx1">
+                    <a:tint val="75000"/>
+                  </a:schemeClr>
+                </a:solidFill>
+                <a:effectLst/>
+                <a:latin typeface="+mn-lt"/>
+                <a:ea typeface="+mn-ea"/>
+                <a:cs typeface="+mn-cs"/>
+              </a:defRPr>
+            </a:lvl5pPr>
+            <a:lvl6pPr marL="2286000" indent="0" algn="ctr" defTabSz="457200" rtl="0" eaLnBrk="1" latinLnBrk="0" hangingPunct="1">
+              <a:spcBef>
+                <a:spcPct val="20000"/>
+              </a:spcBef>
+              <a:spcAft>
+                <a:spcPts val="600"/>
+              </a:spcAft>
+              <a:buClr>
+                <a:schemeClr val="accent1"/>
+              </a:buClr>
+              <a:buSzPct val="115000"/>
+              <a:buFont typeface="Arial"/>
+              <a:buNone/>
+              <a:defRPr sz="1400" kern="1200" cap="none">
+                <a:solidFill>
+                  <a:schemeClr val="tx1">
+                    <a:tint val="75000"/>
+                  </a:schemeClr>
+                </a:solidFill>
+                <a:effectLst/>
+                <a:latin typeface="+mn-lt"/>
+                <a:ea typeface="+mn-ea"/>
+                <a:cs typeface="+mn-cs"/>
+              </a:defRPr>
+            </a:lvl6pPr>
+            <a:lvl7pPr marL="2743200" indent="0" algn="ctr" defTabSz="457200" rtl="0" eaLnBrk="1" latinLnBrk="0" hangingPunct="1">
+              <a:spcBef>
+                <a:spcPct val="20000"/>
+              </a:spcBef>
+              <a:spcAft>
+                <a:spcPts val="600"/>
+              </a:spcAft>
+              <a:buClr>
+                <a:schemeClr val="accent1"/>
+              </a:buClr>
+              <a:buSzPct val="115000"/>
+              <a:buFont typeface="Arial"/>
+              <a:buNone/>
+              <a:defRPr sz="1400" kern="1200" cap="none">
+                <a:solidFill>
+                  <a:schemeClr val="tx1">
+                    <a:tint val="75000"/>
+                  </a:schemeClr>
+                </a:solidFill>
+                <a:effectLst/>
+                <a:latin typeface="+mn-lt"/>
+                <a:ea typeface="+mn-ea"/>
+                <a:cs typeface="+mn-cs"/>
+              </a:defRPr>
+            </a:lvl7pPr>
+            <a:lvl8pPr marL="3200400" indent="0" algn="ctr" defTabSz="457200" rtl="0" eaLnBrk="1" latinLnBrk="0" hangingPunct="1">
+              <a:spcBef>
+                <a:spcPct val="20000"/>
+              </a:spcBef>
+              <a:spcAft>
+                <a:spcPts val="600"/>
+              </a:spcAft>
+              <a:buClr>
+                <a:schemeClr val="accent1"/>
+              </a:buClr>
+              <a:buSzPct val="115000"/>
+              <a:buFont typeface="Arial"/>
+              <a:buNone/>
+              <a:defRPr sz="1400" kern="1200" cap="none">
+                <a:solidFill>
+                  <a:schemeClr val="tx1">
+                    <a:tint val="75000"/>
+                  </a:schemeClr>
+                </a:solidFill>
+                <a:effectLst/>
+                <a:latin typeface="+mn-lt"/>
+                <a:ea typeface="+mn-ea"/>
+                <a:cs typeface="+mn-cs"/>
+              </a:defRPr>
+            </a:lvl8pPr>
+            <a:lvl9pPr marL="3657600" indent="0" algn="ctr" defTabSz="457200" rtl="0" eaLnBrk="1" latinLnBrk="0" hangingPunct="1">
+              <a:spcBef>
+                <a:spcPct val="20000"/>
+              </a:spcBef>
+              <a:spcAft>
+                <a:spcPts val="600"/>
+              </a:spcAft>
+              <a:buClr>
+                <a:schemeClr val="accent1"/>
+              </a:buClr>
+              <a:buSzPct val="115000"/>
+              <a:buFont typeface="Arial"/>
+              <a:buNone/>
+              <a:defRPr sz="1400" kern="1200" cap="none">
+                <a:solidFill>
+                  <a:schemeClr val="tx1">
+                    <a:tint val="75000"/>
+                  </a:schemeClr>
+                </a:solidFill>
+                <a:effectLst/>
+                <a:latin typeface="+mn-lt"/>
+                <a:ea typeface="+mn-ea"/>
+                <a:cs typeface="+mn-cs"/>
+              </a:defRPr>
+            </a:lvl9pPr>
+          </a:lstStyle>
+          <a:p>
+            <a:pPr algn="l"/>
+            <a:r>
+              <a:rPr lang="pl-PL" sz="2000" dirty="0">
+                <a:latin typeface="Aptos" panose="020B0004020202020204" pitchFamily="34" charset="0"/>
+                <a:cs typeface="Calibri"/>
+              </a:rPr>
+              <a:t>Michał</a:t>
+            </a:r>
+            <a:r>
+              <a:rPr lang="pl-PL" sz="2200" dirty="0">
+                <a:latin typeface="Aptos" panose="020B0004020202020204" pitchFamily="34" charset="0"/>
+                <a:cs typeface="Calibri"/>
+              </a:rPr>
+              <a:t> Nizioł, Michał Zelek</a:t>
+            </a:r>
+            <a:endParaRPr lang="pl-PL" sz="2200" dirty="0">
+              <a:latin typeface="Aptos" panose="020B0004020202020204" pitchFamily="34" charset="0"/>
+            </a:endParaRPr>
+          </a:p>
+        </p:txBody>
+      </p:sp>
+      <p:sp>
+        <p:nvSpPr>
+          <p:cNvPr id="12" name="Tytuł 1">
+            <a:extLst>
+              <a:ext uri="{FF2B5EF4-FFF2-40B4-BE49-F238E27FC236}">
+                <a16:creationId xmlns:a16="http://schemas.microsoft.com/office/drawing/2014/main" id="{EE59B244-8569-90BD-2558-9E9BE9B6DDFE}"/>
+              </a:ext>
+            </a:extLst>
+          </p:cNvPr>
+          <p:cNvSpPr>
+            <a:spLocks noGrp="1"/>
+          </p:cNvSpPr>
+          <p:nvPr>
+            <p:ph type="ctrTitle"/>
+          </p:nvPr>
+        </p:nvSpPr>
+        <p:spPr>
+          <a:xfrm>
+            <a:off x="2692400" y="1871663"/>
+            <a:ext cx="6815138" cy="1514475"/>
+          </a:xfrm>
+        </p:spPr>
+        <p:txBody>
+          <a:bodyPr anchor="t">
+            <a:normAutofit fontScale="90000"/>
+          </a:bodyPr>
+          <a:lstStyle/>
+          <a:p>
+            <a:r>
+              <a:rPr lang="pl-PL" sz="5000" b="1" dirty="0">
+                <a:latin typeface="Calibri"/>
+                <a:cs typeface="Calibri"/>
+              </a:rPr>
+              <a:t>Self-</a:t>
+            </a:r>
+            <a:r>
+              <a:rPr lang="pl-PL" sz="5000" b="1" dirty="0" err="1">
+                <a:latin typeface="Calibri"/>
+                <a:cs typeface="Calibri"/>
+              </a:rPr>
+              <a:t>driving</a:t>
+            </a:r>
+            <a:r>
+              <a:rPr lang="pl-PL" sz="5000" b="1" dirty="0">
+                <a:latin typeface="Calibri"/>
+                <a:cs typeface="Calibri"/>
+              </a:rPr>
+              <a:t> tank </a:t>
+            </a:r>
+            <a:br>
+              <a:rPr lang="pl-PL" sz="5000" b="1" dirty="0">
+                <a:latin typeface="Calibri"/>
+                <a:cs typeface="Calibri"/>
+              </a:rPr>
+            </a:br>
+            <a:r>
+              <a:rPr lang="pl-PL" sz="5000" b="1" dirty="0">
+                <a:latin typeface="Calibri"/>
+                <a:cs typeface="Calibri"/>
+              </a:rPr>
+              <a:t>- </a:t>
+            </a:r>
+            <a:r>
+              <a:rPr lang="pl-PL" sz="5000" b="1" dirty="0" err="1">
+                <a:latin typeface="Calibri"/>
+                <a:cs typeface="Calibri"/>
+              </a:rPr>
+              <a:t>roadmap</a:t>
+            </a:r>
+            <a:endParaRPr lang="pl-PL" sz="5000" dirty="0"/>
+          </a:p>
+        </p:txBody>
+      </p:sp>
     </p:spTree>
     <p:extLst>
       <p:ext uri="{BB962C8B-B14F-4D97-AF65-F5344CB8AC3E}">
@@ -5144,6 +10338,1052 @@
     <p:extLst>
       <p:ext uri="{BB962C8B-B14F-4D97-AF65-F5344CB8AC3E}">
         <p14:creationId xmlns:p14="http://schemas.microsoft.com/office/powerpoint/2010/main" val="3491807677"/>
+      </p:ext>
+    </p:extLst>
+  </p:cSld>
+  <p:clrMapOvr>
+    <a:masterClrMapping/>
+  </p:clrMapOvr>
+</p:sld>
+</file>
+
+<file path=ppt/slides/slide3.xml><?xml version="1.0" encoding="utf-8"?>
+<p:sld xmlns:a="http://schemas.openxmlformats.org/drawingml/2006/main" xmlns:r="http://schemas.openxmlformats.org/officeDocument/2006/relationships" xmlns:p="http://schemas.openxmlformats.org/presentationml/2006/main">
+  <p:cSld>
+    <p:bg>
+      <p:bgPr>
+        <a:solidFill>
+          <a:schemeClr val="bg1"/>
+        </a:solidFill>
+        <a:effectLst/>
+      </p:bgPr>
+    </p:bg>
+    <p:spTree>
+      <p:nvGrpSpPr>
+        <p:cNvPr id="1" name="">
+          <a:extLst>
+            <a:ext uri="{FF2B5EF4-FFF2-40B4-BE49-F238E27FC236}">
+              <a16:creationId xmlns:a16="http://schemas.microsoft.com/office/drawing/2014/main" id="{00BFA723-15A7-6F6B-09A9-1F66631E640C}"/>
+            </a:ext>
+          </a:extLst>
+        </p:cNvPr>
+        <p:cNvGrpSpPr/>
+        <p:nvPr/>
+      </p:nvGrpSpPr>
+      <p:grpSpPr>
+        <a:xfrm>
+          <a:off x="0" y="0"/>
+          <a:ext cx="0" cy="0"/>
+          <a:chOff x="0" y="0"/>
+          <a:chExt cx="0" cy="0"/>
+        </a:xfrm>
+      </p:grpSpPr>
+      <p:sp useBgFill="1">
+        <p:nvSpPr>
+          <p:cNvPr id="8" name="Rectangle 7">
+            <a:extLst>
+              <a:ext uri="{FF2B5EF4-FFF2-40B4-BE49-F238E27FC236}">
+                <a16:creationId xmlns:a16="http://schemas.microsoft.com/office/drawing/2014/main" id="{6FC4C678-C175-47B9-C43F-372E279A5641}"/>
+              </a:ext>
+              <a:ext uri="{C183D7F6-B498-43B3-948B-1728B52AA6E4}">
+                <adec:decorative xmlns:adec="http://schemas.microsoft.com/office/drawing/2017/decorative" val="1"/>
+              </a:ext>
+            </a:extLst>
+          </p:cNvPr>
+          <p:cNvSpPr>
+            <a:spLocks noGrp="1" noRot="1" noChangeAspect="1" noMove="1" noResize="1" noEditPoints="1" noAdjustHandles="1" noChangeArrowheads="1" noChangeShapeType="1" noTextEdit="1"/>
+          </p:cNvSpPr>
+          <p:nvPr>
+            <p:extLst>
+              <p:ext uri="{386F3935-93C4-4BCD-93E2-E3B085C9AB24}">
+                <p16:designElem xmlns:p16="http://schemas.microsoft.com/office/powerpoint/2015/main" val="1"/>
+              </p:ext>
+            </p:extLst>
+          </p:nvPr>
+        </p:nvSpPr>
+        <p:spPr>
+          <a:xfrm>
+            <a:off x="0" y="0"/>
+            <a:ext cx="12192000" cy="6858000"/>
+          </a:xfrm>
+          <a:prstGeom prst="rect">
+            <a:avLst/>
+          </a:prstGeom>
+          <a:ln w="12700" cap="flat" cmpd="sng" algn="ctr">
+            <a:noFill/>
+            <a:prstDash val="solid"/>
+            <a:miter lim="800000"/>
+          </a:ln>
+          <a:effectLst/>
+          <a:extLst>
+            <a:ext uri="{91240B29-F687-4F45-9708-019B960494DF}">
+              <a14:hiddenLine xmlns:a14="http://schemas.microsoft.com/office/drawing/2010/main" w="12700" cap="flat" cmpd="sng" algn="ctr">
+                <a:solidFill>
+                  <a:schemeClr val="accent1">
+                    <a:shade val="50000"/>
+                  </a:schemeClr>
+                </a:solidFill>
+                <a:prstDash val="solid"/>
+                <a:miter lim="800000"/>
+              </a14:hiddenLine>
+            </a:ext>
+          </a:extLst>
+        </p:spPr>
+        <p:style>
+          <a:lnRef idx="2">
+            <a:schemeClr val="accent1">
+              <a:shade val="50000"/>
+            </a:schemeClr>
+          </a:lnRef>
+          <a:fillRef idx="1">
+            <a:schemeClr val="accent1"/>
+          </a:fillRef>
+          <a:effectRef idx="0">
+            <a:schemeClr val="accent1"/>
+          </a:effectRef>
+          <a:fontRef idx="minor">
+            <a:schemeClr val="lt1"/>
+          </a:fontRef>
+        </p:style>
+        <p:txBody>
+          <a:bodyPr rtlCol="0" anchor="ctr"/>
+          <a:lstStyle/>
+          <a:p>
+            <a:pPr algn="ctr"/>
+            <a:endParaRPr lang="en-US"/>
+          </a:p>
+        </p:txBody>
+      </p:sp>
+      <p:sp>
+        <p:nvSpPr>
+          <p:cNvPr id="10" name="Rectangle 9">
+            <a:extLst>
+              <a:ext uri="{FF2B5EF4-FFF2-40B4-BE49-F238E27FC236}">
+                <a16:creationId xmlns:a16="http://schemas.microsoft.com/office/drawing/2014/main" id="{83744DAE-86BD-40C1-BCBA-FA8252658729}"/>
+              </a:ext>
+              <a:ext uri="{C183D7F6-B498-43B3-948B-1728B52AA6E4}">
+                <adec:decorative xmlns:adec="http://schemas.microsoft.com/office/drawing/2017/decorative" val="1"/>
+              </a:ext>
+            </a:extLst>
+          </p:cNvPr>
+          <p:cNvSpPr>
+            <a:spLocks noGrp="1" noRot="1" noChangeAspect="1" noMove="1" noResize="1" noEditPoints="1" noAdjustHandles="1" noChangeArrowheads="1" noChangeShapeType="1" noTextEdit="1"/>
+          </p:cNvSpPr>
+          <p:nvPr>
+            <p:extLst>
+              <p:ext uri="{386F3935-93C4-4BCD-93E2-E3B085C9AB24}">
+                <p16:designElem xmlns:p16="http://schemas.microsoft.com/office/powerpoint/2015/main" val="1"/>
+              </p:ext>
+            </p:extLst>
+          </p:nvPr>
+        </p:nvSpPr>
+        <p:spPr>
+          <a:xfrm flipH="1">
+            <a:off x="-1" y="-1"/>
+            <a:ext cx="12191998" cy="1590742"/>
+          </a:xfrm>
+          <a:prstGeom prst="rect">
+            <a:avLst/>
+          </a:prstGeom>
+          <a:gradFill>
+            <a:gsLst>
+              <a:gs pos="0">
+                <a:srgbClr val="000000"/>
+              </a:gs>
+              <a:gs pos="100000">
+                <a:schemeClr val="accent1">
+                  <a:lumMod val="75000"/>
+                </a:schemeClr>
+              </a:gs>
+            </a:gsLst>
+            <a:lin ang="8400000" scaled="0"/>
+          </a:gradFill>
+          <a:ln>
+            <a:noFill/>
+          </a:ln>
+        </p:spPr>
+        <p:style>
+          <a:lnRef idx="2">
+            <a:schemeClr val="accent1">
+              <a:shade val="50000"/>
+            </a:schemeClr>
+          </a:lnRef>
+          <a:fillRef idx="1">
+            <a:schemeClr val="accent1"/>
+          </a:fillRef>
+          <a:effectRef idx="0">
+            <a:schemeClr val="accent1"/>
+          </a:effectRef>
+          <a:fontRef idx="minor">
+            <a:schemeClr val="lt1"/>
+          </a:fontRef>
+        </p:style>
+        <p:txBody>
+          <a:bodyPr rtlCol="0" anchor="ctr"/>
+          <a:lstStyle/>
+          <a:p>
+            <a:pPr algn="ctr"/>
+            <a:endParaRPr lang="en-US"/>
+          </a:p>
+        </p:txBody>
+      </p:sp>
+      <p:sp>
+        <p:nvSpPr>
+          <p:cNvPr id="12" name="Rectangle 11">
+            <a:extLst>
+              <a:ext uri="{FF2B5EF4-FFF2-40B4-BE49-F238E27FC236}">
+                <a16:creationId xmlns:a16="http://schemas.microsoft.com/office/drawing/2014/main" id="{7D0C2B3B-FCCD-E208-CD48-08323BB4EF90}"/>
+              </a:ext>
+              <a:ext uri="{C183D7F6-B498-43B3-948B-1728B52AA6E4}">
+                <adec:decorative xmlns:adec="http://schemas.microsoft.com/office/drawing/2017/decorative" val="1"/>
+              </a:ext>
+            </a:extLst>
+          </p:cNvPr>
+          <p:cNvSpPr>
+            <a:spLocks noGrp="1" noRot="1" noChangeAspect="1" noMove="1" noResize="1" noEditPoints="1" noAdjustHandles="1" noChangeArrowheads="1" noChangeShapeType="1" noTextEdit="1"/>
+          </p:cNvSpPr>
+          <p:nvPr>
+            <p:extLst>
+              <p:ext uri="{386F3935-93C4-4BCD-93E2-E3B085C9AB24}">
+                <p16:designElem xmlns:p16="http://schemas.microsoft.com/office/powerpoint/2015/main" val="1"/>
+              </p:ext>
+            </p:extLst>
+          </p:nvPr>
+        </p:nvSpPr>
+        <p:spPr>
+          <a:xfrm rot="10800000" flipH="1">
+            <a:off x="-3" y="0"/>
+            <a:ext cx="8115306" cy="1590742"/>
+          </a:xfrm>
+          <a:prstGeom prst="rect">
+            <a:avLst/>
+          </a:prstGeom>
+          <a:gradFill>
+            <a:gsLst>
+              <a:gs pos="20000">
+                <a:schemeClr val="accent1">
+                  <a:alpha val="0"/>
+                </a:schemeClr>
+              </a:gs>
+              <a:gs pos="100000">
+                <a:schemeClr val="accent1">
+                  <a:lumMod val="50000"/>
+                  <a:alpha val="55000"/>
+                </a:schemeClr>
+              </a:gs>
+            </a:gsLst>
+            <a:lin ang="13800000" scaled="0"/>
+          </a:gradFill>
+          <a:ln>
+            <a:noFill/>
+          </a:ln>
+        </p:spPr>
+        <p:style>
+          <a:lnRef idx="2">
+            <a:schemeClr val="accent1">
+              <a:shade val="50000"/>
+            </a:schemeClr>
+          </a:lnRef>
+          <a:fillRef idx="1">
+            <a:schemeClr val="accent1"/>
+          </a:fillRef>
+          <a:effectRef idx="0">
+            <a:schemeClr val="accent1"/>
+          </a:effectRef>
+          <a:fontRef idx="minor">
+            <a:schemeClr val="lt1"/>
+          </a:fontRef>
+        </p:style>
+        <p:txBody>
+          <a:bodyPr rtlCol="0" anchor="ctr"/>
+          <a:lstStyle/>
+          <a:p>
+            <a:pPr algn="ctr"/>
+            <a:endParaRPr lang="en-US"/>
+          </a:p>
+        </p:txBody>
+      </p:sp>
+      <p:sp>
+        <p:nvSpPr>
+          <p:cNvPr id="14" name="Rectangle 13">
+            <a:extLst>
+              <a:ext uri="{FF2B5EF4-FFF2-40B4-BE49-F238E27FC236}">
+                <a16:creationId xmlns:a16="http://schemas.microsoft.com/office/drawing/2014/main" id="{28AAC23F-0491-D19B-FA0C-9E35F60F1DBE}"/>
+              </a:ext>
+              <a:ext uri="{C183D7F6-B498-43B3-948B-1728B52AA6E4}">
+                <adec:decorative xmlns:adec="http://schemas.microsoft.com/office/drawing/2017/decorative" val="1"/>
+              </a:ext>
+            </a:extLst>
+          </p:cNvPr>
+          <p:cNvSpPr>
+            <a:spLocks noGrp="1" noRot="1" noChangeAspect="1" noMove="1" noResize="1" noEditPoints="1" noAdjustHandles="1" noChangeArrowheads="1" noChangeShapeType="1" noTextEdit="1"/>
+          </p:cNvSpPr>
+          <p:nvPr>
+            <p:extLst>
+              <p:ext uri="{386F3935-93C4-4BCD-93E2-E3B085C9AB24}">
+                <p16:designElem xmlns:p16="http://schemas.microsoft.com/office/powerpoint/2015/main" val="1"/>
+              </p:ext>
+            </p:extLst>
+          </p:nvPr>
+        </p:nvSpPr>
+        <p:spPr>
+          <a:xfrm flipH="1">
+            <a:off x="8115299" y="-1"/>
+            <a:ext cx="4076698" cy="1590742"/>
+          </a:xfrm>
+          <a:prstGeom prst="rect">
+            <a:avLst/>
+          </a:prstGeom>
+          <a:gradFill>
+            <a:gsLst>
+              <a:gs pos="0">
+                <a:schemeClr val="accent1">
+                  <a:alpha val="66000"/>
+                </a:schemeClr>
+              </a:gs>
+              <a:gs pos="100000">
+                <a:srgbClr val="000000">
+                  <a:alpha val="30000"/>
+                </a:srgbClr>
+              </a:gs>
+            </a:gsLst>
+            <a:lin ang="13200000" scaled="0"/>
+          </a:gradFill>
+          <a:ln>
+            <a:noFill/>
+          </a:ln>
+        </p:spPr>
+        <p:style>
+          <a:lnRef idx="2">
+            <a:schemeClr val="accent1">
+              <a:shade val="50000"/>
+            </a:schemeClr>
+          </a:lnRef>
+          <a:fillRef idx="1">
+            <a:schemeClr val="accent1"/>
+          </a:fillRef>
+          <a:effectRef idx="0">
+            <a:schemeClr val="accent1"/>
+          </a:effectRef>
+          <a:fontRef idx="minor">
+            <a:schemeClr val="lt1"/>
+          </a:fontRef>
+        </p:style>
+        <p:txBody>
+          <a:bodyPr rtlCol="0" anchor="ctr"/>
+          <a:lstStyle/>
+          <a:p>
+            <a:pPr algn="ctr"/>
+            <a:endParaRPr lang="en-US"/>
+          </a:p>
+        </p:txBody>
+      </p:sp>
+      <p:sp>
+        <p:nvSpPr>
+          <p:cNvPr id="16" name="Rectangle 15">
+            <a:extLst>
+              <a:ext uri="{FF2B5EF4-FFF2-40B4-BE49-F238E27FC236}">
+                <a16:creationId xmlns:a16="http://schemas.microsoft.com/office/drawing/2014/main" id="{BFAA8D00-1DC7-1196-8054-EF34F02395E5}"/>
+              </a:ext>
+              <a:ext uri="{C183D7F6-B498-43B3-948B-1728B52AA6E4}">
+                <adec:decorative xmlns:adec="http://schemas.microsoft.com/office/drawing/2017/decorative" val="1"/>
+              </a:ext>
+            </a:extLst>
+          </p:cNvPr>
+          <p:cNvSpPr>
+            <a:spLocks noGrp="1" noRot="1" noChangeAspect="1" noMove="1" noResize="1" noEditPoints="1" noAdjustHandles="1" noChangeArrowheads="1" noChangeShapeType="1" noTextEdit="1"/>
+          </p:cNvSpPr>
+          <p:nvPr>
+            <p:extLst>
+              <p:ext uri="{386F3935-93C4-4BCD-93E2-E3B085C9AB24}">
+                <p16:designElem xmlns:p16="http://schemas.microsoft.com/office/powerpoint/2015/main" val="1"/>
+              </p:ext>
+            </p:extLst>
+          </p:nvPr>
+        </p:nvSpPr>
+        <p:spPr>
+          <a:xfrm>
+            <a:off x="459350" y="-1"/>
+            <a:ext cx="11732646" cy="1597433"/>
+          </a:xfrm>
+          <a:prstGeom prst="rect">
+            <a:avLst/>
+          </a:prstGeom>
+          <a:gradFill>
+            <a:gsLst>
+              <a:gs pos="50000">
+                <a:srgbClr val="000000">
+                  <a:alpha val="0"/>
+                </a:srgbClr>
+              </a:gs>
+              <a:gs pos="99000">
+                <a:schemeClr val="accent1">
+                  <a:lumMod val="50000"/>
+                  <a:alpha val="52000"/>
+                </a:schemeClr>
+              </a:gs>
+            </a:gsLst>
+            <a:lin ang="16800000" scaled="0"/>
+          </a:gradFill>
+          <a:ln>
+            <a:noFill/>
+          </a:ln>
+        </p:spPr>
+        <p:style>
+          <a:lnRef idx="2">
+            <a:schemeClr val="accent1">
+              <a:shade val="50000"/>
+            </a:schemeClr>
+          </a:lnRef>
+          <a:fillRef idx="1">
+            <a:schemeClr val="accent1"/>
+          </a:fillRef>
+          <a:effectRef idx="0">
+            <a:schemeClr val="accent1"/>
+          </a:effectRef>
+          <a:fontRef idx="minor">
+            <a:schemeClr val="lt1"/>
+          </a:fontRef>
+        </p:style>
+        <p:txBody>
+          <a:bodyPr rtlCol="0" anchor="ctr"/>
+          <a:lstStyle/>
+          <a:p>
+            <a:pPr algn="ctr"/>
+            <a:endParaRPr lang="en-US"/>
+          </a:p>
+        </p:txBody>
+      </p:sp>
+      <p:sp>
+        <p:nvSpPr>
+          <p:cNvPr id="2" name="Tytuł 1">
+            <a:extLst>
+              <a:ext uri="{FF2B5EF4-FFF2-40B4-BE49-F238E27FC236}">
+                <a16:creationId xmlns:a16="http://schemas.microsoft.com/office/drawing/2014/main" id="{D06F8338-814B-0C25-A60D-1B44C34EA9D5}"/>
+              </a:ext>
+            </a:extLst>
+          </p:cNvPr>
+          <p:cNvSpPr>
+            <a:spLocks noGrp="1"/>
+          </p:cNvSpPr>
+          <p:nvPr>
+            <p:ph type="title"/>
+          </p:nvPr>
+        </p:nvSpPr>
+        <p:spPr>
+          <a:xfrm>
+            <a:off x="1371599" y="294538"/>
+            <a:ext cx="9895951" cy="1033669"/>
+          </a:xfrm>
+        </p:spPr>
+        <p:txBody>
+          <a:bodyPr>
+            <a:normAutofit fontScale="90000"/>
+          </a:bodyPr>
+          <a:lstStyle/>
+          <a:p>
+            <a:r>
+              <a:rPr lang="pl-PL" sz="4000" b="1" dirty="0">
+                <a:solidFill>
+                  <a:srgbClr val="FFFFFF"/>
+                </a:solidFill>
+                <a:cs typeface="Calibri Light"/>
+              </a:rPr>
+              <a:t>Sprint no. 2 – </a:t>
+            </a:r>
+            <a:r>
+              <a:rPr lang="pl-PL" sz="4000" b="1" dirty="0" err="1">
+                <a:solidFill>
+                  <a:srgbClr val="FFFFFF"/>
+                </a:solidFill>
+                <a:cs typeface="Calibri Light"/>
+              </a:rPr>
+              <a:t>new</a:t>
+            </a:r>
+            <a:r>
+              <a:rPr lang="pl-PL" sz="4000" b="1" dirty="0">
+                <a:solidFill>
+                  <a:srgbClr val="FFFFFF"/>
+                </a:solidFill>
+                <a:cs typeface="Calibri Light"/>
+              </a:rPr>
+              <a:t> </a:t>
+            </a:r>
+            <a:r>
+              <a:rPr lang="pl-PL" sz="4000" b="1" dirty="0" err="1">
+                <a:solidFill>
+                  <a:srgbClr val="FFFFFF"/>
+                </a:solidFill>
+                <a:cs typeface="Calibri Light"/>
+              </a:rPr>
+              <a:t>functionalities</a:t>
+            </a:r>
+            <a:r>
+              <a:rPr lang="pl-PL" sz="4000" b="1" dirty="0">
+                <a:solidFill>
+                  <a:srgbClr val="FFFFFF"/>
+                </a:solidFill>
+                <a:cs typeface="Calibri Light"/>
+              </a:rPr>
+              <a:t> (</a:t>
+            </a:r>
+            <a:r>
+              <a:rPr lang="pl-PL" sz="4000" b="1" dirty="0" err="1">
+                <a:solidFill>
+                  <a:srgbClr val="FFFFFF"/>
+                </a:solidFill>
+                <a:cs typeface="Calibri Light"/>
+              </a:rPr>
+              <a:t>ultrasound</a:t>
+            </a:r>
+            <a:r>
+              <a:rPr lang="pl-PL" sz="4000" b="1" dirty="0">
+                <a:solidFill>
+                  <a:srgbClr val="FFFFFF"/>
+                </a:solidFill>
+                <a:cs typeface="Calibri Light"/>
+              </a:rPr>
+              <a:t> sensor, laser sensor, </a:t>
+            </a:r>
+            <a:r>
+              <a:rPr lang="pl-PL" sz="4000" b="1" dirty="0" err="1">
+                <a:solidFill>
+                  <a:srgbClr val="FFFFFF"/>
+                </a:solidFill>
+                <a:cs typeface="Calibri Light"/>
+              </a:rPr>
+              <a:t>servo</a:t>
+            </a:r>
+            <a:r>
+              <a:rPr lang="pl-PL" sz="4000" b="1" dirty="0">
+                <a:solidFill>
+                  <a:srgbClr val="FFFFFF"/>
+                </a:solidFill>
+                <a:cs typeface="Calibri Light"/>
+              </a:rPr>
+              <a:t>, RFID module)</a:t>
+            </a:r>
+            <a:endParaRPr lang="pl-PL" sz="4000" b="1" dirty="0">
+              <a:solidFill>
+                <a:srgbClr val="FFFFFF"/>
+              </a:solidFill>
+            </a:endParaRPr>
+          </a:p>
+        </p:txBody>
+      </p:sp>
+      <p:sp>
+        <p:nvSpPr>
+          <p:cNvPr id="3" name="Symbol zastępczy zawartości 2">
+            <a:extLst>
+              <a:ext uri="{FF2B5EF4-FFF2-40B4-BE49-F238E27FC236}">
+                <a16:creationId xmlns:a16="http://schemas.microsoft.com/office/drawing/2014/main" id="{28DA0351-7A6C-BAF1-6D1F-1801E3931C94}"/>
+              </a:ext>
+            </a:extLst>
+          </p:cNvPr>
+          <p:cNvSpPr>
+            <a:spLocks noGrp="1"/>
+          </p:cNvSpPr>
+          <p:nvPr>
+            <p:ph idx="1"/>
+          </p:nvPr>
+        </p:nvSpPr>
+        <p:spPr>
+          <a:xfrm>
+            <a:off x="1550340" y="1748779"/>
+            <a:ext cx="9724031" cy="4064792"/>
+          </a:xfrm>
+        </p:spPr>
+        <p:txBody>
+          <a:bodyPr anchor="ctr">
+            <a:normAutofit/>
+          </a:bodyPr>
+          <a:lstStyle/>
+          <a:p>
+            <a:pPr>
+              <a:buFont typeface="Wingdings" pitchFamily="2" charset="2"/>
+              <a:buChar char="§"/>
+            </a:pPr>
+            <a:r>
+              <a:rPr lang="pl-PL" sz="2400" dirty="0">
+                <a:cs typeface="Calibri"/>
+              </a:rPr>
+              <a:t>Object </a:t>
+            </a:r>
+            <a:r>
+              <a:rPr lang="pl-PL" sz="2400" dirty="0" err="1">
+                <a:cs typeface="Calibri"/>
+              </a:rPr>
+              <a:t>detection</a:t>
+            </a:r>
+            <a:r>
+              <a:rPr lang="pl-PL" sz="2400" dirty="0">
+                <a:cs typeface="Calibri"/>
+              </a:rPr>
+              <a:t> -&gt; </a:t>
+            </a:r>
+            <a:r>
+              <a:rPr lang="pl-PL" sz="2400" dirty="0" err="1">
+                <a:cs typeface="Calibri"/>
+              </a:rPr>
+              <a:t>checking</a:t>
+            </a:r>
+            <a:r>
+              <a:rPr lang="pl-PL" sz="2400" dirty="0">
+                <a:cs typeface="Calibri"/>
+              </a:rPr>
+              <a:t> </a:t>
+            </a:r>
+            <a:r>
+              <a:rPr lang="pl-PL" sz="2400" dirty="0" err="1">
+                <a:cs typeface="Calibri"/>
+              </a:rPr>
+              <a:t>distance</a:t>
+            </a:r>
+            <a:r>
+              <a:rPr lang="pl-PL" sz="2400" dirty="0">
+                <a:cs typeface="Calibri"/>
+              </a:rPr>
+              <a:t> from </a:t>
+            </a:r>
+            <a:r>
+              <a:rPr lang="pl-PL" sz="2400" dirty="0" err="1">
+                <a:cs typeface="Calibri"/>
+              </a:rPr>
+              <a:t>ultrasound</a:t>
+            </a:r>
+            <a:r>
+              <a:rPr lang="pl-PL" sz="2400" dirty="0">
+                <a:cs typeface="Calibri"/>
+              </a:rPr>
+              <a:t> sensor and </a:t>
+            </a:r>
+            <a:r>
+              <a:rPr lang="pl-PL" sz="2400" dirty="0" err="1">
+                <a:cs typeface="Calibri"/>
+              </a:rPr>
+              <a:t>moving</a:t>
+            </a:r>
+            <a:r>
+              <a:rPr lang="pl-PL" sz="2400" dirty="0">
+                <a:cs typeface="Calibri"/>
+              </a:rPr>
+              <a:t> </a:t>
+            </a:r>
+            <a:r>
+              <a:rPr lang="pl-PL" sz="2400" dirty="0" err="1">
+                <a:cs typeface="Calibri"/>
+              </a:rPr>
+              <a:t>away</a:t>
+            </a:r>
+            <a:r>
+              <a:rPr lang="pl-PL" sz="2400" dirty="0">
+                <a:cs typeface="Calibri"/>
+              </a:rPr>
+              <a:t> from </a:t>
+            </a:r>
+            <a:r>
+              <a:rPr lang="pl-PL" sz="2400" dirty="0" err="1">
+                <a:cs typeface="Calibri"/>
+              </a:rPr>
+              <a:t>detected</a:t>
+            </a:r>
+            <a:r>
+              <a:rPr lang="pl-PL" sz="2400" dirty="0">
+                <a:cs typeface="Calibri"/>
+              </a:rPr>
+              <a:t> </a:t>
+            </a:r>
+            <a:r>
+              <a:rPr lang="pl-PL" sz="2400" dirty="0" err="1">
+                <a:cs typeface="Calibri"/>
+              </a:rPr>
+              <a:t>object</a:t>
+            </a:r>
+            <a:endParaRPr lang="pl-PL" sz="2400" dirty="0">
+              <a:cs typeface="Calibri"/>
+            </a:endParaRPr>
+          </a:p>
+          <a:p>
+            <a:pPr>
+              <a:buFont typeface="Wingdings" pitchFamily="2" charset="2"/>
+              <a:buChar char="§"/>
+            </a:pPr>
+            <a:r>
+              <a:rPr lang="pl-PL" sz="2400" dirty="0" err="1">
+                <a:cs typeface="Calibri"/>
+              </a:rPr>
+              <a:t>Servo</a:t>
+            </a:r>
+            <a:r>
+              <a:rPr lang="pl-PL" sz="2400" dirty="0">
+                <a:cs typeface="Calibri"/>
+              </a:rPr>
+              <a:t> -&gt; with </a:t>
+            </a:r>
+            <a:r>
+              <a:rPr lang="pl-PL" sz="2400" dirty="0" err="1">
+                <a:cs typeface="Calibri"/>
+              </a:rPr>
+              <a:t>installed</a:t>
+            </a:r>
+            <a:r>
+              <a:rPr lang="pl-PL" sz="2400" dirty="0">
+                <a:cs typeface="Calibri"/>
+              </a:rPr>
+              <a:t> laser sensor </a:t>
+            </a:r>
+            <a:r>
+              <a:rPr lang="pl-PL" sz="2400" dirty="0" err="1">
+                <a:cs typeface="Calibri"/>
+              </a:rPr>
+              <a:t>rotating</a:t>
+            </a:r>
+            <a:r>
+              <a:rPr lang="pl-PL" sz="2400" dirty="0">
+                <a:cs typeface="Calibri"/>
+              </a:rPr>
+              <a:t> from 0 to 180 </a:t>
+            </a:r>
+            <a:r>
+              <a:rPr lang="pl-PL" sz="2400" dirty="0" err="1">
+                <a:cs typeface="Calibri"/>
+              </a:rPr>
+              <a:t>degrees</a:t>
+            </a:r>
+            <a:r>
+              <a:rPr lang="pl-PL" sz="2400" dirty="0">
+                <a:cs typeface="Calibri"/>
+              </a:rPr>
+              <a:t> and </a:t>
+            </a:r>
+            <a:r>
+              <a:rPr lang="pl-PL" sz="2400" dirty="0" err="1">
+                <a:cs typeface="Calibri"/>
+              </a:rPr>
+              <a:t>back</a:t>
+            </a:r>
+            <a:r>
+              <a:rPr lang="pl-PL" sz="2400" dirty="0">
+                <a:cs typeface="Calibri"/>
+              </a:rPr>
+              <a:t> to </a:t>
+            </a:r>
+            <a:r>
+              <a:rPr lang="pl-PL" sz="2400" dirty="0" err="1">
+                <a:cs typeface="Calibri"/>
+              </a:rPr>
+              <a:t>scan</a:t>
+            </a:r>
+            <a:r>
+              <a:rPr lang="pl-PL" sz="2400" dirty="0">
+                <a:cs typeface="Calibri"/>
+              </a:rPr>
+              <a:t> </a:t>
+            </a:r>
+            <a:r>
+              <a:rPr lang="pl-PL" sz="2400" dirty="0" err="1">
+                <a:cs typeface="Calibri"/>
+              </a:rPr>
+              <a:t>surroundings</a:t>
+            </a:r>
+            <a:r>
+              <a:rPr lang="pl-PL" sz="2400" dirty="0">
+                <a:cs typeface="Calibri"/>
+              </a:rPr>
+              <a:t>   </a:t>
+            </a:r>
+          </a:p>
+          <a:p>
+            <a:pPr>
+              <a:buFont typeface="Wingdings" pitchFamily="2" charset="2"/>
+              <a:buChar char="§"/>
+            </a:pPr>
+            <a:r>
+              <a:rPr lang="pl-PL" sz="2400" dirty="0" err="1">
+                <a:cs typeface="Calibri"/>
+              </a:rPr>
+              <a:t>Sourrounding</a:t>
+            </a:r>
+            <a:r>
+              <a:rPr lang="pl-PL" sz="2400" dirty="0">
+                <a:cs typeface="Calibri"/>
+              </a:rPr>
+              <a:t> </a:t>
+            </a:r>
+            <a:r>
+              <a:rPr lang="pl-PL" sz="2400" dirty="0" err="1">
+                <a:cs typeface="Calibri"/>
+              </a:rPr>
+              <a:t>scan</a:t>
+            </a:r>
+            <a:r>
+              <a:rPr lang="pl-PL" sz="2400" dirty="0">
+                <a:cs typeface="Calibri"/>
+              </a:rPr>
+              <a:t> -&gt; </a:t>
+            </a:r>
+            <a:r>
+              <a:rPr lang="pl-PL" sz="2400" dirty="0" err="1">
+                <a:cs typeface="Calibri"/>
+              </a:rPr>
+              <a:t>checking</a:t>
+            </a:r>
+            <a:r>
+              <a:rPr lang="pl-PL" sz="2400" dirty="0">
+                <a:cs typeface="Calibri"/>
+              </a:rPr>
+              <a:t> data from </a:t>
+            </a:r>
+            <a:r>
+              <a:rPr lang="pt-BR" sz="2400" dirty="0">
+                <a:cs typeface="Calibri"/>
+              </a:rPr>
+              <a:t>VL53L0X</a:t>
+            </a:r>
+            <a:r>
+              <a:rPr lang="pl-PL" sz="2400" dirty="0">
+                <a:cs typeface="Calibri"/>
+              </a:rPr>
+              <a:t> and </a:t>
+            </a:r>
+            <a:r>
+              <a:rPr lang="pl-PL" sz="2400" dirty="0" err="1">
+                <a:cs typeface="Calibri"/>
+              </a:rPr>
+              <a:t>sending</a:t>
+            </a:r>
+            <a:r>
+              <a:rPr lang="pl-PL" sz="2400" dirty="0">
+                <a:cs typeface="Calibri"/>
+              </a:rPr>
+              <a:t> to esp32 </a:t>
+            </a:r>
+            <a:r>
+              <a:rPr lang="pl-PL" sz="2400" dirty="0" err="1">
+                <a:cs typeface="Calibri"/>
+              </a:rPr>
+              <a:t>which</a:t>
+            </a:r>
+            <a:r>
+              <a:rPr lang="pl-PL" sz="2400" dirty="0">
+                <a:cs typeface="Calibri"/>
+              </a:rPr>
+              <a:t> </a:t>
+            </a:r>
+            <a:r>
+              <a:rPr lang="pl-PL" sz="2400" dirty="0" err="1">
+                <a:cs typeface="Calibri"/>
+              </a:rPr>
+              <a:t>will</a:t>
+            </a:r>
+            <a:r>
+              <a:rPr lang="pl-PL" sz="2400" dirty="0">
+                <a:cs typeface="Calibri"/>
+              </a:rPr>
+              <a:t> be </a:t>
+            </a:r>
+            <a:r>
+              <a:rPr lang="pl-PL" sz="2400" dirty="0" err="1">
+                <a:cs typeface="Calibri"/>
+              </a:rPr>
+              <a:t>displayed</a:t>
+            </a:r>
+            <a:r>
+              <a:rPr lang="pl-PL" sz="2400" dirty="0">
+                <a:cs typeface="Calibri"/>
+              </a:rPr>
+              <a:t> on </a:t>
+            </a:r>
+            <a:r>
+              <a:rPr lang="pl-PL" sz="2400" dirty="0" err="1">
+                <a:cs typeface="Calibri"/>
+              </a:rPr>
+              <a:t>screen</a:t>
+            </a:r>
+            <a:endParaRPr lang="pl-PL" sz="2400" dirty="0">
+              <a:cs typeface="Calibri"/>
+            </a:endParaRPr>
+          </a:p>
+          <a:p>
+            <a:pPr>
+              <a:buFont typeface="Wingdings" pitchFamily="2" charset="2"/>
+              <a:buChar char="§"/>
+            </a:pPr>
+            <a:r>
+              <a:rPr lang="pl-PL" sz="2400" dirty="0" err="1">
+                <a:cs typeface="Calibri"/>
+              </a:rPr>
+              <a:t>Authorisation</a:t>
+            </a:r>
+            <a:r>
+              <a:rPr lang="pl-PL" sz="2400" dirty="0">
+                <a:cs typeface="Calibri"/>
+              </a:rPr>
+              <a:t> via RFID </a:t>
+            </a:r>
+            <a:r>
+              <a:rPr lang="pl-PL" sz="2400" dirty="0" err="1">
+                <a:cs typeface="Calibri"/>
+              </a:rPr>
+              <a:t>card</a:t>
+            </a:r>
+            <a:r>
+              <a:rPr lang="pl-PL" sz="2400" dirty="0">
+                <a:cs typeface="Calibri"/>
+              </a:rPr>
+              <a:t> -&gt; tank </a:t>
+            </a:r>
+            <a:r>
+              <a:rPr lang="pl-PL" sz="2400" dirty="0" err="1">
+                <a:cs typeface="Calibri"/>
+              </a:rPr>
+              <a:t>can</a:t>
+            </a:r>
+            <a:r>
+              <a:rPr lang="pl-PL" sz="2400" dirty="0">
+                <a:cs typeface="Calibri"/>
+              </a:rPr>
+              <a:t> be </a:t>
+            </a:r>
+            <a:r>
+              <a:rPr lang="pl-PL" sz="2400" dirty="0" err="1">
+                <a:cs typeface="Calibri"/>
+              </a:rPr>
+              <a:t>used</a:t>
+            </a:r>
+            <a:r>
+              <a:rPr lang="pl-PL" sz="2400" dirty="0">
+                <a:cs typeface="Calibri"/>
+              </a:rPr>
+              <a:t> </a:t>
+            </a:r>
+            <a:r>
+              <a:rPr lang="pl-PL" sz="2400" dirty="0" err="1">
+                <a:cs typeface="Calibri"/>
+              </a:rPr>
+              <a:t>only</a:t>
+            </a:r>
+            <a:r>
+              <a:rPr lang="pl-PL" sz="2400" dirty="0">
+                <a:cs typeface="Calibri"/>
+              </a:rPr>
+              <a:t> </a:t>
+            </a:r>
+            <a:r>
+              <a:rPr lang="pl-PL" sz="2400" dirty="0" err="1">
+                <a:cs typeface="Calibri"/>
+              </a:rPr>
+              <a:t>when</a:t>
+            </a:r>
+            <a:r>
+              <a:rPr lang="pl-PL" sz="2400" dirty="0">
+                <a:cs typeface="Calibri"/>
+              </a:rPr>
+              <a:t> </a:t>
+            </a:r>
+            <a:r>
+              <a:rPr lang="pt-BR" sz="2400" dirty="0">
+                <a:cs typeface="Calibri"/>
+              </a:rPr>
+              <a:t>RFID</a:t>
+            </a:r>
+            <a:r>
+              <a:rPr lang="pl-PL" sz="2400" dirty="0">
+                <a:cs typeface="Calibri"/>
+              </a:rPr>
+              <a:t> </a:t>
+            </a:r>
+            <a:r>
+              <a:rPr lang="pt-BR" sz="2400" dirty="0">
+                <a:cs typeface="Calibri"/>
+              </a:rPr>
+              <a:t>RC522 </a:t>
+            </a:r>
+            <a:r>
+              <a:rPr lang="pl-PL" sz="2400" dirty="0">
+                <a:cs typeface="Calibri"/>
+              </a:rPr>
+              <a:t>module </a:t>
+            </a:r>
+            <a:r>
+              <a:rPr lang="pl-PL" sz="2400" dirty="0" err="1">
+                <a:cs typeface="Calibri"/>
+              </a:rPr>
+              <a:t>will</a:t>
+            </a:r>
+            <a:r>
+              <a:rPr lang="pl-PL" sz="2400" dirty="0">
+                <a:cs typeface="Calibri"/>
+              </a:rPr>
+              <a:t> </a:t>
+            </a:r>
+            <a:r>
+              <a:rPr lang="pl-PL" sz="2400" dirty="0" err="1">
+                <a:cs typeface="Calibri"/>
+              </a:rPr>
+              <a:t>authorise</a:t>
+            </a:r>
+            <a:r>
+              <a:rPr lang="pl-PL" sz="2400" dirty="0">
+                <a:cs typeface="Calibri"/>
+              </a:rPr>
+              <a:t> </a:t>
+            </a:r>
+            <a:r>
+              <a:rPr lang="pl-PL" sz="2400" dirty="0" err="1">
+                <a:cs typeface="Calibri"/>
+              </a:rPr>
+              <a:t>user</a:t>
+            </a:r>
+            <a:endParaRPr lang="pl-PL" sz="2400" dirty="0">
+              <a:cs typeface="Calibri"/>
+            </a:endParaRPr>
+          </a:p>
+          <a:p>
+            <a:pPr>
+              <a:buFont typeface="Wingdings" pitchFamily="2" charset="2"/>
+              <a:buChar char="§"/>
+            </a:pPr>
+            <a:endParaRPr lang="pl-PL" sz="2400" dirty="0">
+              <a:cs typeface="Calibri"/>
+            </a:endParaRPr>
+          </a:p>
+        </p:txBody>
+      </p:sp>
+      <p:pic>
+        <p:nvPicPr>
+          <p:cNvPr id="5" name="Obraz 5" descr="Obraz zawierający logo, zrzut ekranu, Grafika, projekt graficzny&#10;&#10;Opis wygenerowany automatycznie">
+            <a:extLst>
+              <a:ext uri="{FF2B5EF4-FFF2-40B4-BE49-F238E27FC236}">
+                <a16:creationId xmlns:a16="http://schemas.microsoft.com/office/drawing/2014/main" id="{47CAE8C9-1C26-75B8-4F4C-39259D22C411}"/>
+              </a:ext>
+            </a:extLst>
+          </p:cNvPr>
+          <p:cNvPicPr>
+            <a:picLocks noChangeAspect="1"/>
+          </p:cNvPicPr>
+          <p:nvPr/>
+        </p:nvPicPr>
+        <p:blipFill>
+          <a:blip r:embed="rId2" cstate="print"/>
+          <a:stretch>
+            <a:fillRect/>
+          </a:stretch>
+        </p:blipFill>
+        <p:spPr>
+          <a:xfrm>
+            <a:off x="455554" y="1748779"/>
+            <a:ext cx="876300" cy="1685925"/>
+          </a:xfrm>
+          <a:prstGeom prst="rect">
+            <a:avLst/>
+          </a:prstGeom>
+        </p:spPr>
+      </p:pic>
+    </p:spTree>
+    <p:extLst>
+      <p:ext uri="{BB962C8B-B14F-4D97-AF65-F5344CB8AC3E}">
+        <p14:creationId xmlns:p14="http://schemas.microsoft.com/office/powerpoint/2010/main" val="3830522845"/>
       </p:ext>
     </p:extLst>
   </p:cSld>
@@ -5412,4 +11652,237 @@
     </a:ext>
   </a:extLst>
 </a:theme>
+</file>
+
+<file path=ppt/theme/theme2.xml><?xml version="1.0" encoding="utf-8"?>
+<a:theme xmlns:a="http://schemas.openxmlformats.org/drawingml/2006/main" name="Organiczny">
+  <a:themeElements>
+    <a:clrScheme name="Organiczny">
+      <a:dk1>
+        <a:sysClr val="windowText" lastClr="000000"/>
+      </a:dk1>
+      <a:lt1>
+        <a:sysClr val="window" lastClr="FFFFFF"/>
+      </a:lt1>
+      <a:dk2>
+        <a:srgbClr val="212121"/>
+      </a:dk2>
+      <a:lt2>
+        <a:srgbClr val="DADADA"/>
+      </a:lt2>
+      <a:accent1>
+        <a:srgbClr val="83992A"/>
+      </a:accent1>
+      <a:accent2>
+        <a:srgbClr val="3C9770"/>
+      </a:accent2>
+      <a:accent3>
+        <a:srgbClr val="44709D"/>
+      </a:accent3>
+      <a:accent4>
+        <a:srgbClr val="A23C33"/>
+      </a:accent4>
+      <a:accent5>
+        <a:srgbClr val="D97828"/>
+      </a:accent5>
+      <a:accent6>
+        <a:srgbClr val="DEB340"/>
+      </a:accent6>
+      <a:hlink>
+        <a:srgbClr val="A8BF4D"/>
+      </a:hlink>
+      <a:folHlink>
+        <a:srgbClr val="B4CA80"/>
+      </a:folHlink>
+    </a:clrScheme>
+    <a:fontScheme name="Organiczny">
+      <a:majorFont>
+        <a:latin typeface="Garamond" panose="02020404030301010803"/>
+        <a:ea typeface=""/>
+        <a:cs typeface=""/>
+        <a:font script="Jpan" typeface="ＭＳ Ｐゴシック"/>
+        <a:font script="Hang" typeface="돋움"/>
+        <a:font script="Hans" typeface="方正舒体"/>
+        <a:font script="Hant" typeface="微軟正黑體"/>
+        <a:font script="Arab" typeface="Arial"/>
+        <a:font script="Hebr" typeface="Arial"/>
+        <a:font script="Thai" typeface="Cordia New"/>
+        <a:font script="Ethi" typeface="Nyala"/>
+        <a:font script="Beng" typeface="Vrinda"/>
+        <a:font script="Gujr" typeface="Shruti"/>
+        <a:font script="Khmr" typeface="DaunPenh"/>
+        <a:font script="Knda" typeface="Tunga"/>
+        <a:font script="Guru" typeface="Raavi"/>
+        <a:font script="Cans" typeface="Euphemia"/>
+        <a:font script="Cher" typeface="Plantagenet Cherokee"/>
+        <a:font script="Yiii" typeface="Microsoft Yi Baiti"/>
+        <a:font script="Tibt" typeface="Microsoft Himalaya"/>
+        <a:font script="Thaa" typeface="MV Boli"/>
+        <a:font script="Deva" typeface="Mangal"/>
+        <a:font script="Telu" typeface="Gautami"/>
+        <a:font script="Taml" typeface="Latha"/>
+        <a:font script="Syrc" typeface="Estrangelo Edessa"/>
+        <a:font script="Orya" typeface="Kalinga"/>
+        <a:font script="Mlym" typeface="Kartika"/>
+        <a:font script="Laoo" typeface="DokChampa"/>
+        <a:font script="Sinh" typeface="Iskoola Pota"/>
+        <a:font script="Mong" typeface="Mongolian Baiti"/>
+        <a:font script="Viet" typeface="Arial"/>
+        <a:font script="Uigh" typeface="Microsoft Uighur"/>
+        <a:font script="Geor" typeface="Sylfaen"/>
+      </a:majorFont>
+      <a:minorFont>
+        <a:latin typeface="Garamond" panose="02020404030301010803"/>
+        <a:ea typeface=""/>
+        <a:cs typeface=""/>
+        <a:font script="Jpan" typeface="ＭＳ Ｐ明朝"/>
+        <a:font script="Hang" typeface="바탕"/>
+        <a:font script="Hans" typeface="方正舒体"/>
+        <a:font script="Hant" typeface="新細明體"/>
+        <a:font script="Arab" typeface="Times New Roman"/>
+        <a:font script="Hebr" typeface="Times New Roman"/>
+        <a:font script="Thai" typeface="Angsana New"/>
+        <a:font script="Ethi" typeface="Nyala"/>
+        <a:font script="Beng" typeface="Vrinda"/>
+        <a:font script="Gujr" typeface="Shruti"/>
+        <a:font script="Khmr" typeface="MoolBoran"/>
+        <a:font script="Knda" typeface="Tunga"/>
+        <a:font script="Guru" typeface="Raavi"/>
+        <a:font script="Cans" typeface="Euphemia"/>
+        <a:font script="Cher" typeface="Plantagenet Cherokee"/>
+        <a:font script="Yiii" typeface="Microsoft Yi Baiti"/>
+        <a:font script="Tibt" typeface="Microsoft Himalaya"/>
+        <a:font script="Thaa" typeface="MV Boli"/>
+        <a:font script="Deva" typeface="Mangal"/>
+        <a:font script="Telu" typeface="Gautami"/>
+        <a:font script="Taml" typeface="Latha"/>
+        <a:font script="Syrc" typeface="Estrangelo Edessa"/>
+        <a:font script="Orya" typeface="Kalinga"/>
+        <a:font script="Mlym" typeface="Kartika"/>
+        <a:font script="Laoo" typeface="DokChampa"/>
+        <a:font script="Sinh" typeface="Iskoola Pota"/>
+        <a:font script="Mong" typeface="Mongolian Baiti"/>
+        <a:font script="Viet" typeface="Times New Roman"/>
+        <a:font script="Uigh" typeface="Microsoft Uighur"/>
+        <a:font script="Geor" typeface="Sylfaen"/>
+      </a:minorFont>
+    </a:fontScheme>
+    <a:fmtScheme name="Organiczny">
+      <a:fillStyleLst>
+        <a:solidFill>
+          <a:schemeClr val="phClr"/>
+        </a:solidFill>
+        <a:gradFill rotWithShape="1">
+          <a:gsLst>
+            <a:gs pos="0">
+              <a:schemeClr val="phClr">
+                <a:tint val="60000"/>
+                <a:lumMod val="110000"/>
+              </a:schemeClr>
+            </a:gs>
+            <a:gs pos="100000">
+              <a:schemeClr val="phClr">
+                <a:tint val="82000"/>
+              </a:schemeClr>
+            </a:gs>
+          </a:gsLst>
+          <a:lin ang="5400000" scaled="0"/>
+        </a:gradFill>
+        <a:blipFill>
+          <a:blip xmlns:r="http://schemas.openxmlformats.org/officeDocument/2006/relationships" r:embed="rId1">
+            <a:duotone>
+              <a:schemeClr val="phClr">
+                <a:shade val="74000"/>
+                <a:satMod val="130000"/>
+                <a:lumMod val="90000"/>
+              </a:schemeClr>
+              <a:schemeClr val="phClr">
+                <a:tint val="94000"/>
+                <a:satMod val="120000"/>
+                <a:lumMod val="104000"/>
+              </a:schemeClr>
+            </a:duotone>
+          </a:blip>
+          <a:tile tx="0" ty="0" sx="100000" sy="100000" flip="none" algn="tl"/>
+        </a:blipFill>
+      </a:fillStyleLst>
+      <a:lnStyleLst>
+        <a:ln w="9525" cap="flat" cmpd="sng" algn="ctr">
+          <a:solidFill>
+            <a:schemeClr val="phClr"/>
+          </a:solidFill>
+          <a:prstDash val="solid"/>
+        </a:ln>
+        <a:ln w="15875" cap="flat" cmpd="sng" algn="ctr">
+          <a:solidFill>
+            <a:schemeClr val="phClr"/>
+          </a:solidFill>
+          <a:prstDash val="solid"/>
+        </a:ln>
+        <a:ln w="25400" cap="flat" cmpd="sng" algn="ctr">
+          <a:solidFill>
+            <a:schemeClr val="phClr"/>
+          </a:solidFill>
+          <a:prstDash val="solid"/>
+        </a:ln>
+      </a:lnStyleLst>
+      <a:effectStyleLst>
+        <a:effectStyle>
+          <a:effectLst/>
+        </a:effectStyle>
+        <a:effectStyle>
+          <a:effectLst>
+            <a:innerShdw blurRad="25400" dist="12700" dir="13500000">
+              <a:srgbClr val="000000">
+                <a:alpha val="45000"/>
+              </a:srgbClr>
+            </a:innerShdw>
+          </a:effectLst>
+        </a:effectStyle>
+        <a:effectStyle>
+          <a:effectLst>
+            <a:outerShdw blurRad="38100" dist="25400" dir="5400000" rotWithShape="0">
+              <a:srgbClr val="000000">
+                <a:alpha val="60000"/>
+              </a:srgbClr>
+            </a:outerShdw>
+          </a:effectLst>
+        </a:effectStyle>
+      </a:effectStyleLst>
+      <a:bgFillStyleLst>
+        <a:solidFill>
+          <a:schemeClr val="phClr"/>
+        </a:solidFill>
+        <a:gradFill rotWithShape="1">
+          <a:gsLst>
+            <a:gs pos="0">
+              <a:schemeClr val="phClr">
+                <a:tint val="90000"/>
+                <a:lumMod val="110000"/>
+              </a:schemeClr>
+            </a:gs>
+            <a:gs pos="100000">
+              <a:schemeClr val="phClr">
+                <a:shade val="88000"/>
+                <a:lumMod val="98000"/>
+              </a:schemeClr>
+            </a:gs>
+          </a:gsLst>
+          <a:lin ang="5400000" scaled="0"/>
+        </a:gradFill>
+        <a:blipFill>
+          <a:blip xmlns:r="http://schemas.openxmlformats.org/officeDocument/2006/relationships" r:embed="rId2"/>
+          <a:stretch/>
+        </a:blipFill>
+      </a:bgFillStyleLst>
+    </a:fmtScheme>
+  </a:themeElements>
+  <a:objectDefaults/>
+  <a:extraClrSchemeLst/>
+  <a:extLst>
+    <a:ext uri="{05A4C25C-085E-4340-85A3-A5531E510DB2}">
+      <thm15:themeFamily xmlns:thm15="http://schemas.microsoft.com/office/thememl/2012/main" name="Organic" id="{28CDC826-8792-45C0-861B-85EB3ADEDA33}" vid="{7DAC20F1-423D-49E2-BD0B-50532748BAD0}"/>
+    </a:ext>
+  </a:extLst>
+</a:theme>
 </file>